--- a/Proteins_signals_Bio311_S17_github.pptx
+++ b/Proteins_signals_Bio311_S17_github.pptx
@@ -5,7 +5,7 @@
     <p:sldMasterId id="2147483648" r:id="rId1"/>
   </p:sldMasterIdLst>
   <p:notesMasterIdLst>
-    <p:notesMasterId r:id="rId41"/>
+    <p:notesMasterId r:id="rId35"/>
   </p:notesMasterIdLst>
   <p:sldIdLst>
     <p:sldId id="257" r:id="rId2"/>
@@ -15,38 +15,32 @@
     <p:sldId id="261" r:id="rId6"/>
     <p:sldId id="262" r:id="rId7"/>
     <p:sldId id="263" r:id="rId8"/>
-    <p:sldId id="264" r:id="rId9"/>
-    <p:sldId id="265" r:id="rId10"/>
-    <p:sldId id="266" r:id="rId11"/>
-    <p:sldId id="267" r:id="rId12"/>
-    <p:sldId id="268" r:id="rId13"/>
-    <p:sldId id="269" r:id="rId14"/>
-    <p:sldId id="270" r:id="rId15"/>
-    <p:sldId id="271" r:id="rId16"/>
-    <p:sldId id="273" r:id="rId17"/>
-    <p:sldId id="274" r:id="rId18"/>
-    <p:sldId id="275" r:id="rId19"/>
-    <p:sldId id="276" r:id="rId20"/>
-    <p:sldId id="277" r:id="rId21"/>
-    <p:sldId id="278" r:id="rId22"/>
-    <p:sldId id="280" r:id="rId23"/>
-    <p:sldId id="281" r:id="rId24"/>
-    <p:sldId id="282" r:id="rId25"/>
-    <p:sldId id="283" r:id="rId26"/>
-    <p:sldId id="284" r:id="rId27"/>
-    <p:sldId id="285" r:id="rId28"/>
-    <p:sldId id="286" r:id="rId29"/>
-    <p:sldId id="287" r:id="rId30"/>
-    <p:sldId id="289" r:id="rId31"/>
-    <p:sldId id="290" r:id="rId32"/>
-    <p:sldId id="292" r:id="rId33"/>
-    <p:sldId id="293" r:id="rId34"/>
-    <p:sldId id="294" r:id="rId35"/>
-    <p:sldId id="295" r:id="rId36"/>
-    <p:sldId id="297" r:id="rId37"/>
-    <p:sldId id="299" r:id="rId38"/>
-    <p:sldId id="300" r:id="rId39"/>
-    <p:sldId id="302" r:id="rId40"/>
+    <p:sldId id="270" r:id="rId9"/>
+    <p:sldId id="271" r:id="rId10"/>
+    <p:sldId id="273" r:id="rId11"/>
+    <p:sldId id="274" r:id="rId12"/>
+    <p:sldId id="275" r:id="rId13"/>
+    <p:sldId id="303" r:id="rId14"/>
+    <p:sldId id="276" r:id="rId15"/>
+    <p:sldId id="277" r:id="rId16"/>
+    <p:sldId id="278" r:id="rId17"/>
+    <p:sldId id="280" r:id="rId18"/>
+    <p:sldId id="281" r:id="rId19"/>
+    <p:sldId id="282" r:id="rId20"/>
+    <p:sldId id="283" r:id="rId21"/>
+    <p:sldId id="284" r:id="rId22"/>
+    <p:sldId id="285" r:id="rId23"/>
+    <p:sldId id="286" r:id="rId24"/>
+    <p:sldId id="287" r:id="rId25"/>
+    <p:sldId id="289" r:id="rId26"/>
+    <p:sldId id="290" r:id="rId27"/>
+    <p:sldId id="292" r:id="rId28"/>
+    <p:sldId id="293" r:id="rId29"/>
+    <p:sldId id="294" r:id="rId30"/>
+    <p:sldId id="297" r:id="rId31"/>
+    <p:sldId id="299" r:id="rId32"/>
+    <p:sldId id="300" r:id="rId33"/>
+    <p:sldId id="302" r:id="rId34"/>
   </p:sldIdLst>
   <p:sldSz cx="12192000" cy="6858000"/>
   <p:notesSz cx="6858000" cy="9144000"/>
@@ -948,7 +942,7 @@
                   <a:spcPct val="0"/>
                 </a:spcBef>
               </a:pPr>
-              <a:t>26</a:t>
+              <a:t>21</a:t>
             </a:fld>
             <a:endParaRPr lang="en-US" altLang="en-US">
               <a:latin typeface="Arial" charset="0"/>
@@ -4177,1948 +4171,6 @@
       </p:grpSpPr>
       <p:sp>
         <p:nvSpPr>
-          <p:cNvPr id="2" name="Title 1"/>
-          <p:cNvSpPr txBox="1">
-            <a:spLocks/>
-          </p:cNvSpPr>
-          <p:nvPr/>
-        </p:nvSpPr>
-        <p:spPr>
-          <a:xfrm>
-            <a:off x="1981200" y="0"/>
-            <a:ext cx="8229600" cy="1454150"/>
-          </a:xfrm>
-          <a:prstGeom prst="rect">
-            <a:avLst/>
-          </a:prstGeom>
-        </p:spPr>
-        <p:txBody>
-          <a:bodyPr/>
-          <a:lstStyle>
-            <a:lvl1pPr algn="ctr" defTabSz="914400" rtl="0" eaLnBrk="1" latinLnBrk="0" hangingPunct="1">
-              <a:spcBef>
-                <a:spcPct val="0"/>
-              </a:spcBef>
-              <a:buNone/>
-              <a:defRPr sz="4400" kern="1200">
-                <a:solidFill>
-                  <a:schemeClr val="tx1"/>
-                </a:solidFill>
-                <a:latin typeface="+mj-lt"/>
-                <a:ea typeface="+mj-ea"/>
-                <a:cs typeface="+mj-cs"/>
-              </a:defRPr>
-            </a:lvl1pPr>
-          </a:lstStyle>
-          <a:p>
-            <a:pPr>
-              <a:defRPr/>
-            </a:pPr>
-            <a:r>
-              <a:rPr lang="en-US" dirty="0">
-                <a:solidFill>
-                  <a:schemeClr val="bg1">
-                    <a:lumMod val="75000"/>
-                  </a:schemeClr>
-                </a:solidFill>
-              </a:rPr>
-              <a:t>How are proteins made? </a:t>
-            </a:r>
-          </a:p>
-          <a:p>
-            <a:pPr>
-              <a:defRPr/>
-            </a:pPr>
-            <a:r>
-              <a:rPr lang="en-US" dirty="0"/>
-              <a:t>Translation</a:t>
-            </a:r>
-          </a:p>
-          <a:p>
-            <a:pPr>
-              <a:defRPr/>
-            </a:pPr>
-            <a:r>
-              <a:rPr lang="en-US" sz="2800" u="sng" dirty="0"/>
-              <a:t>Process</a:t>
-            </a:r>
-          </a:p>
-        </p:txBody>
-      </p:sp>
-      <p:pic>
-        <p:nvPicPr>
-          <p:cNvPr id="24578" name="Picture 3"/>
-          <p:cNvPicPr>
-            <a:picLocks noChangeAspect="1"/>
-          </p:cNvPicPr>
-          <p:nvPr/>
-        </p:nvPicPr>
-        <p:blipFill>
-          <a:blip r:embed="rId2">
-            <a:extLst>
-              <a:ext uri="{28A0092B-C50C-407E-A947-70E740481C1C}">
-                <a14:useLocalDpi xmlns:a14="http://schemas.microsoft.com/office/drawing/2010/main" val="0"/>
-              </a:ext>
-            </a:extLst>
-          </a:blip>
-          <a:srcRect/>
-          <a:stretch>
-            <a:fillRect/>
-          </a:stretch>
-        </p:blipFill>
-        <p:spPr bwMode="auto">
-          <a:xfrm>
-            <a:off x="1809750" y="1958975"/>
-            <a:ext cx="8572500" cy="4572000"/>
-          </a:xfrm>
-          <a:prstGeom prst="rect">
-            <a:avLst/>
-          </a:prstGeom>
-          <a:noFill/>
-          <a:ln>
-            <a:noFill/>
-          </a:ln>
-          <a:extLst>
-            <a:ext uri="{909E8E84-426E-40DD-AFC4-6F175D3DCCD1}">
-              <a14:hiddenFill xmlns:a14="http://schemas.microsoft.com/office/drawing/2010/main">
-                <a:solidFill>
-                  <a:srgbClr val="FFFFFF"/>
-                </a:solidFill>
-              </a14:hiddenFill>
-            </a:ext>
-            <a:ext uri="{91240B29-F687-4F45-9708-019B960494DF}">
-              <a14:hiddenLine xmlns:a14="http://schemas.microsoft.com/office/drawing/2010/main" w="9525">
-                <a:solidFill>
-                  <a:srgbClr val="000000"/>
-                </a:solidFill>
-                <a:miter lim="800000"/>
-                <a:headEnd/>
-                <a:tailEnd/>
-              </a14:hiddenLine>
-            </a:ext>
-          </a:extLst>
-        </p:spPr>
-      </p:pic>
-    </p:spTree>
-    <p:extLst>
-      <p:ext uri="{BB962C8B-B14F-4D97-AF65-F5344CB8AC3E}">
-        <p14:creationId xmlns:p14="http://schemas.microsoft.com/office/powerpoint/2010/main" val="255801307"/>
-      </p:ext>
-    </p:extLst>
-  </p:cSld>
-  <p:clrMapOvr>
-    <a:masterClrMapping/>
-  </p:clrMapOvr>
-  <p:timing>
-    <p:tnLst>
-      <p:par>
-        <p:cTn id="1" dur="indefinite" restart="never" nodeType="tmRoot"/>
-      </p:par>
-    </p:tnLst>
-  </p:timing>
-</p:sld>
-</file>
-
-<file path=ppt/slides/slide11.xml><?xml version="1.0" encoding="utf-8"?>
-<p:sld xmlns:a="http://schemas.openxmlformats.org/drawingml/2006/main" xmlns:r="http://schemas.openxmlformats.org/officeDocument/2006/relationships" xmlns:p="http://schemas.openxmlformats.org/presentationml/2006/main">
-  <p:cSld>
-    <p:spTree>
-      <p:nvGrpSpPr>
-        <p:cNvPr id="1" name=""/>
-        <p:cNvGrpSpPr/>
-        <p:nvPr/>
-      </p:nvGrpSpPr>
-      <p:grpSpPr>
-        <a:xfrm>
-          <a:off x="0" y="0"/>
-          <a:ext cx="0" cy="0"/>
-          <a:chOff x="0" y="0"/>
-          <a:chExt cx="0" cy="0"/>
-        </a:xfrm>
-      </p:grpSpPr>
-      <p:sp>
-        <p:nvSpPr>
-          <p:cNvPr id="2" name="Title 1"/>
-          <p:cNvSpPr txBox="1">
-            <a:spLocks/>
-          </p:cNvSpPr>
-          <p:nvPr/>
-        </p:nvSpPr>
-        <p:spPr>
-          <a:xfrm>
-            <a:off x="1981200" y="0"/>
-            <a:ext cx="8229600" cy="1454150"/>
-          </a:xfrm>
-          <a:prstGeom prst="rect">
-            <a:avLst/>
-          </a:prstGeom>
-        </p:spPr>
-        <p:txBody>
-          <a:bodyPr/>
-          <a:lstStyle>
-            <a:lvl1pPr algn="ctr" defTabSz="914400" rtl="0" eaLnBrk="1" latinLnBrk="0" hangingPunct="1">
-              <a:spcBef>
-                <a:spcPct val="0"/>
-              </a:spcBef>
-              <a:buNone/>
-              <a:defRPr sz="4400" kern="1200">
-                <a:solidFill>
-                  <a:schemeClr val="tx1"/>
-                </a:solidFill>
-                <a:latin typeface="+mj-lt"/>
-                <a:ea typeface="+mj-ea"/>
-                <a:cs typeface="+mj-cs"/>
-              </a:defRPr>
-            </a:lvl1pPr>
-          </a:lstStyle>
-          <a:p>
-            <a:pPr>
-              <a:defRPr/>
-            </a:pPr>
-            <a:r>
-              <a:rPr lang="en-US" dirty="0">
-                <a:solidFill>
-                  <a:schemeClr val="bg1">
-                    <a:lumMod val="75000"/>
-                  </a:schemeClr>
-                </a:solidFill>
-              </a:rPr>
-              <a:t>How are proteins made? </a:t>
-            </a:r>
-          </a:p>
-          <a:p>
-            <a:pPr>
-              <a:defRPr/>
-            </a:pPr>
-            <a:r>
-              <a:rPr lang="en-US" dirty="0"/>
-              <a:t>Translation</a:t>
-            </a:r>
-          </a:p>
-          <a:p>
-            <a:pPr>
-              <a:defRPr/>
-            </a:pPr>
-            <a:r>
-              <a:rPr lang="en-US" sz="2800" u="sng" dirty="0"/>
-              <a:t>Process</a:t>
-            </a:r>
-          </a:p>
-        </p:txBody>
-      </p:sp>
-      <p:pic>
-        <p:nvPicPr>
-          <p:cNvPr id="25602" name="Picture 2"/>
-          <p:cNvPicPr>
-            <a:picLocks noChangeAspect="1"/>
-          </p:cNvPicPr>
-          <p:nvPr/>
-        </p:nvPicPr>
-        <p:blipFill>
-          <a:blip r:embed="rId2">
-            <a:extLst>
-              <a:ext uri="{28A0092B-C50C-407E-A947-70E740481C1C}">
-                <a14:useLocalDpi xmlns:a14="http://schemas.microsoft.com/office/drawing/2010/main" val="0"/>
-              </a:ext>
-            </a:extLst>
-          </a:blip>
-          <a:srcRect/>
-          <a:stretch>
-            <a:fillRect/>
-          </a:stretch>
-        </p:blipFill>
-        <p:spPr bwMode="auto">
-          <a:xfrm>
-            <a:off x="1524000" y="1927225"/>
-            <a:ext cx="9144000" cy="4535488"/>
-          </a:xfrm>
-          <a:prstGeom prst="rect">
-            <a:avLst/>
-          </a:prstGeom>
-          <a:noFill/>
-          <a:ln>
-            <a:noFill/>
-          </a:ln>
-          <a:extLst>
-            <a:ext uri="{909E8E84-426E-40DD-AFC4-6F175D3DCCD1}">
-              <a14:hiddenFill xmlns:a14="http://schemas.microsoft.com/office/drawing/2010/main">
-                <a:solidFill>
-                  <a:srgbClr val="FFFFFF"/>
-                </a:solidFill>
-              </a14:hiddenFill>
-            </a:ext>
-            <a:ext uri="{91240B29-F687-4F45-9708-019B960494DF}">
-              <a14:hiddenLine xmlns:a14="http://schemas.microsoft.com/office/drawing/2010/main" w="9525">
-                <a:solidFill>
-                  <a:srgbClr val="000000"/>
-                </a:solidFill>
-                <a:miter lim="800000"/>
-                <a:headEnd/>
-                <a:tailEnd/>
-              </a14:hiddenLine>
-            </a:ext>
-          </a:extLst>
-        </p:spPr>
-      </p:pic>
-    </p:spTree>
-    <p:extLst>
-      <p:ext uri="{BB962C8B-B14F-4D97-AF65-F5344CB8AC3E}">
-        <p14:creationId xmlns:p14="http://schemas.microsoft.com/office/powerpoint/2010/main" val="2137789102"/>
-      </p:ext>
-    </p:extLst>
-  </p:cSld>
-  <p:clrMapOvr>
-    <a:masterClrMapping/>
-  </p:clrMapOvr>
-  <p:timing>
-    <p:tnLst>
-      <p:par>
-        <p:cTn id="1" dur="indefinite" restart="never" nodeType="tmRoot"/>
-      </p:par>
-    </p:tnLst>
-  </p:timing>
-</p:sld>
-</file>
-
-<file path=ppt/slides/slide12.xml><?xml version="1.0" encoding="utf-8"?>
-<p:sld xmlns:a="http://schemas.openxmlformats.org/drawingml/2006/main" xmlns:r="http://schemas.openxmlformats.org/officeDocument/2006/relationships" xmlns:p="http://schemas.openxmlformats.org/presentationml/2006/main">
-  <p:cSld>
-    <p:spTree>
-      <p:nvGrpSpPr>
-        <p:cNvPr id="1" name=""/>
-        <p:cNvGrpSpPr/>
-        <p:nvPr/>
-      </p:nvGrpSpPr>
-      <p:grpSpPr>
-        <a:xfrm>
-          <a:off x="0" y="0"/>
-          <a:ext cx="0" cy="0"/>
-          <a:chOff x="0" y="0"/>
-          <a:chExt cx="0" cy="0"/>
-        </a:xfrm>
-      </p:grpSpPr>
-      <p:sp>
-        <p:nvSpPr>
-          <p:cNvPr id="2" name="Title 1"/>
-          <p:cNvSpPr txBox="1">
-            <a:spLocks/>
-          </p:cNvSpPr>
-          <p:nvPr/>
-        </p:nvSpPr>
-        <p:spPr>
-          <a:xfrm>
-            <a:off x="1981200" y="0"/>
-            <a:ext cx="8229600" cy="1454150"/>
-          </a:xfrm>
-          <a:prstGeom prst="rect">
-            <a:avLst/>
-          </a:prstGeom>
-        </p:spPr>
-        <p:txBody>
-          <a:bodyPr/>
-          <a:lstStyle>
-            <a:lvl1pPr algn="ctr" defTabSz="914400" rtl="0" eaLnBrk="1" latinLnBrk="0" hangingPunct="1">
-              <a:spcBef>
-                <a:spcPct val="0"/>
-              </a:spcBef>
-              <a:buNone/>
-              <a:defRPr sz="4400" kern="1200">
-                <a:solidFill>
-                  <a:schemeClr val="tx1"/>
-                </a:solidFill>
-                <a:latin typeface="+mj-lt"/>
-                <a:ea typeface="+mj-ea"/>
-                <a:cs typeface="+mj-cs"/>
-              </a:defRPr>
-            </a:lvl1pPr>
-          </a:lstStyle>
-          <a:p>
-            <a:pPr>
-              <a:defRPr/>
-            </a:pPr>
-            <a:r>
-              <a:rPr lang="en-US" dirty="0">
-                <a:solidFill>
-                  <a:schemeClr val="bg1">
-                    <a:lumMod val="75000"/>
-                  </a:schemeClr>
-                </a:solidFill>
-              </a:rPr>
-              <a:t>How are proteins made? </a:t>
-            </a:r>
-          </a:p>
-          <a:p>
-            <a:pPr>
-              <a:defRPr/>
-            </a:pPr>
-            <a:r>
-              <a:rPr lang="en-US" dirty="0"/>
-              <a:t>Translation</a:t>
-            </a:r>
-          </a:p>
-          <a:p>
-            <a:pPr>
-              <a:defRPr/>
-            </a:pPr>
-            <a:r>
-              <a:rPr lang="en-US" sz="2800" u="sng" dirty="0"/>
-              <a:t>Process</a:t>
-            </a:r>
-          </a:p>
-        </p:txBody>
-      </p:sp>
-      <p:pic>
-        <p:nvPicPr>
-          <p:cNvPr id="26626" name="Picture 3"/>
-          <p:cNvPicPr>
-            <a:picLocks noChangeAspect="1"/>
-          </p:cNvPicPr>
-          <p:nvPr/>
-        </p:nvPicPr>
-        <p:blipFill>
-          <a:blip r:embed="rId2">
-            <a:extLst>
-              <a:ext uri="{28A0092B-C50C-407E-A947-70E740481C1C}">
-                <a14:useLocalDpi xmlns:a14="http://schemas.microsoft.com/office/drawing/2010/main" val="0"/>
-              </a:ext>
-            </a:extLst>
-          </a:blip>
-          <a:srcRect/>
-          <a:stretch>
-            <a:fillRect/>
-          </a:stretch>
-        </p:blipFill>
-        <p:spPr bwMode="auto">
-          <a:xfrm>
-            <a:off x="2317750" y="1893888"/>
-            <a:ext cx="7556500" cy="4800600"/>
-          </a:xfrm>
-          <a:prstGeom prst="rect">
-            <a:avLst/>
-          </a:prstGeom>
-          <a:noFill/>
-          <a:ln>
-            <a:noFill/>
-          </a:ln>
-          <a:extLst>
-            <a:ext uri="{909E8E84-426E-40DD-AFC4-6F175D3DCCD1}">
-              <a14:hiddenFill xmlns:a14="http://schemas.microsoft.com/office/drawing/2010/main">
-                <a:solidFill>
-                  <a:srgbClr val="FFFFFF"/>
-                </a:solidFill>
-              </a14:hiddenFill>
-            </a:ext>
-            <a:ext uri="{91240B29-F687-4F45-9708-019B960494DF}">
-              <a14:hiddenLine xmlns:a14="http://schemas.microsoft.com/office/drawing/2010/main" w="9525">
-                <a:solidFill>
-                  <a:srgbClr val="000000"/>
-                </a:solidFill>
-                <a:miter lim="800000"/>
-                <a:headEnd/>
-                <a:tailEnd/>
-              </a14:hiddenLine>
-            </a:ext>
-          </a:extLst>
-        </p:spPr>
-      </p:pic>
-    </p:spTree>
-    <p:extLst>
-      <p:ext uri="{BB962C8B-B14F-4D97-AF65-F5344CB8AC3E}">
-        <p14:creationId xmlns:p14="http://schemas.microsoft.com/office/powerpoint/2010/main" val="272539357"/>
-      </p:ext>
-    </p:extLst>
-  </p:cSld>
-  <p:clrMapOvr>
-    <a:masterClrMapping/>
-  </p:clrMapOvr>
-  <p:timing>
-    <p:tnLst>
-      <p:par>
-        <p:cTn id="1" dur="indefinite" restart="never" nodeType="tmRoot"/>
-      </p:par>
-    </p:tnLst>
-  </p:timing>
-</p:sld>
-</file>
-
-<file path=ppt/slides/slide13.xml><?xml version="1.0" encoding="utf-8"?>
-<p:sld xmlns:a="http://schemas.openxmlformats.org/drawingml/2006/main" xmlns:r="http://schemas.openxmlformats.org/officeDocument/2006/relationships" xmlns:p="http://schemas.openxmlformats.org/presentationml/2006/main">
-  <p:cSld>
-    <p:spTree>
-      <p:nvGrpSpPr>
-        <p:cNvPr id="1" name=""/>
-        <p:cNvGrpSpPr/>
-        <p:nvPr/>
-      </p:nvGrpSpPr>
-      <p:grpSpPr>
-        <a:xfrm>
-          <a:off x="0" y="0"/>
-          <a:ext cx="0" cy="0"/>
-          <a:chOff x="0" y="0"/>
-          <a:chExt cx="0" cy="0"/>
-        </a:xfrm>
-      </p:grpSpPr>
-      <p:sp>
-        <p:nvSpPr>
-          <p:cNvPr id="2" name="Title 1"/>
-          <p:cNvSpPr txBox="1">
-            <a:spLocks/>
-          </p:cNvSpPr>
-          <p:nvPr/>
-        </p:nvSpPr>
-        <p:spPr>
-          <a:xfrm>
-            <a:off x="1981200" y="0"/>
-            <a:ext cx="8229600" cy="1454150"/>
-          </a:xfrm>
-          <a:prstGeom prst="rect">
-            <a:avLst/>
-          </a:prstGeom>
-        </p:spPr>
-        <p:txBody>
-          <a:bodyPr/>
-          <a:lstStyle>
-            <a:lvl1pPr algn="ctr" defTabSz="914400" rtl="0" eaLnBrk="1" latinLnBrk="0" hangingPunct="1">
-              <a:spcBef>
-                <a:spcPct val="0"/>
-              </a:spcBef>
-              <a:buNone/>
-              <a:defRPr sz="4400" kern="1200">
-                <a:solidFill>
-                  <a:schemeClr val="tx1"/>
-                </a:solidFill>
-                <a:latin typeface="+mj-lt"/>
-                <a:ea typeface="+mj-ea"/>
-                <a:cs typeface="+mj-cs"/>
-              </a:defRPr>
-            </a:lvl1pPr>
-          </a:lstStyle>
-          <a:p>
-            <a:pPr>
-              <a:defRPr/>
-            </a:pPr>
-            <a:r>
-              <a:rPr lang="en-US" dirty="0">
-                <a:solidFill>
-                  <a:schemeClr val="bg1">
-                    <a:lumMod val="75000"/>
-                  </a:schemeClr>
-                </a:solidFill>
-              </a:rPr>
-              <a:t>How are proteins made? </a:t>
-            </a:r>
-          </a:p>
-          <a:p>
-            <a:pPr>
-              <a:defRPr/>
-            </a:pPr>
-            <a:r>
-              <a:rPr lang="en-US" dirty="0"/>
-              <a:t>Translation</a:t>
-            </a:r>
-          </a:p>
-          <a:p>
-            <a:pPr>
-              <a:defRPr/>
-            </a:pPr>
-            <a:r>
-              <a:rPr lang="en-US" sz="2800" u="sng" dirty="0"/>
-              <a:t>Process</a:t>
-            </a:r>
-          </a:p>
-        </p:txBody>
-      </p:sp>
-      <p:pic>
-        <p:nvPicPr>
-          <p:cNvPr id="27650" name="Picture 2"/>
-          <p:cNvPicPr>
-            <a:picLocks noChangeAspect="1"/>
-          </p:cNvPicPr>
-          <p:nvPr/>
-        </p:nvPicPr>
-        <p:blipFill>
-          <a:blip r:embed="rId2">
-            <a:extLst>
-              <a:ext uri="{28A0092B-C50C-407E-A947-70E740481C1C}">
-                <a14:useLocalDpi xmlns:a14="http://schemas.microsoft.com/office/drawing/2010/main" val="0"/>
-              </a:ext>
-            </a:extLst>
-          </a:blip>
-          <a:srcRect/>
-          <a:stretch>
-            <a:fillRect/>
-          </a:stretch>
-        </p:blipFill>
-        <p:spPr bwMode="auto">
-          <a:xfrm>
-            <a:off x="2524125" y="2125664"/>
-            <a:ext cx="7315200" cy="4471987"/>
-          </a:xfrm>
-          <a:prstGeom prst="rect">
-            <a:avLst/>
-          </a:prstGeom>
-          <a:noFill/>
-          <a:ln>
-            <a:noFill/>
-          </a:ln>
-          <a:extLst>
-            <a:ext uri="{909E8E84-426E-40DD-AFC4-6F175D3DCCD1}">
-              <a14:hiddenFill xmlns:a14="http://schemas.microsoft.com/office/drawing/2010/main">
-                <a:solidFill>
-                  <a:srgbClr val="FFFFFF"/>
-                </a:solidFill>
-              </a14:hiddenFill>
-            </a:ext>
-            <a:ext uri="{91240B29-F687-4F45-9708-019B960494DF}">
-              <a14:hiddenLine xmlns:a14="http://schemas.microsoft.com/office/drawing/2010/main" w="9525">
-                <a:solidFill>
-                  <a:srgbClr val="000000"/>
-                </a:solidFill>
-                <a:miter lim="800000"/>
-                <a:headEnd/>
-                <a:tailEnd/>
-              </a14:hiddenLine>
-            </a:ext>
-          </a:extLst>
-        </p:spPr>
-      </p:pic>
-    </p:spTree>
-    <p:extLst>
-      <p:ext uri="{BB962C8B-B14F-4D97-AF65-F5344CB8AC3E}">
-        <p14:creationId xmlns:p14="http://schemas.microsoft.com/office/powerpoint/2010/main" val="2133837695"/>
-      </p:ext>
-    </p:extLst>
-  </p:cSld>
-  <p:clrMapOvr>
-    <a:masterClrMapping/>
-  </p:clrMapOvr>
-  <p:timing>
-    <p:tnLst>
-      <p:par>
-        <p:cTn id="1" dur="indefinite" restart="never" nodeType="tmRoot"/>
-      </p:par>
-    </p:tnLst>
-  </p:timing>
-</p:sld>
-</file>
-
-<file path=ppt/slides/slide14.xml><?xml version="1.0" encoding="utf-8"?>
-<p:sld xmlns:a="http://schemas.openxmlformats.org/drawingml/2006/main" xmlns:r="http://schemas.openxmlformats.org/officeDocument/2006/relationships" xmlns:p="http://schemas.openxmlformats.org/presentationml/2006/main">
-  <p:cSld>
-    <p:spTree>
-      <p:nvGrpSpPr>
-        <p:cNvPr id="1" name=""/>
-        <p:cNvGrpSpPr/>
-        <p:nvPr/>
-      </p:nvGrpSpPr>
-      <p:grpSpPr>
-        <a:xfrm>
-          <a:off x="0" y="0"/>
-          <a:ext cx="0" cy="0"/>
-          <a:chOff x="0" y="0"/>
-          <a:chExt cx="0" cy="0"/>
-        </a:xfrm>
-      </p:grpSpPr>
-      <p:grpSp>
-        <p:nvGrpSpPr>
-          <p:cNvPr id="28673" name="Group 5"/>
-          <p:cNvGrpSpPr>
-            <a:grpSpLocks noChangeAspect="1"/>
-          </p:cNvGrpSpPr>
-          <p:nvPr/>
-        </p:nvGrpSpPr>
-        <p:grpSpPr bwMode="auto">
-          <a:xfrm>
-            <a:off x="1671638" y="1793876"/>
-            <a:ext cx="3200400" cy="5064125"/>
-            <a:chOff x="0" y="852617"/>
-            <a:chExt cx="3795584" cy="6005383"/>
-          </a:xfrm>
-        </p:grpSpPr>
-        <p:pic>
-          <p:nvPicPr>
-            <p:cNvPr id="28676" name="Picture 1"/>
-            <p:cNvPicPr>
-              <a:picLocks noChangeAspect="1"/>
-            </p:cNvPicPr>
-            <p:nvPr/>
-          </p:nvPicPr>
-          <p:blipFill>
-            <a:blip r:embed="rId2">
-              <a:extLst>
-                <a:ext uri="{28A0092B-C50C-407E-A947-70E740481C1C}">
-                  <a14:useLocalDpi xmlns:a14="http://schemas.microsoft.com/office/drawing/2010/main" val="0"/>
-                </a:ext>
-              </a:extLst>
-            </a:blip>
-            <a:srcRect l="79729" t="6081" r="810" b="16255"/>
-            <a:stretch>
-              <a:fillRect/>
-            </a:stretch>
-          </p:blipFill>
-          <p:spPr bwMode="auto">
-            <a:xfrm>
-              <a:off x="1703173" y="1390751"/>
-              <a:ext cx="1779373" cy="3070039"/>
-            </a:xfrm>
-            <a:prstGeom prst="rect">
-              <a:avLst/>
-            </a:prstGeom>
-            <a:noFill/>
-            <a:ln>
-              <a:noFill/>
-            </a:ln>
-            <a:extLst>
-              <a:ext uri="{909E8E84-426E-40DD-AFC4-6F175D3DCCD1}">
-                <a14:hiddenFill xmlns:a14="http://schemas.microsoft.com/office/drawing/2010/main">
-                  <a:solidFill>
-                    <a:srgbClr val="FFFFFF"/>
-                  </a:solidFill>
-                </a14:hiddenFill>
-              </a:ext>
-              <a:ext uri="{91240B29-F687-4F45-9708-019B960494DF}">
-                <a14:hiddenLine xmlns:a14="http://schemas.microsoft.com/office/drawing/2010/main" w="9525">
-                  <a:solidFill>
-                    <a:srgbClr val="000000"/>
-                  </a:solidFill>
-                  <a:miter lim="800000"/>
-                  <a:headEnd/>
-                  <a:tailEnd/>
-                </a14:hiddenLine>
-              </a:ext>
-            </a:extLst>
-          </p:spPr>
-        </p:pic>
-        <p:pic>
-          <p:nvPicPr>
-            <p:cNvPr id="28677" name="Picture 2"/>
-            <p:cNvPicPr>
-              <a:picLocks noChangeAspect="1"/>
-            </p:cNvPicPr>
-            <p:nvPr/>
-          </p:nvPicPr>
-          <p:blipFill>
-            <a:blip r:embed="rId2">
-              <a:extLst>
-                <a:ext uri="{28A0092B-C50C-407E-A947-70E740481C1C}">
-                  <a14:useLocalDpi xmlns:a14="http://schemas.microsoft.com/office/drawing/2010/main" val="0"/>
-                </a:ext>
-              </a:extLst>
-            </a:blip>
-            <a:srcRect t="21606" r="61533" b="33693"/>
-            <a:stretch>
-              <a:fillRect/>
-            </a:stretch>
-          </p:blipFill>
-          <p:spPr bwMode="auto">
-            <a:xfrm>
-              <a:off x="0" y="4306946"/>
-              <a:ext cx="3517557" cy="1767016"/>
-            </a:xfrm>
-            <a:prstGeom prst="rect">
-              <a:avLst/>
-            </a:prstGeom>
-            <a:noFill/>
-            <a:ln>
-              <a:noFill/>
-            </a:ln>
-            <a:extLst>
-              <a:ext uri="{909E8E84-426E-40DD-AFC4-6F175D3DCCD1}">
-                <a14:hiddenFill xmlns:a14="http://schemas.microsoft.com/office/drawing/2010/main">
-                  <a:solidFill>
-                    <a:srgbClr val="FFFFFF"/>
-                  </a:solidFill>
-                </a14:hiddenFill>
-              </a:ext>
-              <a:ext uri="{91240B29-F687-4F45-9708-019B960494DF}">
-                <a14:hiddenLine xmlns:a14="http://schemas.microsoft.com/office/drawing/2010/main" w="9525">
-                  <a:solidFill>
-                    <a:srgbClr val="000000"/>
-                  </a:solidFill>
-                  <a:miter lim="800000"/>
-                  <a:headEnd/>
-                  <a:tailEnd/>
-                </a14:hiddenLine>
-              </a:ext>
-            </a:extLst>
-          </p:spPr>
-        </p:pic>
-        <p:pic>
-          <p:nvPicPr>
-            <p:cNvPr id="28678" name="Picture 3"/>
-            <p:cNvPicPr>
-              <a:picLocks noChangeAspect="1"/>
-            </p:cNvPicPr>
-            <p:nvPr/>
-          </p:nvPicPr>
-          <p:blipFill>
-            <a:blip r:embed="rId2">
-              <a:extLst>
-                <a:ext uri="{28A0092B-C50C-407E-A947-70E740481C1C}">
-                  <a14:useLocalDpi xmlns:a14="http://schemas.microsoft.com/office/drawing/2010/main" val="0"/>
-                </a:ext>
-              </a:extLst>
-            </a:blip>
-            <a:srcRect l="6577" t="74435" r="65045"/>
-            <a:stretch>
-              <a:fillRect/>
-            </a:stretch>
-          </p:blipFill>
-          <p:spPr bwMode="auto">
-            <a:xfrm>
-              <a:off x="0" y="5847419"/>
-              <a:ext cx="2594919" cy="1010581"/>
-            </a:xfrm>
-            <a:prstGeom prst="rect">
-              <a:avLst/>
-            </a:prstGeom>
-            <a:noFill/>
-            <a:ln>
-              <a:noFill/>
-            </a:ln>
-            <a:extLst>
-              <a:ext uri="{909E8E84-426E-40DD-AFC4-6F175D3DCCD1}">
-                <a14:hiddenFill xmlns:a14="http://schemas.microsoft.com/office/drawing/2010/main">
-                  <a:solidFill>
-                    <a:srgbClr val="FFFFFF"/>
-                  </a:solidFill>
-                </a14:hiddenFill>
-              </a:ext>
-              <a:ext uri="{91240B29-F687-4F45-9708-019B960494DF}">
-                <a14:hiddenLine xmlns:a14="http://schemas.microsoft.com/office/drawing/2010/main" w="9525">
-                  <a:solidFill>
-                    <a:srgbClr val="000000"/>
-                  </a:solidFill>
-                  <a:miter lim="800000"/>
-                  <a:headEnd/>
-                  <a:tailEnd/>
-                </a14:hiddenLine>
-              </a:ext>
-            </a:extLst>
-          </p:spPr>
-        </p:pic>
-        <p:pic>
-          <p:nvPicPr>
-            <p:cNvPr id="28679" name="Picture 4"/>
-            <p:cNvPicPr>
-              <a:picLocks noChangeAspect="1"/>
-            </p:cNvPicPr>
-            <p:nvPr/>
-          </p:nvPicPr>
-          <p:blipFill>
-            <a:blip r:embed="rId2">
-              <a:extLst>
-                <a:ext uri="{28A0092B-C50C-407E-A947-70E740481C1C}">
-                  <a14:useLocalDpi xmlns:a14="http://schemas.microsoft.com/office/drawing/2010/main" val="0"/>
-                </a:ext>
-              </a:extLst>
-            </a:blip>
-            <a:srcRect l="78242" t="82964"/>
-            <a:stretch>
-              <a:fillRect/>
-            </a:stretch>
-          </p:blipFill>
-          <p:spPr bwMode="auto">
-            <a:xfrm>
-              <a:off x="1806146" y="852617"/>
-              <a:ext cx="1989438" cy="673444"/>
-            </a:xfrm>
-            <a:prstGeom prst="rect">
-              <a:avLst/>
-            </a:prstGeom>
-            <a:noFill/>
-            <a:ln>
-              <a:noFill/>
-            </a:ln>
-            <a:extLst>
-              <a:ext uri="{909E8E84-426E-40DD-AFC4-6F175D3DCCD1}">
-                <a14:hiddenFill xmlns:a14="http://schemas.microsoft.com/office/drawing/2010/main">
-                  <a:solidFill>
-                    <a:srgbClr val="FFFFFF"/>
-                  </a:solidFill>
-                </a14:hiddenFill>
-              </a:ext>
-              <a:ext uri="{91240B29-F687-4F45-9708-019B960494DF}">
-                <a14:hiddenLine xmlns:a14="http://schemas.microsoft.com/office/drawing/2010/main" w="9525">
-                  <a:solidFill>
-                    <a:srgbClr val="000000"/>
-                  </a:solidFill>
-                  <a:miter lim="800000"/>
-                  <a:headEnd/>
-                  <a:tailEnd/>
-                </a14:hiddenLine>
-              </a:ext>
-            </a:extLst>
-          </p:spPr>
-        </p:pic>
-      </p:grpSp>
-      <p:sp>
-        <p:nvSpPr>
-          <p:cNvPr id="28674" name="Title 1"/>
-          <p:cNvSpPr txBox="1">
-            <a:spLocks/>
-          </p:cNvSpPr>
-          <p:nvPr/>
-        </p:nvSpPr>
-        <p:spPr bwMode="auto">
-          <a:xfrm>
-            <a:off x="1524000" y="152400"/>
-            <a:ext cx="9144000" cy="1143000"/>
-          </a:xfrm>
-          <a:prstGeom prst="rect">
-            <a:avLst/>
-          </a:prstGeom>
-          <a:noFill/>
-          <a:ln>
-            <a:noFill/>
-          </a:ln>
-          <a:extLst>
-            <a:ext uri="{909E8E84-426E-40DD-AFC4-6F175D3DCCD1}">
-              <a14:hiddenFill xmlns:a14="http://schemas.microsoft.com/office/drawing/2010/main">
-                <a:solidFill>
-                  <a:srgbClr val="FFFFFF"/>
-                </a:solidFill>
-              </a14:hiddenFill>
-            </a:ext>
-            <a:ext uri="{91240B29-F687-4F45-9708-019B960494DF}">
-              <a14:hiddenLine xmlns:a14="http://schemas.microsoft.com/office/drawing/2010/main" w="9525">
-                <a:solidFill>
-                  <a:srgbClr val="000000"/>
-                </a:solidFill>
-                <a:miter lim="800000"/>
-                <a:headEnd/>
-                <a:tailEnd/>
-              </a14:hiddenLine>
-            </a:ext>
-          </a:extLst>
-        </p:spPr>
-        <p:txBody>
-          <a:bodyPr/>
-          <a:lstStyle>
-            <a:lvl1pPr>
-              <a:spcBef>
-                <a:spcPct val="20000"/>
-              </a:spcBef>
-              <a:buFont typeface="Arial" charset="0"/>
-              <a:buChar char="•"/>
-              <a:defRPr sz="3200">
-                <a:solidFill>
-                  <a:schemeClr val="tx1"/>
-                </a:solidFill>
-                <a:latin typeface="Calibri" charset="0"/>
-                <a:ea typeface="ＭＳ Ｐゴシック" charset="-128"/>
-              </a:defRPr>
-            </a:lvl1pPr>
-            <a:lvl2pPr marL="742950" indent="-285750">
-              <a:spcBef>
-                <a:spcPct val="20000"/>
-              </a:spcBef>
-              <a:buFont typeface="Arial" charset="0"/>
-              <a:buChar char="–"/>
-              <a:defRPr sz="2800">
-                <a:solidFill>
-                  <a:schemeClr val="tx1"/>
-                </a:solidFill>
-                <a:latin typeface="Calibri" charset="0"/>
-                <a:ea typeface="ＭＳ Ｐゴシック" charset="-128"/>
-              </a:defRPr>
-            </a:lvl2pPr>
-            <a:lvl3pPr marL="1143000" indent="-228600">
-              <a:spcBef>
-                <a:spcPct val="20000"/>
-              </a:spcBef>
-              <a:buFont typeface="Arial" charset="0"/>
-              <a:buChar char="•"/>
-              <a:defRPr sz="2400">
-                <a:solidFill>
-                  <a:schemeClr val="tx1"/>
-                </a:solidFill>
-                <a:latin typeface="Calibri" charset="0"/>
-                <a:ea typeface="ＭＳ Ｐゴシック" charset="-128"/>
-              </a:defRPr>
-            </a:lvl3pPr>
-            <a:lvl4pPr marL="1600200" indent="-228600">
-              <a:spcBef>
-                <a:spcPct val="20000"/>
-              </a:spcBef>
-              <a:buFont typeface="Arial" charset="0"/>
-              <a:buChar char="–"/>
-              <a:defRPr sz="2000">
-                <a:solidFill>
-                  <a:schemeClr val="tx1"/>
-                </a:solidFill>
-                <a:latin typeface="Calibri" charset="0"/>
-                <a:ea typeface="ＭＳ Ｐゴシック" charset="-128"/>
-              </a:defRPr>
-            </a:lvl4pPr>
-            <a:lvl5pPr marL="2057400" indent="-228600">
-              <a:spcBef>
-                <a:spcPct val="20000"/>
-              </a:spcBef>
-              <a:buFont typeface="Arial" charset="0"/>
-              <a:buChar char="»"/>
-              <a:defRPr sz="2000">
-                <a:solidFill>
-                  <a:schemeClr val="tx1"/>
-                </a:solidFill>
-                <a:latin typeface="Calibri" charset="0"/>
-                <a:ea typeface="ＭＳ Ｐゴシック" charset="-128"/>
-              </a:defRPr>
-            </a:lvl5pPr>
-            <a:lvl6pPr marL="2514600" indent="-228600" eaLnBrk="0" fontAlgn="base" hangingPunct="0">
-              <a:spcBef>
-                <a:spcPct val="20000"/>
-              </a:spcBef>
-              <a:spcAft>
-                <a:spcPct val="0"/>
-              </a:spcAft>
-              <a:buFont typeface="Arial" charset="0"/>
-              <a:buChar char="»"/>
-              <a:defRPr sz="2000">
-                <a:solidFill>
-                  <a:schemeClr val="tx1"/>
-                </a:solidFill>
-                <a:latin typeface="Calibri" charset="0"/>
-                <a:ea typeface="ＭＳ Ｐゴシック" charset="-128"/>
-              </a:defRPr>
-            </a:lvl6pPr>
-            <a:lvl7pPr marL="2971800" indent="-228600" eaLnBrk="0" fontAlgn="base" hangingPunct="0">
-              <a:spcBef>
-                <a:spcPct val="20000"/>
-              </a:spcBef>
-              <a:spcAft>
-                <a:spcPct val="0"/>
-              </a:spcAft>
-              <a:buFont typeface="Arial" charset="0"/>
-              <a:buChar char="»"/>
-              <a:defRPr sz="2000">
-                <a:solidFill>
-                  <a:schemeClr val="tx1"/>
-                </a:solidFill>
-                <a:latin typeface="Calibri" charset="0"/>
-                <a:ea typeface="ＭＳ Ｐゴシック" charset="-128"/>
-              </a:defRPr>
-            </a:lvl7pPr>
-            <a:lvl8pPr marL="3429000" indent="-228600" eaLnBrk="0" fontAlgn="base" hangingPunct="0">
-              <a:spcBef>
-                <a:spcPct val="20000"/>
-              </a:spcBef>
-              <a:spcAft>
-                <a:spcPct val="0"/>
-              </a:spcAft>
-              <a:buFont typeface="Arial" charset="0"/>
-              <a:buChar char="»"/>
-              <a:defRPr sz="2000">
-                <a:solidFill>
-                  <a:schemeClr val="tx1"/>
-                </a:solidFill>
-                <a:latin typeface="Calibri" charset="0"/>
-                <a:ea typeface="ＭＳ Ｐゴシック" charset="-128"/>
-              </a:defRPr>
-            </a:lvl8pPr>
-            <a:lvl9pPr marL="3886200" indent="-228600" eaLnBrk="0" fontAlgn="base" hangingPunct="0">
-              <a:spcBef>
-                <a:spcPct val="20000"/>
-              </a:spcBef>
-              <a:spcAft>
-                <a:spcPct val="0"/>
-              </a:spcAft>
-              <a:buFont typeface="Arial" charset="0"/>
-              <a:buChar char="»"/>
-              <a:defRPr sz="2000">
-                <a:solidFill>
-                  <a:schemeClr val="tx1"/>
-                </a:solidFill>
-                <a:latin typeface="Calibri" charset="0"/>
-                <a:ea typeface="ＭＳ Ｐゴシック" charset="-128"/>
-              </a:defRPr>
-            </a:lvl9pPr>
-          </a:lstStyle>
-          <a:p>
-            <a:pPr algn="ctr">
-              <a:spcBef>
-                <a:spcPct val="0"/>
-              </a:spcBef>
-              <a:buNone/>
-            </a:pPr>
-            <a:r>
-              <a:rPr lang="en-US" altLang="x-none" sz="4400"/>
-              <a:t>From the Genetic Code to the aa seq</a:t>
-            </a:r>
-          </a:p>
-        </p:txBody>
-      </p:sp>
-      <p:sp>
-        <p:nvSpPr>
-          <p:cNvPr id="28675" name="Content Placeholder 2"/>
-          <p:cNvSpPr txBox="1">
-            <a:spLocks/>
-          </p:cNvSpPr>
-          <p:nvPr/>
-        </p:nvSpPr>
-        <p:spPr bwMode="auto">
-          <a:xfrm>
-            <a:off x="5454650" y="1793875"/>
-            <a:ext cx="4978400" cy="4114800"/>
-          </a:xfrm>
-          <a:prstGeom prst="rect">
-            <a:avLst/>
-          </a:prstGeom>
-          <a:noFill/>
-          <a:ln>
-            <a:noFill/>
-          </a:ln>
-          <a:extLst>
-            <a:ext uri="{909E8E84-426E-40DD-AFC4-6F175D3DCCD1}">
-              <a14:hiddenFill xmlns:a14="http://schemas.microsoft.com/office/drawing/2010/main">
-                <a:solidFill>
-                  <a:srgbClr val="FFFFFF"/>
-                </a:solidFill>
-              </a14:hiddenFill>
-            </a:ext>
-            <a:ext uri="{91240B29-F687-4F45-9708-019B960494DF}">
-              <a14:hiddenLine xmlns:a14="http://schemas.microsoft.com/office/drawing/2010/main" w="9525">
-                <a:solidFill>
-                  <a:srgbClr val="000000"/>
-                </a:solidFill>
-                <a:miter lim="800000"/>
-                <a:headEnd/>
-                <a:tailEnd/>
-              </a14:hiddenLine>
-            </a:ext>
-          </a:extLst>
-        </p:spPr>
-        <p:txBody>
-          <a:bodyPr/>
-          <a:lstStyle>
-            <a:lvl1pPr marL="342900" indent="-342900">
-              <a:spcBef>
-                <a:spcPct val="20000"/>
-              </a:spcBef>
-              <a:buFont typeface="Arial" charset="0"/>
-              <a:buChar char="•"/>
-              <a:defRPr sz="3200">
-                <a:solidFill>
-                  <a:schemeClr val="tx1"/>
-                </a:solidFill>
-                <a:latin typeface="Calibri" charset="0"/>
-                <a:ea typeface="ＭＳ Ｐゴシック" charset="-128"/>
-              </a:defRPr>
-            </a:lvl1pPr>
-            <a:lvl2pPr marL="742950" indent="-285750">
-              <a:spcBef>
-                <a:spcPct val="20000"/>
-              </a:spcBef>
-              <a:buFont typeface="Arial" charset="0"/>
-              <a:buChar char="–"/>
-              <a:defRPr sz="2800">
-                <a:solidFill>
-                  <a:schemeClr val="tx1"/>
-                </a:solidFill>
-                <a:latin typeface="Calibri" charset="0"/>
-                <a:ea typeface="ＭＳ Ｐゴシック" charset="-128"/>
-              </a:defRPr>
-            </a:lvl2pPr>
-            <a:lvl3pPr marL="1143000" indent="-228600">
-              <a:spcBef>
-                <a:spcPct val="20000"/>
-              </a:spcBef>
-              <a:buFont typeface="Arial" charset="0"/>
-              <a:buChar char="•"/>
-              <a:defRPr sz="2400">
-                <a:solidFill>
-                  <a:schemeClr val="tx1"/>
-                </a:solidFill>
-                <a:latin typeface="Calibri" charset="0"/>
-                <a:ea typeface="ＭＳ Ｐゴシック" charset="-128"/>
-              </a:defRPr>
-            </a:lvl3pPr>
-            <a:lvl4pPr marL="1600200" indent="-228600">
-              <a:spcBef>
-                <a:spcPct val="20000"/>
-              </a:spcBef>
-              <a:buFont typeface="Arial" charset="0"/>
-              <a:buChar char="–"/>
-              <a:defRPr sz="2000">
-                <a:solidFill>
-                  <a:schemeClr val="tx1"/>
-                </a:solidFill>
-                <a:latin typeface="Calibri" charset="0"/>
-                <a:ea typeface="ＭＳ Ｐゴシック" charset="-128"/>
-              </a:defRPr>
-            </a:lvl4pPr>
-            <a:lvl5pPr marL="2057400" indent="-228600">
-              <a:spcBef>
-                <a:spcPct val="20000"/>
-              </a:spcBef>
-              <a:buFont typeface="Arial" charset="0"/>
-              <a:buChar char="»"/>
-              <a:defRPr sz="2000">
-                <a:solidFill>
-                  <a:schemeClr val="tx1"/>
-                </a:solidFill>
-                <a:latin typeface="Calibri" charset="0"/>
-                <a:ea typeface="ＭＳ Ｐゴシック" charset="-128"/>
-              </a:defRPr>
-            </a:lvl5pPr>
-            <a:lvl6pPr marL="2514600" indent="-228600" eaLnBrk="0" fontAlgn="base" hangingPunct="0">
-              <a:spcBef>
-                <a:spcPct val="20000"/>
-              </a:spcBef>
-              <a:spcAft>
-                <a:spcPct val="0"/>
-              </a:spcAft>
-              <a:buFont typeface="Arial" charset="0"/>
-              <a:buChar char="»"/>
-              <a:defRPr sz="2000">
-                <a:solidFill>
-                  <a:schemeClr val="tx1"/>
-                </a:solidFill>
-                <a:latin typeface="Calibri" charset="0"/>
-                <a:ea typeface="ＭＳ Ｐゴシック" charset="-128"/>
-              </a:defRPr>
-            </a:lvl6pPr>
-            <a:lvl7pPr marL="2971800" indent="-228600" eaLnBrk="0" fontAlgn="base" hangingPunct="0">
-              <a:spcBef>
-                <a:spcPct val="20000"/>
-              </a:spcBef>
-              <a:spcAft>
-                <a:spcPct val="0"/>
-              </a:spcAft>
-              <a:buFont typeface="Arial" charset="0"/>
-              <a:buChar char="»"/>
-              <a:defRPr sz="2000">
-                <a:solidFill>
-                  <a:schemeClr val="tx1"/>
-                </a:solidFill>
-                <a:latin typeface="Calibri" charset="0"/>
-                <a:ea typeface="ＭＳ Ｐゴシック" charset="-128"/>
-              </a:defRPr>
-            </a:lvl7pPr>
-            <a:lvl8pPr marL="3429000" indent="-228600" eaLnBrk="0" fontAlgn="base" hangingPunct="0">
-              <a:spcBef>
-                <a:spcPct val="20000"/>
-              </a:spcBef>
-              <a:spcAft>
-                <a:spcPct val="0"/>
-              </a:spcAft>
-              <a:buFont typeface="Arial" charset="0"/>
-              <a:buChar char="»"/>
-              <a:defRPr sz="2000">
-                <a:solidFill>
-                  <a:schemeClr val="tx1"/>
-                </a:solidFill>
-                <a:latin typeface="Calibri" charset="0"/>
-                <a:ea typeface="ＭＳ Ｐゴシック" charset="-128"/>
-              </a:defRPr>
-            </a:lvl8pPr>
-            <a:lvl9pPr marL="3886200" indent="-228600" eaLnBrk="0" fontAlgn="base" hangingPunct="0">
-              <a:spcBef>
-                <a:spcPct val="20000"/>
-              </a:spcBef>
-              <a:spcAft>
-                <a:spcPct val="0"/>
-              </a:spcAft>
-              <a:buFont typeface="Arial" charset="0"/>
-              <a:buChar char="»"/>
-              <a:defRPr sz="2000">
-                <a:solidFill>
-                  <a:schemeClr val="tx1"/>
-                </a:solidFill>
-                <a:latin typeface="Calibri" charset="0"/>
-                <a:ea typeface="ＭＳ Ｐゴシック" charset="-128"/>
-              </a:defRPr>
-            </a:lvl9pPr>
-          </a:lstStyle>
-          <a:p>
-            <a:r>
-              <a:rPr lang="en-US" altLang="x-none" sz="2400" dirty="0" smtClean="0">
-                <a:solidFill>
-                  <a:srgbClr val="000000"/>
-                </a:solidFill>
-              </a:rPr>
-              <a:t>_________: </a:t>
-            </a:r>
-            <a:r>
-              <a:rPr lang="en-US" altLang="x-none" sz="2400" dirty="0">
-                <a:solidFill>
-                  <a:srgbClr val="000000"/>
-                </a:solidFill>
-              </a:rPr>
-              <a:t>a set of 3 nucleotides in the mRNA </a:t>
-            </a:r>
-            <a:r>
-              <a:rPr lang="en-US" altLang="x-none" sz="2400" dirty="0" err="1">
-                <a:solidFill>
-                  <a:srgbClr val="000000"/>
-                </a:solidFill>
-              </a:rPr>
-              <a:t>seq</a:t>
-            </a:r>
-            <a:r>
-              <a:rPr lang="en-US" altLang="x-none" sz="2400" dirty="0">
-                <a:solidFill>
-                  <a:srgbClr val="000000"/>
-                </a:solidFill>
-              </a:rPr>
-              <a:t> that codes for 1 aa.</a:t>
-            </a:r>
-          </a:p>
-          <a:p>
-            <a:endParaRPr lang="en-US" altLang="x-none" sz="2400" dirty="0">
-              <a:solidFill>
-                <a:srgbClr val="000000"/>
-              </a:solidFill>
-            </a:endParaRPr>
-          </a:p>
-          <a:p>
-            <a:r>
-              <a:rPr lang="en-US" altLang="x-none" sz="2400" dirty="0" smtClean="0">
-                <a:solidFill>
-                  <a:srgbClr val="000000"/>
-                </a:solidFill>
-              </a:rPr>
-              <a:t>__________: </a:t>
-            </a:r>
-            <a:r>
-              <a:rPr lang="en-US" altLang="x-none" sz="2400" dirty="0">
-                <a:solidFill>
-                  <a:srgbClr val="000000"/>
-                </a:solidFill>
-              </a:rPr>
-              <a:t>corresponding </a:t>
-            </a:r>
-            <a:r>
-              <a:rPr lang="en-US" altLang="x-none" sz="2400" dirty="0" err="1">
-                <a:solidFill>
-                  <a:srgbClr val="000000"/>
-                </a:solidFill>
-              </a:rPr>
-              <a:t>triplete</a:t>
-            </a:r>
-            <a:r>
-              <a:rPr lang="en-US" altLang="x-none" sz="2400" dirty="0">
-                <a:solidFill>
-                  <a:srgbClr val="000000"/>
-                </a:solidFill>
-              </a:rPr>
-              <a:t> </a:t>
-            </a:r>
-            <a:r>
-              <a:rPr lang="en-US" altLang="x-none" sz="2400" dirty="0" err="1">
-                <a:solidFill>
-                  <a:srgbClr val="000000"/>
-                </a:solidFill>
-              </a:rPr>
-              <a:t>seqon</a:t>
-            </a:r>
-            <a:r>
-              <a:rPr lang="en-US" altLang="x-none" sz="2400" dirty="0">
-                <a:solidFill>
-                  <a:srgbClr val="000000"/>
-                </a:solidFill>
-              </a:rPr>
-              <a:t> the </a:t>
-            </a:r>
-            <a:r>
-              <a:rPr lang="en-US" altLang="x-none" sz="2400" dirty="0" err="1">
-                <a:solidFill>
-                  <a:srgbClr val="000000"/>
-                </a:solidFill>
-              </a:rPr>
-              <a:t>tRNA</a:t>
-            </a:r>
-            <a:r>
-              <a:rPr lang="en-US" altLang="x-none" sz="2400" dirty="0">
-                <a:solidFill>
-                  <a:srgbClr val="000000"/>
-                </a:solidFill>
-              </a:rPr>
-              <a:t> that brings the specific aa to the ribosome during the translation.</a:t>
-            </a:r>
-          </a:p>
-          <a:p>
-            <a:endParaRPr lang="en-US" altLang="x-none" sz="2400" dirty="0">
-              <a:solidFill>
-                <a:srgbClr val="000000"/>
-              </a:solidFill>
-            </a:endParaRPr>
-          </a:p>
-          <a:p>
-            <a:endParaRPr lang="en-US" altLang="x-none" sz="2400" dirty="0">
-              <a:solidFill>
-                <a:srgbClr val="000000"/>
-              </a:solidFill>
-            </a:endParaRPr>
-          </a:p>
-          <a:p>
-            <a:endParaRPr lang="en-US" altLang="x-none" sz="2400" dirty="0">
-              <a:solidFill>
-                <a:srgbClr val="000000"/>
-              </a:solidFill>
-            </a:endParaRPr>
-          </a:p>
-        </p:txBody>
-      </p:sp>
-    </p:spTree>
-    <p:extLst>
-      <p:ext uri="{BB962C8B-B14F-4D97-AF65-F5344CB8AC3E}">
-        <p14:creationId xmlns:p14="http://schemas.microsoft.com/office/powerpoint/2010/main" val="433234965"/>
-      </p:ext>
-    </p:extLst>
-  </p:cSld>
-  <p:clrMapOvr>
-    <a:masterClrMapping/>
-  </p:clrMapOvr>
-  <p:timing>
-    <p:tnLst>
-      <p:par>
-        <p:cTn id="1" dur="indefinite" restart="never" nodeType="tmRoot"/>
-      </p:par>
-    </p:tnLst>
-  </p:timing>
-</p:sld>
-</file>
-
-<file path=ppt/slides/slide15.xml><?xml version="1.0" encoding="utf-8"?>
-<p:sld xmlns:a="http://schemas.openxmlformats.org/drawingml/2006/main" xmlns:r="http://schemas.openxmlformats.org/officeDocument/2006/relationships" xmlns:p="http://schemas.openxmlformats.org/presentationml/2006/main">
-  <p:cSld>
-    <p:spTree>
-      <p:nvGrpSpPr>
-        <p:cNvPr id="1" name=""/>
-        <p:cNvGrpSpPr/>
-        <p:nvPr/>
-      </p:nvGrpSpPr>
-      <p:grpSpPr>
-        <a:xfrm>
-          <a:off x="0" y="0"/>
-          <a:ext cx="0" cy="0"/>
-          <a:chOff x="0" y="0"/>
-          <a:chExt cx="0" cy="0"/>
-        </a:xfrm>
-      </p:grpSpPr>
-      <p:grpSp>
-        <p:nvGrpSpPr>
-          <p:cNvPr id="29697" name="Group 5"/>
-          <p:cNvGrpSpPr>
-            <a:grpSpLocks noChangeAspect="1"/>
-          </p:cNvGrpSpPr>
-          <p:nvPr/>
-        </p:nvGrpSpPr>
-        <p:grpSpPr bwMode="auto">
-          <a:xfrm>
-            <a:off x="1671638" y="1793876"/>
-            <a:ext cx="3200400" cy="5064125"/>
-            <a:chOff x="0" y="852617"/>
-            <a:chExt cx="3795584" cy="6005383"/>
-          </a:xfrm>
-        </p:grpSpPr>
-        <p:pic>
-          <p:nvPicPr>
-            <p:cNvPr id="29700" name="Picture 1"/>
-            <p:cNvPicPr>
-              <a:picLocks noChangeAspect="1"/>
-            </p:cNvPicPr>
-            <p:nvPr/>
-          </p:nvPicPr>
-          <p:blipFill>
-            <a:blip r:embed="rId2">
-              <a:extLst>
-                <a:ext uri="{28A0092B-C50C-407E-A947-70E740481C1C}">
-                  <a14:useLocalDpi xmlns:a14="http://schemas.microsoft.com/office/drawing/2010/main" val="0"/>
-                </a:ext>
-              </a:extLst>
-            </a:blip>
-            <a:srcRect l="79729" t="6081" r="810" b="16255"/>
-            <a:stretch>
-              <a:fillRect/>
-            </a:stretch>
-          </p:blipFill>
-          <p:spPr bwMode="auto">
-            <a:xfrm>
-              <a:off x="1703173" y="1390751"/>
-              <a:ext cx="1779373" cy="3070039"/>
-            </a:xfrm>
-            <a:prstGeom prst="rect">
-              <a:avLst/>
-            </a:prstGeom>
-            <a:noFill/>
-            <a:ln>
-              <a:noFill/>
-            </a:ln>
-            <a:extLst>
-              <a:ext uri="{909E8E84-426E-40DD-AFC4-6F175D3DCCD1}">
-                <a14:hiddenFill xmlns:a14="http://schemas.microsoft.com/office/drawing/2010/main">
-                  <a:solidFill>
-                    <a:srgbClr val="FFFFFF"/>
-                  </a:solidFill>
-                </a14:hiddenFill>
-              </a:ext>
-              <a:ext uri="{91240B29-F687-4F45-9708-019B960494DF}">
-                <a14:hiddenLine xmlns:a14="http://schemas.microsoft.com/office/drawing/2010/main" w="9525">
-                  <a:solidFill>
-                    <a:srgbClr val="000000"/>
-                  </a:solidFill>
-                  <a:miter lim="800000"/>
-                  <a:headEnd/>
-                  <a:tailEnd/>
-                </a14:hiddenLine>
-              </a:ext>
-            </a:extLst>
-          </p:spPr>
-        </p:pic>
-        <p:pic>
-          <p:nvPicPr>
-            <p:cNvPr id="29701" name="Picture 2"/>
-            <p:cNvPicPr>
-              <a:picLocks noChangeAspect="1"/>
-            </p:cNvPicPr>
-            <p:nvPr/>
-          </p:nvPicPr>
-          <p:blipFill>
-            <a:blip r:embed="rId2">
-              <a:extLst>
-                <a:ext uri="{28A0092B-C50C-407E-A947-70E740481C1C}">
-                  <a14:useLocalDpi xmlns:a14="http://schemas.microsoft.com/office/drawing/2010/main" val="0"/>
-                </a:ext>
-              </a:extLst>
-            </a:blip>
-            <a:srcRect t="21606" r="61533" b="33693"/>
-            <a:stretch>
-              <a:fillRect/>
-            </a:stretch>
-          </p:blipFill>
-          <p:spPr bwMode="auto">
-            <a:xfrm>
-              <a:off x="0" y="4306946"/>
-              <a:ext cx="3517557" cy="1767016"/>
-            </a:xfrm>
-            <a:prstGeom prst="rect">
-              <a:avLst/>
-            </a:prstGeom>
-            <a:noFill/>
-            <a:ln>
-              <a:noFill/>
-            </a:ln>
-            <a:extLst>
-              <a:ext uri="{909E8E84-426E-40DD-AFC4-6F175D3DCCD1}">
-                <a14:hiddenFill xmlns:a14="http://schemas.microsoft.com/office/drawing/2010/main">
-                  <a:solidFill>
-                    <a:srgbClr val="FFFFFF"/>
-                  </a:solidFill>
-                </a14:hiddenFill>
-              </a:ext>
-              <a:ext uri="{91240B29-F687-4F45-9708-019B960494DF}">
-                <a14:hiddenLine xmlns:a14="http://schemas.microsoft.com/office/drawing/2010/main" w="9525">
-                  <a:solidFill>
-                    <a:srgbClr val="000000"/>
-                  </a:solidFill>
-                  <a:miter lim="800000"/>
-                  <a:headEnd/>
-                  <a:tailEnd/>
-                </a14:hiddenLine>
-              </a:ext>
-            </a:extLst>
-          </p:spPr>
-        </p:pic>
-        <p:pic>
-          <p:nvPicPr>
-            <p:cNvPr id="29702" name="Picture 3"/>
-            <p:cNvPicPr>
-              <a:picLocks noChangeAspect="1"/>
-            </p:cNvPicPr>
-            <p:nvPr/>
-          </p:nvPicPr>
-          <p:blipFill>
-            <a:blip r:embed="rId2">
-              <a:extLst>
-                <a:ext uri="{28A0092B-C50C-407E-A947-70E740481C1C}">
-                  <a14:useLocalDpi xmlns:a14="http://schemas.microsoft.com/office/drawing/2010/main" val="0"/>
-                </a:ext>
-              </a:extLst>
-            </a:blip>
-            <a:srcRect l="6577" t="74435" r="65045"/>
-            <a:stretch>
-              <a:fillRect/>
-            </a:stretch>
-          </p:blipFill>
-          <p:spPr bwMode="auto">
-            <a:xfrm>
-              <a:off x="0" y="5847419"/>
-              <a:ext cx="2594919" cy="1010581"/>
-            </a:xfrm>
-            <a:prstGeom prst="rect">
-              <a:avLst/>
-            </a:prstGeom>
-            <a:noFill/>
-            <a:ln>
-              <a:noFill/>
-            </a:ln>
-            <a:extLst>
-              <a:ext uri="{909E8E84-426E-40DD-AFC4-6F175D3DCCD1}">
-                <a14:hiddenFill xmlns:a14="http://schemas.microsoft.com/office/drawing/2010/main">
-                  <a:solidFill>
-                    <a:srgbClr val="FFFFFF"/>
-                  </a:solidFill>
-                </a14:hiddenFill>
-              </a:ext>
-              <a:ext uri="{91240B29-F687-4F45-9708-019B960494DF}">
-                <a14:hiddenLine xmlns:a14="http://schemas.microsoft.com/office/drawing/2010/main" w="9525">
-                  <a:solidFill>
-                    <a:srgbClr val="000000"/>
-                  </a:solidFill>
-                  <a:miter lim="800000"/>
-                  <a:headEnd/>
-                  <a:tailEnd/>
-                </a14:hiddenLine>
-              </a:ext>
-            </a:extLst>
-          </p:spPr>
-        </p:pic>
-        <p:pic>
-          <p:nvPicPr>
-            <p:cNvPr id="29703" name="Picture 4"/>
-            <p:cNvPicPr>
-              <a:picLocks noChangeAspect="1"/>
-            </p:cNvPicPr>
-            <p:nvPr/>
-          </p:nvPicPr>
-          <p:blipFill>
-            <a:blip r:embed="rId2">
-              <a:extLst>
-                <a:ext uri="{28A0092B-C50C-407E-A947-70E740481C1C}">
-                  <a14:useLocalDpi xmlns:a14="http://schemas.microsoft.com/office/drawing/2010/main" val="0"/>
-                </a:ext>
-              </a:extLst>
-            </a:blip>
-            <a:srcRect l="78242" t="82964"/>
-            <a:stretch>
-              <a:fillRect/>
-            </a:stretch>
-          </p:blipFill>
-          <p:spPr bwMode="auto">
-            <a:xfrm>
-              <a:off x="1806146" y="852617"/>
-              <a:ext cx="1989438" cy="673444"/>
-            </a:xfrm>
-            <a:prstGeom prst="rect">
-              <a:avLst/>
-            </a:prstGeom>
-            <a:noFill/>
-            <a:ln>
-              <a:noFill/>
-            </a:ln>
-            <a:extLst>
-              <a:ext uri="{909E8E84-426E-40DD-AFC4-6F175D3DCCD1}">
-                <a14:hiddenFill xmlns:a14="http://schemas.microsoft.com/office/drawing/2010/main">
-                  <a:solidFill>
-                    <a:srgbClr val="FFFFFF"/>
-                  </a:solidFill>
-                </a14:hiddenFill>
-              </a:ext>
-              <a:ext uri="{91240B29-F687-4F45-9708-019B960494DF}">
-                <a14:hiddenLine xmlns:a14="http://schemas.microsoft.com/office/drawing/2010/main" w="9525">
-                  <a:solidFill>
-                    <a:srgbClr val="000000"/>
-                  </a:solidFill>
-                  <a:miter lim="800000"/>
-                  <a:headEnd/>
-                  <a:tailEnd/>
-                </a14:hiddenLine>
-              </a:ext>
-            </a:extLst>
-          </p:spPr>
-        </p:pic>
-      </p:grpSp>
-      <p:pic>
-        <p:nvPicPr>
-          <p:cNvPr id="29698" name="Picture 9"/>
-          <p:cNvPicPr>
-            <a:picLocks noChangeAspect="1"/>
-          </p:cNvPicPr>
-          <p:nvPr/>
-        </p:nvPicPr>
-        <p:blipFill>
-          <a:blip r:embed="rId3">
-            <a:extLst>
-              <a:ext uri="{28A0092B-C50C-407E-A947-70E740481C1C}">
-                <a14:useLocalDpi xmlns:a14="http://schemas.microsoft.com/office/drawing/2010/main" val="0"/>
-              </a:ext>
-            </a:extLst>
-          </a:blip>
-          <a:srcRect/>
-          <a:stretch>
-            <a:fillRect/>
-          </a:stretch>
-        </p:blipFill>
-        <p:spPr bwMode="auto">
-          <a:xfrm>
-            <a:off x="4984750" y="1647826"/>
-            <a:ext cx="5486400" cy="5191125"/>
-          </a:xfrm>
-          <a:prstGeom prst="rect">
-            <a:avLst/>
-          </a:prstGeom>
-          <a:noFill/>
-          <a:ln>
-            <a:noFill/>
-          </a:ln>
-          <a:extLst>
-            <a:ext uri="{909E8E84-426E-40DD-AFC4-6F175D3DCCD1}">
-              <a14:hiddenFill xmlns:a14="http://schemas.microsoft.com/office/drawing/2010/main">
-                <a:solidFill>
-                  <a:srgbClr val="FFFFFF"/>
-                </a:solidFill>
-              </a14:hiddenFill>
-            </a:ext>
-            <a:ext uri="{91240B29-F687-4F45-9708-019B960494DF}">
-              <a14:hiddenLine xmlns:a14="http://schemas.microsoft.com/office/drawing/2010/main" w="9525">
-                <a:solidFill>
-                  <a:srgbClr val="000000"/>
-                </a:solidFill>
-                <a:miter lim="800000"/>
-                <a:headEnd/>
-                <a:tailEnd/>
-              </a14:hiddenLine>
-            </a:ext>
-          </a:extLst>
-        </p:spPr>
-      </p:pic>
-      <p:sp>
-        <p:nvSpPr>
-          <p:cNvPr id="29699" name="Title 1"/>
-          <p:cNvSpPr txBox="1">
-            <a:spLocks/>
-          </p:cNvSpPr>
-          <p:nvPr/>
-        </p:nvSpPr>
-        <p:spPr bwMode="auto">
-          <a:xfrm>
-            <a:off x="1524000" y="152400"/>
-            <a:ext cx="9144000" cy="1143000"/>
-          </a:xfrm>
-          <a:prstGeom prst="rect">
-            <a:avLst/>
-          </a:prstGeom>
-          <a:noFill/>
-          <a:ln>
-            <a:noFill/>
-          </a:ln>
-          <a:extLst>
-            <a:ext uri="{909E8E84-426E-40DD-AFC4-6F175D3DCCD1}">
-              <a14:hiddenFill xmlns:a14="http://schemas.microsoft.com/office/drawing/2010/main">
-                <a:solidFill>
-                  <a:srgbClr val="FFFFFF"/>
-                </a:solidFill>
-              </a14:hiddenFill>
-            </a:ext>
-            <a:ext uri="{91240B29-F687-4F45-9708-019B960494DF}">
-              <a14:hiddenLine xmlns:a14="http://schemas.microsoft.com/office/drawing/2010/main" w="9525">
-                <a:solidFill>
-                  <a:srgbClr val="000000"/>
-                </a:solidFill>
-                <a:miter lim="800000"/>
-                <a:headEnd/>
-                <a:tailEnd/>
-              </a14:hiddenLine>
-            </a:ext>
-          </a:extLst>
-        </p:spPr>
-        <p:txBody>
-          <a:bodyPr/>
-          <a:lstStyle>
-            <a:lvl1pPr>
-              <a:spcBef>
-                <a:spcPct val="20000"/>
-              </a:spcBef>
-              <a:buFont typeface="Arial" charset="0"/>
-              <a:buChar char="•"/>
-              <a:defRPr sz="3200">
-                <a:solidFill>
-                  <a:schemeClr val="tx1"/>
-                </a:solidFill>
-                <a:latin typeface="Calibri" charset="0"/>
-                <a:ea typeface="ＭＳ Ｐゴシック" charset="-128"/>
-              </a:defRPr>
-            </a:lvl1pPr>
-            <a:lvl2pPr marL="742950" indent="-285750">
-              <a:spcBef>
-                <a:spcPct val="20000"/>
-              </a:spcBef>
-              <a:buFont typeface="Arial" charset="0"/>
-              <a:buChar char="–"/>
-              <a:defRPr sz="2800">
-                <a:solidFill>
-                  <a:schemeClr val="tx1"/>
-                </a:solidFill>
-                <a:latin typeface="Calibri" charset="0"/>
-                <a:ea typeface="ＭＳ Ｐゴシック" charset="-128"/>
-              </a:defRPr>
-            </a:lvl2pPr>
-            <a:lvl3pPr marL="1143000" indent="-228600">
-              <a:spcBef>
-                <a:spcPct val="20000"/>
-              </a:spcBef>
-              <a:buFont typeface="Arial" charset="0"/>
-              <a:buChar char="•"/>
-              <a:defRPr sz="2400">
-                <a:solidFill>
-                  <a:schemeClr val="tx1"/>
-                </a:solidFill>
-                <a:latin typeface="Calibri" charset="0"/>
-                <a:ea typeface="ＭＳ Ｐゴシック" charset="-128"/>
-              </a:defRPr>
-            </a:lvl3pPr>
-            <a:lvl4pPr marL="1600200" indent="-228600">
-              <a:spcBef>
-                <a:spcPct val="20000"/>
-              </a:spcBef>
-              <a:buFont typeface="Arial" charset="0"/>
-              <a:buChar char="–"/>
-              <a:defRPr sz="2000">
-                <a:solidFill>
-                  <a:schemeClr val="tx1"/>
-                </a:solidFill>
-                <a:latin typeface="Calibri" charset="0"/>
-                <a:ea typeface="ＭＳ Ｐゴシック" charset="-128"/>
-              </a:defRPr>
-            </a:lvl4pPr>
-            <a:lvl5pPr marL="2057400" indent="-228600">
-              <a:spcBef>
-                <a:spcPct val="20000"/>
-              </a:spcBef>
-              <a:buFont typeface="Arial" charset="0"/>
-              <a:buChar char="»"/>
-              <a:defRPr sz="2000">
-                <a:solidFill>
-                  <a:schemeClr val="tx1"/>
-                </a:solidFill>
-                <a:latin typeface="Calibri" charset="0"/>
-                <a:ea typeface="ＭＳ Ｐゴシック" charset="-128"/>
-              </a:defRPr>
-            </a:lvl5pPr>
-            <a:lvl6pPr marL="2514600" indent="-228600" eaLnBrk="0" fontAlgn="base" hangingPunct="0">
-              <a:spcBef>
-                <a:spcPct val="20000"/>
-              </a:spcBef>
-              <a:spcAft>
-                <a:spcPct val="0"/>
-              </a:spcAft>
-              <a:buFont typeface="Arial" charset="0"/>
-              <a:buChar char="»"/>
-              <a:defRPr sz="2000">
-                <a:solidFill>
-                  <a:schemeClr val="tx1"/>
-                </a:solidFill>
-                <a:latin typeface="Calibri" charset="0"/>
-                <a:ea typeface="ＭＳ Ｐゴシック" charset="-128"/>
-              </a:defRPr>
-            </a:lvl6pPr>
-            <a:lvl7pPr marL="2971800" indent="-228600" eaLnBrk="0" fontAlgn="base" hangingPunct="0">
-              <a:spcBef>
-                <a:spcPct val="20000"/>
-              </a:spcBef>
-              <a:spcAft>
-                <a:spcPct val="0"/>
-              </a:spcAft>
-              <a:buFont typeface="Arial" charset="0"/>
-              <a:buChar char="»"/>
-              <a:defRPr sz="2000">
-                <a:solidFill>
-                  <a:schemeClr val="tx1"/>
-                </a:solidFill>
-                <a:latin typeface="Calibri" charset="0"/>
-                <a:ea typeface="ＭＳ Ｐゴシック" charset="-128"/>
-              </a:defRPr>
-            </a:lvl7pPr>
-            <a:lvl8pPr marL="3429000" indent="-228600" eaLnBrk="0" fontAlgn="base" hangingPunct="0">
-              <a:spcBef>
-                <a:spcPct val="20000"/>
-              </a:spcBef>
-              <a:spcAft>
-                <a:spcPct val="0"/>
-              </a:spcAft>
-              <a:buFont typeface="Arial" charset="0"/>
-              <a:buChar char="»"/>
-              <a:defRPr sz="2000">
-                <a:solidFill>
-                  <a:schemeClr val="tx1"/>
-                </a:solidFill>
-                <a:latin typeface="Calibri" charset="0"/>
-                <a:ea typeface="ＭＳ Ｐゴシック" charset="-128"/>
-              </a:defRPr>
-            </a:lvl8pPr>
-            <a:lvl9pPr marL="3886200" indent="-228600" eaLnBrk="0" fontAlgn="base" hangingPunct="0">
-              <a:spcBef>
-                <a:spcPct val="20000"/>
-              </a:spcBef>
-              <a:spcAft>
-                <a:spcPct val="0"/>
-              </a:spcAft>
-              <a:buFont typeface="Arial" charset="0"/>
-              <a:buChar char="»"/>
-              <a:defRPr sz="2000">
-                <a:solidFill>
-                  <a:schemeClr val="tx1"/>
-                </a:solidFill>
-                <a:latin typeface="Calibri" charset="0"/>
-                <a:ea typeface="ＭＳ Ｐゴシック" charset="-128"/>
-              </a:defRPr>
-            </a:lvl9pPr>
-          </a:lstStyle>
-          <a:p>
-            <a:pPr algn="ctr">
-              <a:spcBef>
-                <a:spcPct val="0"/>
-              </a:spcBef>
-              <a:buNone/>
-            </a:pPr>
-            <a:r>
-              <a:rPr lang="en-US" altLang="x-none" sz="4400"/>
-              <a:t>The genetic code</a:t>
-            </a:r>
-          </a:p>
-        </p:txBody>
-      </p:sp>
-    </p:spTree>
-    <p:extLst>
-      <p:ext uri="{BB962C8B-B14F-4D97-AF65-F5344CB8AC3E}">
-        <p14:creationId xmlns:p14="http://schemas.microsoft.com/office/powerpoint/2010/main" val="1410493425"/>
-      </p:ext>
-    </p:extLst>
-  </p:cSld>
-  <p:clrMapOvr>
-    <a:masterClrMapping/>
-  </p:clrMapOvr>
-  <p:timing>
-    <p:tnLst>
-      <p:par>
-        <p:cTn id="1" dur="indefinite" restart="never" nodeType="tmRoot"/>
-      </p:par>
-    </p:tnLst>
-  </p:timing>
-</p:sld>
-</file>
-
-<file path=ppt/slides/slide16.xml><?xml version="1.0" encoding="utf-8"?>
-<p:sld xmlns:a="http://schemas.openxmlformats.org/drawingml/2006/main" xmlns:r="http://schemas.openxmlformats.org/officeDocument/2006/relationships" xmlns:p="http://schemas.openxmlformats.org/presentationml/2006/main">
-  <p:cSld>
-    <p:spTree>
-      <p:nvGrpSpPr>
-        <p:cNvPr id="1" name=""/>
-        <p:cNvGrpSpPr/>
-        <p:nvPr/>
-      </p:nvGrpSpPr>
-      <p:grpSpPr>
-        <a:xfrm>
-          <a:off x="0" y="0"/>
-          <a:ext cx="0" cy="0"/>
-          <a:chOff x="0" y="0"/>
-          <a:chExt cx="0" cy="0"/>
-        </a:xfrm>
-      </p:grpSpPr>
-      <p:sp>
-        <p:nvSpPr>
           <p:cNvPr id="31745" name="Title 1"/>
           <p:cNvSpPr>
             <a:spLocks noGrp="1"/>
@@ -6251,7 +4303,7 @@
 </p:sld>
 </file>
 
-<file path=ppt/slides/slide17.xml><?xml version="1.0" encoding="utf-8"?>
+<file path=ppt/slides/slide11.xml><?xml version="1.0" encoding="utf-8"?>
 <p:sld xmlns:a="http://schemas.openxmlformats.org/drawingml/2006/main" xmlns:r="http://schemas.openxmlformats.org/officeDocument/2006/relationships" xmlns:p="http://schemas.openxmlformats.org/presentationml/2006/main">
   <p:cSld>
     <p:spTree>
@@ -6658,7 +4710,7 @@
 </p:sld>
 </file>
 
-<file path=ppt/slides/slide18.xml><?xml version="1.0" encoding="utf-8"?>
+<file path=ppt/slides/slide12.xml><?xml version="1.0" encoding="utf-8"?>
 <p:sld xmlns:a="http://schemas.openxmlformats.org/drawingml/2006/main" xmlns:r="http://schemas.openxmlformats.org/officeDocument/2006/relationships" xmlns:p="http://schemas.openxmlformats.org/presentationml/2006/main">
   <p:cSld>
     <p:spTree>
@@ -6858,7 +4910,67 @@
 </p:sld>
 </file>
 
-<file path=ppt/slides/slide19.xml><?xml version="1.0" encoding="utf-8"?>
+<file path=ppt/slides/slide13.xml><?xml version="1.0" encoding="utf-8"?>
+<p:sld xmlns:a="http://schemas.openxmlformats.org/drawingml/2006/main" xmlns:r="http://schemas.openxmlformats.org/officeDocument/2006/relationships" xmlns:p="http://schemas.openxmlformats.org/presentationml/2006/main">
+  <p:cSld>
+    <p:spTree>
+      <p:nvGrpSpPr>
+        <p:cNvPr id="1" name=""/>
+        <p:cNvGrpSpPr/>
+        <p:nvPr/>
+      </p:nvGrpSpPr>
+      <p:grpSpPr>
+        <a:xfrm>
+          <a:off x="0" y="0"/>
+          <a:ext cx="0" cy="0"/>
+          <a:chOff x="0" y="0"/>
+          <a:chExt cx="0" cy="0"/>
+        </a:xfrm>
+      </p:grpSpPr>
+      <p:sp>
+        <p:nvSpPr>
+          <p:cNvPr id="2" name="Title 1"/>
+          <p:cNvSpPr>
+            <a:spLocks noGrp="1"/>
+          </p:cNvSpPr>
+          <p:nvPr>
+            <p:ph type="title"/>
+          </p:nvPr>
+        </p:nvSpPr>
+        <p:spPr/>
+        <p:txBody>
+          <a:bodyPr/>
+          <a:lstStyle/>
+          <a:p>
+            <a:r>
+              <a:rPr lang="en-US" dirty="0" smtClean="0"/>
+              <a:t>Terminology: coding vs non-coding DNA</a:t>
+            </a:r>
+            <a:endParaRPr lang="en-US" dirty="0"/>
+          </a:p>
+        </p:txBody>
+      </p:sp>
+    </p:spTree>
+    <p:extLst>
+      <p:ext uri="{BB962C8B-B14F-4D97-AF65-F5344CB8AC3E}">
+        <p14:creationId xmlns:p14="http://schemas.microsoft.com/office/powerpoint/2010/main" val="2035157337"/>
+      </p:ext>
+    </p:extLst>
+  </p:cSld>
+  <p:clrMapOvr>
+    <a:masterClrMapping/>
+  </p:clrMapOvr>
+  <p:timing>
+    <p:tnLst>
+      <p:par>
+        <p:cTn id="1" dur="indefinite" restart="never" nodeType="tmRoot"/>
+      </p:par>
+    </p:tnLst>
+  </p:timing>
+</p:sld>
+</file>
+
+<file path=ppt/slides/slide14.xml><?xml version="1.0" encoding="utf-8"?>
 <p:sld xmlns:a="http://schemas.openxmlformats.org/drawingml/2006/main" xmlns:r="http://schemas.openxmlformats.org/officeDocument/2006/relationships" xmlns:p="http://schemas.openxmlformats.org/presentationml/2006/main">
   <p:cSld>
     <p:spTree>
@@ -7148,6 +5260,1369 @@
     <p:extLst>
       <p:ext uri="{BB962C8B-B14F-4D97-AF65-F5344CB8AC3E}">
         <p14:creationId xmlns:p14="http://schemas.microsoft.com/office/powerpoint/2010/main" val="913279055"/>
+      </p:ext>
+    </p:extLst>
+  </p:cSld>
+  <p:clrMapOvr>
+    <a:masterClrMapping/>
+  </p:clrMapOvr>
+  <p:timing>
+    <p:tnLst>
+      <p:par>
+        <p:cTn id="1" dur="indefinite" restart="never" nodeType="tmRoot"/>
+      </p:par>
+    </p:tnLst>
+  </p:timing>
+</p:sld>
+</file>
+
+<file path=ppt/slides/slide15.xml><?xml version="1.0" encoding="utf-8"?>
+<p:sld xmlns:a="http://schemas.openxmlformats.org/drawingml/2006/main" xmlns:r="http://schemas.openxmlformats.org/officeDocument/2006/relationships" xmlns:p="http://schemas.openxmlformats.org/presentationml/2006/main">
+  <p:cSld>
+    <p:spTree>
+      <p:nvGrpSpPr>
+        <p:cNvPr id="1" name=""/>
+        <p:cNvGrpSpPr/>
+        <p:nvPr/>
+      </p:nvGrpSpPr>
+      <p:grpSpPr>
+        <a:xfrm>
+          <a:off x="0" y="0"/>
+          <a:ext cx="0" cy="0"/>
+          <a:chOff x="0" y="0"/>
+          <a:chExt cx="0" cy="0"/>
+        </a:xfrm>
+      </p:grpSpPr>
+      <p:sp>
+        <p:nvSpPr>
+          <p:cNvPr id="35841" name="Title 1"/>
+          <p:cNvSpPr>
+            <a:spLocks noGrp="1"/>
+          </p:cNvSpPr>
+          <p:nvPr>
+            <p:ph type="title"/>
+          </p:nvPr>
+        </p:nvSpPr>
+        <p:spPr>
+          <a:xfrm>
+            <a:off x="1981200" y="0"/>
+            <a:ext cx="8229600" cy="1143000"/>
+          </a:xfrm>
+        </p:spPr>
+        <p:txBody>
+          <a:bodyPr/>
+          <a:lstStyle/>
+          <a:p>
+            <a:pPr eaLnBrk="1" hangingPunct="1"/>
+            <a:r>
+              <a:rPr lang="en-US" altLang="en-US"/>
+              <a:t>Primary Structure of proteins</a:t>
+            </a:r>
+          </a:p>
+        </p:txBody>
+      </p:sp>
+      <p:sp>
+        <p:nvSpPr>
+          <p:cNvPr id="35842" name="TextBox 2"/>
+          <p:cNvSpPr txBox="1">
+            <a:spLocks noChangeArrowheads="1"/>
+          </p:cNvSpPr>
+          <p:nvPr/>
+        </p:nvSpPr>
+        <p:spPr bwMode="auto">
+          <a:xfrm>
+            <a:off x="6130926" y="1987551"/>
+            <a:ext cx="3903633" cy="1477328"/>
+          </a:xfrm>
+          <a:prstGeom prst="rect">
+            <a:avLst/>
+          </a:prstGeom>
+          <a:noFill/>
+          <a:ln>
+            <a:noFill/>
+          </a:ln>
+          <a:extLst>
+            <a:ext uri="{909E8E84-426E-40DD-AFC4-6F175D3DCCD1}">
+              <a14:hiddenFill xmlns:a14="http://schemas.microsoft.com/office/drawing/2010/main">
+                <a:solidFill>
+                  <a:srgbClr val="FFFFFF"/>
+                </a:solidFill>
+              </a14:hiddenFill>
+            </a:ext>
+            <a:ext uri="{91240B29-F687-4F45-9708-019B960494DF}">
+              <a14:hiddenLine xmlns:a14="http://schemas.microsoft.com/office/drawing/2010/main" w="9525">
+                <a:solidFill>
+                  <a:srgbClr val="000000"/>
+                </a:solidFill>
+                <a:miter lim="800000"/>
+                <a:headEnd/>
+                <a:tailEnd/>
+              </a14:hiddenLine>
+            </a:ext>
+          </a:extLst>
+        </p:spPr>
+        <p:txBody>
+          <a:bodyPr wrap="none">
+            <a:spAutoFit/>
+          </a:bodyPr>
+          <a:lstStyle>
+            <a:lvl1pPr>
+              <a:spcBef>
+                <a:spcPct val="20000"/>
+              </a:spcBef>
+              <a:buFont typeface="Arial" charset="0"/>
+              <a:buChar char="•"/>
+              <a:defRPr sz="3200">
+                <a:solidFill>
+                  <a:schemeClr val="tx1"/>
+                </a:solidFill>
+                <a:latin typeface="Calibri" charset="0"/>
+                <a:ea typeface="ＭＳ Ｐゴシック" charset="-128"/>
+              </a:defRPr>
+            </a:lvl1pPr>
+            <a:lvl2pPr marL="37931725" indent="-37474525">
+              <a:spcBef>
+                <a:spcPct val="20000"/>
+              </a:spcBef>
+              <a:buFont typeface="Arial" charset="0"/>
+              <a:buChar char="–"/>
+              <a:defRPr sz="2800">
+                <a:solidFill>
+                  <a:schemeClr val="tx1"/>
+                </a:solidFill>
+                <a:latin typeface="Calibri" charset="0"/>
+                <a:ea typeface="ＭＳ Ｐゴシック" charset="-128"/>
+              </a:defRPr>
+            </a:lvl2pPr>
+            <a:lvl3pPr marL="1143000" indent="-228600">
+              <a:spcBef>
+                <a:spcPct val="20000"/>
+              </a:spcBef>
+              <a:buFont typeface="Arial" charset="0"/>
+              <a:buChar char="•"/>
+              <a:defRPr sz="2400">
+                <a:solidFill>
+                  <a:schemeClr val="tx1"/>
+                </a:solidFill>
+                <a:latin typeface="Calibri" charset="0"/>
+                <a:ea typeface="ＭＳ Ｐゴシック" charset="-128"/>
+              </a:defRPr>
+            </a:lvl3pPr>
+            <a:lvl4pPr marL="1600200" indent="-228600">
+              <a:spcBef>
+                <a:spcPct val="20000"/>
+              </a:spcBef>
+              <a:buFont typeface="Arial" charset="0"/>
+              <a:buChar char="–"/>
+              <a:defRPr sz="2000">
+                <a:solidFill>
+                  <a:schemeClr val="tx1"/>
+                </a:solidFill>
+                <a:latin typeface="Calibri" charset="0"/>
+                <a:ea typeface="ＭＳ Ｐゴシック" charset="-128"/>
+              </a:defRPr>
+            </a:lvl4pPr>
+            <a:lvl5pPr marL="2057400" indent="-228600">
+              <a:spcBef>
+                <a:spcPct val="20000"/>
+              </a:spcBef>
+              <a:buFont typeface="Arial" charset="0"/>
+              <a:buChar char="»"/>
+              <a:defRPr sz="2000">
+                <a:solidFill>
+                  <a:schemeClr val="tx1"/>
+                </a:solidFill>
+                <a:latin typeface="Calibri" charset="0"/>
+                <a:ea typeface="ＭＳ Ｐゴシック" charset="-128"/>
+              </a:defRPr>
+            </a:lvl5pPr>
+            <a:lvl6pPr marL="2514600" indent="-228600" defTabSz="457200" eaLnBrk="0" fontAlgn="base" hangingPunct="0">
+              <a:spcBef>
+                <a:spcPct val="20000"/>
+              </a:spcBef>
+              <a:spcAft>
+                <a:spcPct val="0"/>
+              </a:spcAft>
+              <a:buFont typeface="Arial" charset="0"/>
+              <a:buChar char="»"/>
+              <a:defRPr sz="2000">
+                <a:solidFill>
+                  <a:schemeClr val="tx1"/>
+                </a:solidFill>
+                <a:latin typeface="Calibri" charset="0"/>
+                <a:ea typeface="ＭＳ Ｐゴシック" charset="-128"/>
+              </a:defRPr>
+            </a:lvl6pPr>
+            <a:lvl7pPr marL="2971800" indent="-228600" defTabSz="457200" eaLnBrk="0" fontAlgn="base" hangingPunct="0">
+              <a:spcBef>
+                <a:spcPct val="20000"/>
+              </a:spcBef>
+              <a:spcAft>
+                <a:spcPct val="0"/>
+              </a:spcAft>
+              <a:buFont typeface="Arial" charset="0"/>
+              <a:buChar char="»"/>
+              <a:defRPr sz="2000">
+                <a:solidFill>
+                  <a:schemeClr val="tx1"/>
+                </a:solidFill>
+                <a:latin typeface="Calibri" charset="0"/>
+                <a:ea typeface="ＭＳ Ｐゴシック" charset="-128"/>
+              </a:defRPr>
+            </a:lvl7pPr>
+            <a:lvl8pPr marL="3429000" indent="-228600" defTabSz="457200" eaLnBrk="0" fontAlgn="base" hangingPunct="0">
+              <a:spcBef>
+                <a:spcPct val="20000"/>
+              </a:spcBef>
+              <a:spcAft>
+                <a:spcPct val="0"/>
+              </a:spcAft>
+              <a:buFont typeface="Arial" charset="0"/>
+              <a:buChar char="»"/>
+              <a:defRPr sz="2000">
+                <a:solidFill>
+                  <a:schemeClr val="tx1"/>
+                </a:solidFill>
+                <a:latin typeface="Calibri" charset="0"/>
+                <a:ea typeface="ＭＳ Ｐゴシック" charset="-128"/>
+              </a:defRPr>
+            </a:lvl8pPr>
+            <a:lvl9pPr marL="3886200" indent="-228600" defTabSz="457200" eaLnBrk="0" fontAlgn="base" hangingPunct="0">
+              <a:spcBef>
+                <a:spcPct val="20000"/>
+              </a:spcBef>
+              <a:spcAft>
+                <a:spcPct val="0"/>
+              </a:spcAft>
+              <a:buFont typeface="Arial" charset="0"/>
+              <a:buChar char="»"/>
+              <a:defRPr sz="2000">
+                <a:solidFill>
+                  <a:schemeClr val="tx1"/>
+                </a:solidFill>
+                <a:latin typeface="Calibri" charset="0"/>
+                <a:ea typeface="ＭＳ Ｐゴシック" charset="-128"/>
+              </a:defRPr>
+            </a:lvl9pPr>
+          </a:lstStyle>
+          <a:p>
+            <a:pPr eaLnBrk="1" hangingPunct="1">
+              <a:spcBef>
+                <a:spcPct val="0"/>
+              </a:spcBef>
+              <a:buFontTx/>
+              <a:buNone/>
+            </a:pPr>
+            <a:r>
+              <a:rPr lang="en-US" altLang="en-US" sz="1800" dirty="0">
+                <a:latin typeface="Arial" charset="0"/>
+              </a:rPr>
+              <a:t>Linear sequence of amino acids</a:t>
+            </a:r>
+          </a:p>
+          <a:p>
+            <a:pPr eaLnBrk="1" hangingPunct="1">
+              <a:spcBef>
+                <a:spcPct val="0"/>
+              </a:spcBef>
+              <a:buFontTx/>
+              <a:buNone/>
+            </a:pPr>
+            <a:r>
+              <a:rPr lang="en-US" altLang="en-US" sz="1800" dirty="0">
+                <a:latin typeface="Arial" charset="0"/>
+              </a:rPr>
+              <a:t> in the polymer  </a:t>
+            </a:r>
+            <a:r>
+              <a:rPr lang="en-US" altLang="en-US" sz="1800" dirty="0" smtClean="0">
+                <a:latin typeface="Arial" charset="0"/>
+              </a:rPr>
+              <a:t>(_______________)</a:t>
+            </a:r>
+            <a:endParaRPr lang="en-US" altLang="en-US" sz="1800" dirty="0">
+              <a:latin typeface="Arial" charset="0"/>
+            </a:endParaRPr>
+          </a:p>
+          <a:p>
+            <a:pPr eaLnBrk="1" hangingPunct="1">
+              <a:spcBef>
+                <a:spcPct val="0"/>
+              </a:spcBef>
+              <a:buFontTx/>
+              <a:buNone/>
+            </a:pPr>
+            <a:endParaRPr lang="en-US" altLang="en-US" sz="1800" dirty="0">
+              <a:latin typeface="Arial" charset="0"/>
+            </a:endParaRPr>
+          </a:p>
+          <a:p>
+            <a:pPr eaLnBrk="1" hangingPunct="1">
+              <a:spcBef>
+                <a:spcPct val="0"/>
+              </a:spcBef>
+              <a:buFontTx/>
+              <a:buNone/>
+            </a:pPr>
+            <a:endParaRPr lang="en-US" altLang="en-US" sz="1800" dirty="0">
+              <a:latin typeface="Arial" charset="0"/>
+            </a:endParaRPr>
+          </a:p>
+          <a:p>
+            <a:pPr eaLnBrk="1" hangingPunct="1">
+              <a:spcBef>
+                <a:spcPct val="0"/>
+              </a:spcBef>
+              <a:buFontTx/>
+              <a:buNone/>
+            </a:pPr>
+            <a:endParaRPr lang="en-US" altLang="en-US" sz="1800" dirty="0">
+              <a:latin typeface="Arial" charset="0"/>
+            </a:endParaRPr>
+          </a:p>
+        </p:txBody>
+      </p:sp>
+      <p:pic>
+        <p:nvPicPr>
+          <p:cNvPr id="35843" name="Picture 2" descr="Macintosh HD:Applications:Microsoft Office 2004:Office:PPT_IB_SupportFiles:Images:09166_ch02_fig10.jpg"/>
+          <p:cNvPicPr>
+            <a:picLocks noChangeAspect="1" noChangeArrowheads="1"/>
+          </p:cNvPicPr>
+          <p:nvPr/>
+        </p:nvPicPr>
+        <p:blipFill>
+          <a:blip r:embed="rId2">
+            <a:extLst>
+              <a:ext uri="{28A0092B-C50C-407E-A947-70E740481C1C}">
+                <a14:useLocalDpi xmlns:a14="http://schemas.microsoft.com/office/drawing/2010/main" val="0"/>
+              </a:ext>
+            </a:extLst>
+          </a:blip>
+          <a:srcRect/>
+          <a:stretch>
+            <a:fillRect/>
+          </a:stretch>
+        </p:blipFill>
+        <p:spPr bwMode="auto">
+          <a:xfrm>
+            <a:off x="2551113" y="849313"/>
+            <a:ext cx="3052762" cy="5727700"/>
+          </a:xfrm>
+          <a:prstGeom prst="rect">
+            <a:avLst/>
+          </a:prstGeom>
+          <a:noFill/>
+          <a:ln>
+            <a:noFill/>
+          </a:ln>
+          <a:extLst>
+            <a:ext uri="{909E8E84-426E-40DD-AFC4-6F175D3DCCD1}">
+              <a14:hiddenFill xmlns:a14="http://schemas.microsoft.com/office/drawing/2010/main">
+                <a:solidFill>
+                  <a:srgbClr val="FFFFFF"/>
+                </a:solidFill>
+              </a14:hiddenFill>
+            </a:ext>
+            <a:ext uri="{91240B29-F687-4F45-9708-019B960494DF}">
+              <a14:hiddenLine xmlns:a14="http://schemas.microsoft.com/office/drawing/2010/main" w="9525">
+                <a:solidFill>
+                  <a:srgbClr val="000000"/>
+                </a:solidFill>
+                <a:miter lim="800000"/>
+                <a:headEnd/>
+                <a:tailEnd/>
+              </a14:hiddenLine>
+            </a:ext>
+          </a:extLst>
+        </p:spPr>
+      </p:pic>
+    </p:spTree>
+    <p:extLst>
+      <p:ext uri="{BB962C8B-B14F-4D97-AF65-F5344CB8AC3E}">
+        <p14:creationId xmlns:p14="http://schemas.microsoft.com/office/powerpoint/2010/main" val="1415452276"/>
+      </p:ext>
+    </p:extLst>
+  </p:cSld>
+  <p:clrMapOvr>
+    <a:masterClrMapping/>
+  </p:clrMapOvr>
+  <p:timing>
+    <p:tnLst>
+      <p:par>
+        <p:cTn id="1" dur="indefinite" restart="never" nodeType="tmRoot"/>
+      </p:par>
+    </p:tnLst>
+  </p:timing>
+</p:sld>
+</file>
+
+<file path=ppt/slides/slide16.xml><?xml version="1.0" encoding="utf-8"?>
+<p:sld xmlns:a="http://schemas.openxmlformats.org/drawingml/2006/main" xmlns:r="http://schemas.openxmlformats.org/officeDocument/2006/relationships" xmlns:p="http://schemas.openxmlformats.org/presentationml/2006/main">
+  <p:cSld>
+    <p:spTree>
+      <p:nvGrpSpPr>
+        <p:cNvPr id="1" name=""/>
+        <p:cNvGrpSpPr/>
+        <p:nvPr/>
+      </p:nvGrpSpPr>
+      <p:grpSpPr>
+        <a:xfrm>
+          <a:off x="0" y="0"/>
+          <a:ext cx="0" cy="0"/>
+          <a:chOff x="0" y="0"/>
+          <a:chExt cx="0" cy="0"/>
+        </a:xfrm>
+      </p:grpSpPr>
+      <p:sp>
+        <p:nvSpPr>
+          <p:cNvPr id="36865" name="Title 1"/>
+          <p:cNvSpPr>
+            <a:spLocks noGrp="1"/>
+          </p:cNvSpPr>
+          <p:nvPr>
+            <p:ph type="title"/>
+          </p:nvPr>
+        </p:nvSpPr>
+        <p:spPr/>
+        <p:txBody>
+          <a:bodyPr/>
+          <a:lstStyle/>
+          <a:p>
+            <a:pPr eaLnBrk="1" hangingPunct="1"/>
+            <a:r>
+              <a:rPr lang="en-US" altLang="en-US"/>
+              <a:t>PROTEIN STRUCTURE</a:t>
+            </a:r>
+          </a:p>
+        </p:txBody>
+      </p:sp>
+      <p:sp>
+        <p:nvSpPr>
+          <p:cNvPr id="36866" name="Content Placeholder 2"/>
+          <p:cNvSpPr>
+            <a:spLocks noGrp="1"/>
+          </p:cNvSpPr>
+          <p:nvPr>
+            <p:ph idx="1"/>
+          </p:nvPr>
+        </p:nvSpPr>
+        <p:spPr/>
+        <p:txBody>
+          <a:bodyPr/>
+          <a:lstStyle/>
+          <a:p>
+            <a:pPr eaLnBrk="1" hangingPunct="1"/>
+            <a:r>
+              <a:rPr lang="en-US" altLang="en-US" dirty="0"/>
+              <a:t>Proteins don’t exist in the cell as extended chains </a:t>
+            </a:r>
+          </a:p>
+          <a:p>
+            <a:pPr eaLnBrk="1" hangingPunct="1"/>
+            <a:r>
+              <a:rPr lang="en-US" altLang="en-US" dirty="0"/>
+              <a:t>They fold into </a:t>
+            </a:r>
+            <a:r>
+              <a:rPr lang="en-US" altLang="en-US" dirty="0" smtClean="0"/>
+              <a:t>__________and _________structures </a:t>
+            </a:r>
+            <a:r>
+              <a:rPr lang="en-US" altLang="en-US" dirty="0"/>
+              <a:t>(Globular)</a:t>
+            </a:r>
+          </a:p>
+          <a:p>
+            <a:pPr eaLnBrk="1" hangingPunct="1"/>
+            <a:r>
+              <a:rPr lang="en-US" altLang="en-US" dirty="0"/>
+              <a:t>Primary structure determines </a:t>
+            </a:r>
+            <a:r>
+              <a:rPr lang="en-US" altLang="en-US" dirty="0" smtClean="0"/>
+              <a:t>these structures</a:t>
+            </a:r>
+            <a:endParaRPr lang="en-US" altLang="en-US" dirty="0"/>
+          </a:p>
+        </p:txBody>
+      </p:sp>
+    </p:spTree>
+    <p:extLst>
+      <p:ext uri="{BB962C8B-B14F-4D97-AF65-F5344CB8AC3E}">
+        <p14:creationId xmlns:p14="http://schemas.microsoft.com/office/powerpoint/2010/main" val="1830044913"/>
+      </p:ext>
+    </p:extLst>
+  </p:cSld>
+  <p:clrMapOvr>
+    <a:masterClrMapping/>
+  </p:clrMapOvr>
+  <p:timing>
+    <p:tnLst>
+      <p:par>
+        <p:cTn id="1" dur="indefinite" restart="never" nodeType="tmRoot"/>
+      </p:par>
+    </p:tnLst>
+  </p:timing>
+</p:sld>
+</file>
+
+<file path=ppt/slides/slide17.xml><?xml version="1.0" encoding="utf-8"?>
+<p:sld xmlns:a="http://schemas.openxmlformats.org/drawingml/2006/main" xmlns:r="http://schemas.openxmlformats.org/officeDocument/2006/relationships" xmlns:p="http://schemas.openxmlformats.org/presentationml/2006/main">
+  <p:cSld>
+    <p:spTree>
+      <p:nvGrpSpPr>
+        <p:cNvPr id="1" name=""/>
+        <p:cNvGrpSpPr/>
+        <p:nvPr/>
+      </p:nvGrpSpPr>
+      <p:grpSpPr>
+        <a:xfrm>
+          <a:off x="0" y="0"/>
+          <a:ext cx="0" cy="0"/>
+          <a:chOff x="0" y="0"/>
+          <a:chExt cx="0" cy="0"/>
+        </a:xfrm>
+      </p:grpSpPr>
+      <p:sp>
+        <p:nvSpPr>
+          <p:cNvPr id="38913" name="Title 1"/>
+          <p:cNvSpPr>
+            <a:spLocks noGrp="1"/>
+          </p:cNvSpPr>
+          <p:nvPr>
+            <p:ph type="title"/>
+          </p:nvPr>
+        </p:nvSpPr>
+        <p:spPr/>
+        <p:txBody>
+          <a:bodyPr/>
+          <a:lstStyle/>
+          <a:p>
+            <a:pPr eaLnBrk="1" hangingPunct="1"/>
+            <a:r>
+              <a:rPr lang="en-US" altLang="en-US"/>
+              <a:t>Strong chemical bonds</a:t>
+            </a:r>
+          </a:p>
+        </p:txBody>
+      </p:sp>
+      <p:sp>
+        <p:nvSpPr>
+          <p:cNvPr id="38914" name="Content Placeholder 2"/>
+          <p:cNvSpPr>
+            <a:spLocks noGrp="1"/>
+          </p:cNvSpPr>
+          <p:nvPr>
+            <p:ph idx="1"/>
+          </p:nvPr>
+        </p:nvSpPr>
+        <p:spPr/>
+        <p:txBody>
+          <a:bodyPr/>
+          <a:lstStyle/>
+          <a:p>
+            <a:pPr eaLnBrk="1" hangingPunct="1"/>
+            <a:r>
+              <a:rPr lang="en-US" altLang="en-US" dirty="0" smtClean="0"/>
+              <a:t>______________– </a:t>
+            </a:r>
+            <a:r>
+              <a:rPr lang="en-US" altLang="en-US" dirty="0"/>
+              <a:t>peptide bond = strong</a:t>
+            </a:r>
+          </a:p>
+          <a:p>
+            <a:pPr eaLnBrk="1" hangingPunct="1"/>
+            <a:r>
+              <a:rPr lang="en-US" altLang="en-US" dirty="0" smtClean="0"/>
+              <a:t>______________– </a:t>
+            </a:r>
+            <a:r>
+              <a:rPr lang="en-US" altLang="en-US" dirty="0"/>
+              <a:t>reversible, weaker</a:t>
+            </a:r>
+          </a:p>
+        </p:txBody>
+      </p:sp>
+    </p:spTree>
+    <p:extLst>
+      <p:ext uri="{BB962C8B-B14F-4D97-AF65-F5344CB8AC3E}">
+        <p14:creationId xmlns:p14="http://schemas.microsoft.com/office/powerpoint/2010/main" val="125999517"/>
+      </p:ext>
+    </p:extLst>
+  </p:cSld>
+  <p:clrMapOvr>
+    <a:masterClrMapping/>
+  </p:clrMapOvr>
+  <p:timing>
+    <p:tnLst>
+      <p:par>
+        <p:cTn id="1" dur="indefinite" restart="never" nodeType="tmRoot"/>
+      </p:par>
+    </p:tnLst>
+  </p:timing>
+</p:sld>
+</file>
+
+<file path=ppt/slides/slide18.xml><?xml version="1.0" encoding="utf-8"?>
+<p:sld xmlns:a="http://schemas.openxmlformats.org/drawingml/2006/main" xmlns:r="http://schemas.openxmlformats.org/officeDocument/2006/relationships" xmlns:p="http://schemas.openxmlformats.org/presentationml/2006/main">
+  <p:cSld>
+    <p:spTree>
+      <p:nvGrpSpPr>
+        <p:cNvPr id="1" name=""/>
+        <p:cNvGrpSpPr/>
+        <p:nvPr/>
+      </p:nvGrpSpPr>
+      <p:grpSpPr>
+        <a:xfrm>
+          <a:off x="0" y="0"/>
+          <a:ext cx="0" cy="0"/>
+          <a:chOff x="0" y="0"/>
+          <a:chExt cx="0" cy="0"/>
+        </a:xfrm>
+      </p:grpSpPr>
+      <p:sp>
+        <p:nvSpPr>
+          <p:cNvPr id="39937" name="Title 1"/>
+          <p:cNvSpPr>
+            <a:spLocks noGrp="1"/>
+          </p:cNvSpPr>
+          <p:nvPr>
+            <p:ph type="title"/>
+          </p:nvPr>
+        </p:nvSpPr>
+        <p:spPr/>
+        <p:txBody>
+          <a:bodyPr/>
+          <a:lstStyle/>
+          <a:p>
+            <a:pPr eaLnBrk="1" hangingPunct="1"/>
+            <a:r>
+              <a:rPr lang="en-US" altLang="en-US"/>
+              <a:t>Weak chemical bonds (noncovalent) stabilize protein structure</a:t>
+            </a:r>
+          </a:p>
+        </p:txBody>
+      </p:sp>
+      <p:sp>
+        <p:nvSpPr>
+          <p:cNvPr id="39938" name="Text Box 5"/>
+          <p:cNvSpPr txBox="1">
+            <a:spLocks noChangeAspect="1" noChangeArrowheads="1"/>
+          </p:cNvSpPr>
+          <p:nvPr/>
+        </p:nvSpPr>
+        <p:spPr bwMode="auto">
+          <a:xfrm>
+            <a:off x="1861751" y="1957860"/>
+            <a:ext cx="8991600" cy="2923877"/>
+          </a:xfrm>
+          <a:prstGeom prst="rect">
+            <a:avLst/>
+          </a:prstGeom>
+          <a:noFill/>
+          <a:ln>
+            <a:noFill/>
+          </a:ln>
+          <a:extLst>
+            <a:ext uri="{909E8E84-426E-40DD-AFC4-6F175D3DCCD1}">
+              <a14:hiddenFill xmlns:a14="http://schemas.microsoft.com/office/drawing/2010/main">
+                <a:solidFill>
+                  <a:srgbClr val="FFFFFF"/>
+                </a:solidFill>
+              </a14:hiddenFill>
+            </a:ext>
+            <a:ext uri="{91240B29-F687-4F45-9708-019B960494DF}">
+              <a14:hiddenLine xmlns:a14="http://schemas.microsoft.com/office/drawing/2010/main" w="9525">
+                <a:solidFill>
+                  <a:srgbClr val="000000"/>
+                </a:solidFill>
+                <a:miter lim="800000"/>
+                <a:headEnd/>
+                <a:tailEnd/>
+              </a14:hiddenLine>
+            </a:ext>
+          </a:extLst>
+        </p:spPr>
+        <p:txBody>
+          <a:bodyPr>
+            <a:spAutoFit/>
+          </a:bodyPr>
+          <a:lstStyle>
+            <a:lvl1pPr>
+              <a:spcBef>
+                <a:spcPct val="20000"/>
+              </a:spcBef>
+              <a:buFont typeface="Arial" charset="0"/>
+              <a:buChar char="•"/>
+              <a:defRPr sz="3200">
+                <a:solidFill>
+                  <a:schemeClr val="tx1"/>
+                </a:solidFill>
+                <a:latin typeface="Calibri" charset="0"/>
+                <a:ea typeface="ＭＳ Ｐゴシック" charset="-128"/>
+              </a:defRPr>
+            </a:lvl1pPr>
+            <a:lvl2pPr>
+              <a:spcBef>
+                <a:spcPct val="20000"/>
+              </a:spcBef>
+              <a:buFont typeface="Arial" charset="0"/>
+              <a:buChar char="–"/>
+              <a:defRPr sz="2800">
+                <a:solidFill>
+                  <a:schemeClr val="tx1"/>
+                </a:solidFill>
+                <a:latin typeface="Calibri" charset="0"/>
+                <a:ea typeface="ＭＳ Ｐゴシック" charset="-128"/>
+              </a:defRPr>
+            </a:lvl2pPr>
+            <a:lvl3pPr marL="1143000" indent="-228600">
+              <a:spcBef>
+                <a:spcPct val="20000"/>
+              </a:spcBef>
+              <a:buFont typeface="Arial" charset="0"/>
+              <a:buChar char="•"/>
+              <a:defRPr sz="2400">
+                <a:solidFill>
+                  <a:schemeClr val="tx1"/>
+                </a:solidFill>
+                <a:latin typeface="Calibri" charset="0"/>
+                <a:ea typeface="ＭＳ Ｐゴシック" charset="-128"/>
+              </a:defRPr>
+            </a:lvl3pPr>
+            <a:lvl4pPr marL="1600200" indent="-228600">
+              <a:spcBef>
+                <a:spcPct val="20000"/>
+              </a:spcBef>
+              <a:buFont typeface="Arial" charset="0"/>
+              <a:buChar char="–"/>
+              <a:defRPr sz="2000">
+                <a:solidFill>
+                  <a:schemeClr val="tx1"/>
+                </a:solidFill>
+                <a:latin typeface="Calibri" charset="0"/>
+                <a:ea typeface="ＭＳ Ｐゴシック" charset="-128"/>
+              </a:defRPr>
+            </a:lvl4pPr>
+            <a:lvl5pPr marL="2057400" indent="-228600">
+              <a:spcBef>
+                <a:spcPct val="20000"/>
+              </a:spcBef>
+              <a:buFont typeface="Arial" charset="0"/>
+              <a:buChar char="»"/>
+              <a:defRPr sz="2000">
+                <a:solidFill>
+                  <a:schemeClr val="tx1"/>
+                </a:solidFill>
+                <a:latin typeface="Calibri" charset="0"/>
+                <a:ea typeface="ＭＳ Ｐゴシック" charset="-128"/>
+              </a:defRPr>
+            </a:lvl5pPr>
+            <a:lvl6pPr marL="2514600" indent="-228600" defTabSz="457200" eaLnBrk="0" fontAlgn="base" hangingPunct="0">
+              <a:spcBef>
+                <a:spcPct val="20000"/>
+              </a:spcBef>
+              <a:spcAft>
+                <a:spcPct val="0"/>
+              </a:spcAft>
+              <a:buFont typeface="Arial" charset="0"/>
+              <a:buChar char="»"/>
+              <a:defRPr sz="2000">
+                <a:solidFill>
+                  <a:schemeClr val="tx1"/>
+                </a:solidFill>
+                <a:latin typeface="Calibri" charset="0"/>
+                <a:ea typeface="ＭＳ Ｐゴシック" charset="-128"/>
+              </a:defRPr>
+            </a:lvl6pPr>
+            <a:lvl7pPr marL="2971800" indent="-228600" defTabSz="457200" eaLnBrk="0" fontAlgn="base" hangingPunct="0">
+              <a:spcBef>
+                <a:spcPct val="20000"/>
+              </a:spcBef>
+              <a:spcAft>
+                <a:spcPct val="0"/>
+              </a:spcAft>
+              <a:buFont typeface="Arial" charset="0"/>
+              <a:buChar char="»"/>
+              <a:defRPr sz="2000">
+                <a:solidFill>
+                  <a:schemeClr val="tx1"/>
+                </a:solidFill>
+                <a:latin typeface="Calibri" charset="0"/>
+                <a:ea typeface="ＭＳ Ｐゴシック" charset="-128"/>
+              </a:defRPr>
+            </a:lvl7pPr>
+            <a:lvl8pPr marL="3429000" indent="-228600" defTabSz="457200" eaLnBrk="0" fontAlgn="base" hangingPunct="0">
+              <a:spcBef>
+                <a:spcPct val="20000"/>
+              </a:spcBef>
+              <a:spcAft>
+                <a:spcPct val="0"/>
+              </a:spcAft>
+              <a:buFont typeface="Arial" charset="0"/>
+              <a:buChar char="»"/>
+              <a:defRPr sz="2000">
+                <a:solidFill>
+                  <a:schemeClr val="tx1"/>
+                </a:solidFill>
+                <a:latin typeface="Calibri" charset="0"/>
+                <a:ea typeface="ＭＳ Ｐゴシック" charset="-128"/>
+              </a:defRPr>
+            </a:lvl8pPr>
+            <a:lvl9pPr marL="3886200" indent="-228600" defTabSz="457200" eaLnBrk="0" fontAlgn="base" hangingPunct="0">
+              <a:spcBef>
+                <a:spcPct val="20000"/>
+              </a:spcBef>
+              <a:spcAft>
+                <a:spcPct val="0"/>
+              </a:spcAft>
+              <a:buFont typeface="Arial" charset="0"/>
+              <a:buChar char="»"/>
+              <a:defRPr sz="2000">
+                <a:solidFill>
+                  <a:schemeClr val="tx1"/>
+                </a:solidFill>
+                <a:latin typeface="Calibri" charset="0"/>
+                <a:ea typeface="ＭＳ Ｐゴシック" charset="-128"/>
+              </a:defRPr>
+            </a:lvl9pPr>
+          </a:lstStyle>
+          <a:p>
+            <a:pPr eaLnBrk="1" hangingPunct="1">
+              <a:spcBef>
+                <a:spcPct val="0"/>
+              </a:spcBef>
+              <a:buFontTx/>
+              <a:buChar char="•"/>
+            </a:pPr>
+            <a:r>
+              <a:rPr lang="en-US" altLang="en-US" sz="2400" b="1" dirty="0">
+                <a:solidFill>
+                  <a:srgbClr val="000000"/>
+                </a:solidFill>
+                <a:latin typeface="Arial" charset="0"/>
+              </a:rPr>
+              <a:t> Ionic </a:t>
+            </a:r>
+            <a:r>
+              <a:rPr lang="en-US" altLang="en-US" sz="2400" b="1" dirty="0" smtClean="0">
+                <a:solidFill>
+                  <a:srgbClr val="000000"/>
+                </a:solidFill>
+                <a:latin typeface="Arial" charset="0"/>
+              </a:rPr>
+              <a:t>bond</a:t>
+            </a:r>
+          </a:p>
+          <a:p>
+            <a:pPr eaLnBrk="1" hangingPunct="1">
+              <a:spcBef>
+                <a:spcPct val="0"/>
+              </a:spcBef>
+              <a:buFontTx/>
+              <a:buChar char="•"/>
+            </a:pPr>
+            <a:endParaRPr lang="en-US" altLang="en-US" sz="2000" b="1" dirty="0">
+              <a:solidFill>
+                <a:srgbClr val="000000"/>
+              </a:solidFill>
+              <a:latin typeface="Arial" charset="0"/>
+            </a:endParaRPr>
+          </a:p>
+          <a:p>
+            <a:pPr eaLnBrk="1" hangingPunct="1">
+              <a:spcBef>
+                <a:spcPct val="0"/>
+              </a:spcBef>
+              <a:buFontTx/>
+              <a:buChar char="•"/>
+            </a:pPr>
+            <a:r>
+              <a:rPr lang="en-US" altLang="en-US" sz="2400" b="1" dirty="0">
+                <a:solidFill>
+                  <a:srgbClr val="000000"/>
+                </a:solidFill>
+                <a:latin typeface="Arial" charset="0"/>
+              </a:rPr>
+              <a:t> Hydrogen </a:t>
+            </a:r>
+            <a:r>
+              <a:rPr lang="en-US" altLang="en-US" sz="2400" b="1" dirty="0" smtClean="0">
+                <a:solidFill>
+                  <a:srgbClr val="000000"/>
+                </a:solidFill>
+                <a:latin typeface="Arial" charset="0"/>
+              </a:rPr>
+              <a:t>bond</a:t>
+            </a:r>
+          </a:p>
+          <a:p>
+            <a:pPr eaLnBrk="1" hangingPunct="1">
+              <a:spcBef>
+                <a:spcPct val="0"/>
+              </a:spcBef>
+              <a:buFontTx/>
+              <a:buChar char="•"/>
+            </a:pPr>
+            <a:endParaRPr lang="en-US" altLang="en-US" sz="2000" b="1" dirty="0">
+              <a:solidFill>
+                <a:srgbClr val="000000"/>
+              </a:solidFill>
+              <a:latin typeface="Arial" charset="0"/>
+            </a:endParaRPr>
+          </a:p>
+          <a:p>
+            <a:pPr eaLnBrk="1" hangingPunct="1">
+              <a:spcBef>
+                <a:spcPct val="0"/>
+              </a:spcBef>
+              <a:buFontTx/>
+              <a:buChar char="•"/>
+            </a:pPr>
+            <a:r>
+              <a:rPr lang="en-US" altLang="en-US" sz="2400" b="1" dirty="0">
+                <a:solidFill>
+                  <a:srgbClr val="000000"/>
+                </a:solidFill>
+                <a:latin typeface="Arial" charset="0"/>
+              </a:rPr>
+              <a:t> van der Waals interaction</a:t>
+            </a:r>
+          </a:p>
+          <a:p>
+            <a:pPr lvl="1" eaLnBrk="1" hangingPunct="1">
+              <a:spcBef>
+                <a:spcPct val="0"/>
+              </a:spcBef>
+              <a:buFontTx/>
+              <a:buChar char="•"/>
+            </a:pPr>
+            <a:endParaRPr lang="en-US" altLang="en-US" sz="2400" b="1" dirty="0">
+              <a:solidFill>
+                <a:srgbClr val="000000"/>
+              </a:solidFill>
+              <a:latin typeface="Arial" charset="0"/>
+            </a:endParaRPr>
+          </a:p>
+          <a:p>
+            <a:pPr eaLnBrk="1" hangingPunct="1">
+              <a:spcBef>
+                <a:spcPct val="0"/>
+              </a:spcBef>
+              <a:buFontTx/>
+              <a:buChar char="•"/>
+            </a:pPr>
+            <a:r>
+              <a:rPr lang="en-US" altLang="en-US" sz="2400" b="1" dirty="0">
+                <a:solidFill>
+                  <a:srgbClr val="000000"/>
+                </a:solidFill>
+                <a:latin typeface="Arial" charset="0"/>
+              </a:rPr>
+              <a:t> Hydrophobic interaction</a:t>
+            </a:r>
+          </a:p>
+          <a:p>
+            <a:pPr lvl="1" eaLnBrk="1" hangingPunct="1">
+              <a:spcBef>
+                <a:spcPct val="0"/>
+              </a:spcBef>
+              <a:buFontTx/>
+              <a:buChar char="•"/>
+            </a:pPr>
+            <a:r>
+              <a:rPr lang="en-US" altLang="en-US" sz="2400" b="1" dirty="0">
+                <a:solidFill>
+                  <a:srgbClr val="000000"/>
+                </a:solidFill>
+                <a:latin typeface="Arial" charset="0"/>
+              </a:rPr>
+              <a:t> </a:t>
+            </a:r>
+            <a:r>
+              <a:rPr lang="en-US" altLang="en-US" sz="2000" b="1" dirty="0">
+                <a:solidFill>
+                  <a:srgbClr val="000000"/>
+                </a:solidFill>
+                <a:latin typeface="Arial" charset="0"/>
+              </a:rPr>
+              <a:t>clustering of </a:t>
+            </a:r>
+            <a:r>
+              <a:rPr lang="en-US" altLang="en-US" sz="2000" b="1" dirty="0" smtClean="0">
+                <a:solidFill>
+                  <a:srgbClr val="000000"/>
+                </a:solidFill>
+                <a:latin typeface="Arial" charset="0"/>
+              </a:rPr>
+              <a:t>side </a:t>
+            </a:r>
+            <a:r>
+              <a:rPr lang="en-US" altLang="en-US" sz="2000" b="1" dirty="0">
+                <a:solidFill>
+                  <a:srgbClr val="000000"/>
+                </a:solidFill>
+                <a:latin typeface="Arial" charset="0"/>
+              </a:rPr>
+              <a:t>chains</a:t>
+            </a:r>
+          </a:p>
+        </p:txBody>
+      </p:sp>
+    </p:spTree>
+    <p:extLst>
+      <p:ext uri="{BB962C8B-B14F-4D97-AF65-F5344CB8AC3E}">
+        <p14:creationId xmlns:p14="http://schemas.microsoft.com/office/powerpoint/2010/main" val="255006277"/>
+      </p:ext>
+    </p:extLst>
+  </p:cSld>
+  <p:clrMapOvr>
+    <a:masterClrMapping/>
+  </p:clrMapOvr>
+  <p:timing>
+    <p:tnLst>
+      <p:par>
+        <p:cTn id="1" dur="indefinite" restart="never" nodeType="tmRoot"/>
+      </p:par>
+    </p:tnLst>
+  </p:timing>
+</p:sld>
+</file>
+
+<file path=ppt/slides/slide19.xml><?xml version="1.0" encoding="utf-8"?>
+<p:sld xmlns:a="http://schemas.openxmlformats.org/drawingml/2006/main" xmlns:r="http://schemas.openxmlformats.org/officeDocument/2006/relationships" xmlns:p="http://schemas.openxmlformats.org/presentationml/2006/main">
+  <p:cSld>
+    <p:spTree>
+      <p:nvGrpSpPr>
+        <p:cNvPr id="1" name=""/>
+        <p:cNvGrpSpPr/>
+        <p:nvPr/>
+      </p:nvGrpSpPr>
+      <p:grpSpPr>
+        <a:xfrm>
+          <a:off x="0" y="0"/>
+          <a:ext cx="0" cy="0"/>
+          <a:chOff x="0" y="0"/>
+          <a:chExt cx="0" cy="0"/>
+        </a:xfrm>
+      </p:grpSpPr>
+      <p:sp>
+        <p:nvSpPr>
+          <p:cNvPr id="40961" name="Title 1"/>
+          <p:cNvSpPr>
+            <a:spLocks noGrp="1"/>
+          </p:cNvSpPr>
+          <p:nvPr>
+            <p:ph type="title"/>
+          </p:nvPr>
+        </p:nvSpPr>
+        <p:spPr/>
+        <p:txBody>
+          <a:bodyPr/>
+          <a:lstStyle/>
+          <a:p>
+            <a:pPr eaLnBrk="1" hangingPunct="1"/>
+            <a:r>
+              <a:rPr lang="en-US" altLang="en-US"/>
+              <a:t>Secondary structures </a:t>
+            </a:r>
+          </a:p>
+        </p:txBody>
+      </p:sp>
+      <p:sp>
+        <p:nvSpPr>
+          <p:cNvPr id="40962" name="Content Placeholder 2"/>
+          <p:cNvSpPr>
+            <a:spLocks noGrp="1"/>
+          </p:cNvSpPr>
+          <p:nvPr>
+            <p:ph idx="1"/>
+          </p:nvPr>
+        </p:nvSpPr>
+        <p:spPr/>
+        <p:txBody>
+          <a:bodyPr/>
+          <a:lstStyle/>
+          <a:p>
+            <a:pPr eaLnBrk="1" hangingPunct="1">
+              <a:buFont typeface="Arial" charset="0"/>
+              <a:buNone/>
+            </a:pPr>
+            <a:r>
+              <a:rPr lang="en-US" altLang="en-US" b="1" u="sng"/>
+              <a:t>3 flavors</a:t>
+            </a:r>
+          </a:p>
+        </p:txBody>
+      </p:sp>
+      <p:sp>
+        <p:nvSpPr>
+          <p:cNvPr id="40963" name="TextBox 3"/>
+          <p:cNvSpPr txBox="1">
+            <a:spLocks noChangeArrowheads="1"/>
+          </p:cNvSpPr>
+          <p:nvPr/>
+        </p:nvSpPr>
+        <p:spPr bwMode="auto">
+          <a:xfrm>
+            <a:off x="2184400" y="2497138"/>
+            <a:ext cx="1813317" cy="1477328"/>
+          </a:xfrm>
+          <a:prstGeom prst="rect">
+            <a:avLst/>
+          </a:prstGeom>
+          <a:noFill/>
+          <a:ln>
+            <a:noFill/>
+          </a:ln>
+          <a:extLst>
+            <a:ext uri="{909E8E84-426E-40DD-AFC4-6F175D3DCCD1}">
+              <a14:hiddenFill xmlns:a14="http://schemas.microsoft.com/office/drawing/2010/main">
+                <a:solidFill>
+                  <a:srgbClr val="FFFFFF"/>
+                </a:solidFill>
+              </a14:hiddenFill>
+            </a:ext>
+            <a:ext uri="{91240B29-F687-4F45-9708-019B960494DF}">
+              <a14:hiddenLine xmlns:a14="http://schemas.microsoft.com/office/drawing/2010/main" w="9525">
+                <a:solidFill>
+                  <a:srgbClr val="000000"/>
+                </a:solidFill>
+                <a:miter lim="800000"/>
+                <a:headEnd/>
+                <a:tailEnd/>
+              </a14:hiddenLine>
+            </a:ext>
+          </a:extLst>
+        </p:spPr>
+        <p:txBody>
+          <a:bodyPr wrap="none">
+            <a:spAutoFit/>
+          </a:bodyPr>
+          <a:lstStyle>
+            <a:lvl1pPr>
+              <a:spcBef>
+                <a:spcPct val="20000"/>
+              </a:spcBef>
+              <a:buFont typeface="Arial" charset="0"/>
+              <a:buChar char="•"/>
+              <a:defRPr sz="3200">
+                <a:solidFill>
+                  <a:schemeClr val="tx1"/>
+                </a:solidFill>
+                <a:latin typeface="Calibri" charset="0"/>
+                <a:ea typeface="ＭＳ Ｐゴシック" charset="-128"/>
+              </a:defRPr>
+            </a:lvl1pPr>
+            <a:lvl2pPr marL="37931725" indent="-37474525">
+              <a:spcBef>
+                <a:spcPct val="20000"/>
+              </a:spcBef>
+              <a:buFont typeface="Arial" charset="0"/>
+              <a:buChar char="–"/>
+              <a:defRPr sz="2800">
+                <a:solidFill>
+                  <a:schemeClr val="tx1"/>
+                </a:solidFill>
+                <a:latin typeface="Calibri" charset="0"/>
+                <a:ea typeface="ＭＳ Ｐゴシック" charset="-128"/>
+              </a:defRPr>
+            </a:lvl2pPr>
+            <a:lvl3pPr marL="1143000" indent="-228600">
+              <a:spcBef>
+                <a:spcPct val="20000"/>
+              </a:spcBef>
+              <a:buFont typeface="Arial" charset="0"/>
+              <a:buChar char="•"/>
+              <a:defRPr sz="2400">
+                <a:solidFill>
+                  <a:schemeClr val="tx1"/>
+                </a:solidFill>
+                <a:latin typeface="Calibri" charset="0"/>
+                <a:ea typeface="ＭＳ Ｐゴシック" charset="-128"/>
+              </a:defRPr>
+            </a:lvl3pPr>
+            <a:lvl4pPr marL="1600200" indent="-228600">
+              <a:spcBef>
+                <a:spcPct val="20000"/>
+              </a:spcBef>
+              <a:buFont typeface="Arial" charset="0"/>
+              <a:buChar char="–"/>
+              <a:defRPr sz="2000">
+                <a:solidFill>
+                  <a:schemeClr val="tx1"/>
+                </a:solidFill>
+                <a:latin typeface="Calibri" charset="0"/>
+                <a:ea typeface="ＭＳ Ｐゴシック" charset="-128"/>
+              </a:defRPr>
+            </a:lvl4pPr>
+            <a:lvl5pPr marL="2057400" indent="-228600">
+              <a:spcBef>
+                <a:spcPct val="20000"/>
+              </a:spcBef>
+              <a:buFont typeface="Arial" charset="0"/>
+              <a:buChar char="»"/>
+              <a:defRPr sz="2000">
+                <a:solidFill>
+                  <a:schemeClr val="tx1"/>
+                </a:solidFill>
+                <a:latin typeface="Calibri" charset="0"/>
+                <a:ea typeface="ＭＳ Ｐゴシック" charset="-128"/>
+              </a:defRPr>
+            </a:lvl5pPr>
+            <a:lvl6pPr marL="2514600" indent="-228600" defTabSz="457200" eaLnBrk="0" fontAlgn="base" hangingPunct="0">
+              <a:spcBef>
+                <a:spcPct val="20000"/>
+              </a:spcBef>
+              <a:spcAft>
+                <a:spcPct val="0"/>
+              </a:spcAft>
+              <a:buFont typeface="Arial" charset="0"/>
+              <a:buChar char="»"/>
+              <a:defRPr sz="2000">
+                <a:solidFill>
+                  <a:schemeClr val="tx1"/>
+                </a:solidFill>
+                <a:latin typeface="Calibri" charset="0"/>
+                <a:ea typeface="ＭＳ Ｐゴシック" charset="-128"/>
+              </a:defRPr>
+            </a:lvl6pPr>
+            <a:lvl7pPr marL="2971800" indent="-228600" defTabSz="457200" eaLnBrk="0" fontAlgn="base" hangingPunct="0">
+              <a:spcBef>
+                <a:spcPct val="20000"/>
+              </a:spcBef>
+              <a:spcAft>
+                <a:spcPct val="0"/>
+              </a:spcAft>
+              <a:buFont typeface="Arial" charset="0"/>
+              <a:buChar char="»"/>
+              <a:defRPr sz="2000">
+                <a:solidFill>
+                  <a:schemeClr val="tx1"/>
+                </a:solidFill>
+                <a:latin typeface="Calibri" charset="0"/>
+                <a:ea typeface="ＭＳ Ｐゴシック" charset="-128"/>
+              </a:defRPr>
+            </a:lvl7pPr>
+            <a:lvl8pPr marL="3429000" indent="-228600" defTabSz="457200" eaLnBrk="0" fontAlgn="base" hangingPunct="0">
+              <a:spcBef>
+                <a:spcPct val="20000"/>
+              </a:spcBef>
+              <a:spcAft>
+                <a:spcPct val="0"/>
+              </a:spcAft>
+              <a:buFont typeface="Arial" charset="0"/>
+              <a:buChar char="»"/>
+              <a:defRPr sz="2000">
+                <a:solidFill>
+                  <a:schemeClr val="tx1"/>
+                </a:solidFill>
+                <a:latin typeface="Calibri" charset="0"/>
+                <a:ea typeface="ＭＳ Ｐゴシック" charset="-128"/>
+              </a:defRPr>
+            </a:lvl8pPr>
+            <a:lvl9pPr marL="3886200" indent="-228600" defTabSz="457200" eaLnBrk="0" fontAlgn="base" hangingPunct="0">
+              <a:spcBef>
+                <a:spcPct val="20000"/>
+              </a:spcBef>
+              <a:spcAft>
+                <a:spcPct val="0"/>
+              </a:spcAft>
+              <a:buFont typeface="Arial" charset="0"/>
+              <a:buChar char="»"/>
+              <a:defRPr sz="2000">
+                <a:solidFill>
+                  <a:schemeClr val="tx1"/>
+                </a:solidFill>
+                <a:latin typeface="Calibri" charset="0"/>
+                <a:ea typeface="ＭＳ Ｐゴシック" charset="-128"/>
+              </a:defRPr>
+            </a:lvl9pPr>
+          </a:lstStyle>
+          <a:p>
+            <a:pPr eaLnBrk="1" hangingPunct="1">
+              <a:spcBef>
+                <a:spcPct val="0"/>
+              </a:spcBef>
+              <a:buFontTx/>
+              <a:buNone/>
+            </a:pPr>
+            <a:r>
+              <a:rPr lang="en-US" altLang="en-US" sz="1800" dirty="0" smtClean="0">
+                <a:latin typeface="Arial" charset="0"/>
+              </a:rPr>
+              <a:t>_________helix</a:t>
+            </a:r>
+            <a:endParaRPr lang="en-US" altLang="en-US" sz="1800" dirty="0">
+              <a:latin typeface="Arial" charset="0"/>
+            </a:endParaRPr>
+          </a:p>
+          <a:p>
+            <a:pPr eaLnBrk="1" hangingPunct="1">
+              <a:spcBef>
+                <a:spcPct val="0"/>
+              </a:spcBef>
+              <a:buFontTx/>
+              <a:buNone/>
+            </a:pPr>
+            <a:r>
+              <a:rPr lang="en-US" altLang="en-US" sz="1800" dirty="0">
+                <a:latin typeface="Arial" charset="0"/>
+              </a:rPr>
+              <a:t/>
+            </a:r>
+            <a:br>
+              <a:rPr lang="en-US" altLang="en-US" sz="1800" dirty="0">
+                <a:latin typeface="Arial" charset="0"/>
+              </a:rPr>
+            </a:br>
+            <a:r>
+              <a:rPr lang="en-US" altLang="en-US" sz="1800" dirty="0" smtClean="0">
+                <a:latin typeface="Arial" charset="0"/>
+              </a:rPr>
+              <a:t>________sheet</a:t>
+            </a:r>
+            <a:endParaRPr lang="en-US" altLang="en-US" sz="1800" dirty="0">
+              <a:latin typeface="Arial" charset="0"/>
+            </a:endParaRPr>
+          </a:p>
+          <a:p>
+            <a:pPr eaLnBrk="1" hangingPunct="1">
+              <a:spcBef>
+                <a:spcPct val="0"/>
+              </a:spcBef>
+              <a:buFontTx/>
+              <a:buNone/>
+            </a:pPr>
+            <a:endParaRPr lang="en-US" altLang="en-US" sz="1800" dirty="0">
+              <a:latin typeface="Arial" charset="0"/>
+            </a:endParaRPr>
+          </a:p>
+          <a:p>
+            <a:pPr eaLnBrk="1" hangingPunct="1">
+              <a:spcBef>
+                <a:spcPct val="0"/>
+              </a:spcBef>
+              <a:buFontTx/>
+              <a:buNone/>
+            </a:pPr>
+            <a:r>
+              <a:rPr lang="en-US" altLang="en-US" sz="1800" dirty="0" smtClean="0">
+                <a:latin typeface="Arial" charset="0"/>
+              </a:rPr>
+              <a:t>________coil</a:t>
+            </a:r>
+            <a:endParaRPr lang="en-US" altLang="en-US" sz="1800" dirty="0">
+              <a:latin typeface="Arial" charset="0"/>
+            </a:endParaRPr>
+          </a:p>
+        </p:txBody>
+      </p:sp>
+    </p:spTree>
+    <p:extLst>
+      <p:ext uri="{BB962C8B-B14F-4D97-AF65-F5344CB8AC3E}">
+        <p14:creationId xmlns:p14="http://schemas.microsoft.com/office/powerpoint/2010/main" val="1660621774"/>
       </p:ext>
     </p:extLst>
   </p:cSld>
@@ -8314,1369 +7789,6 @@
       </p:grpSpPr>
       <p:sp>
         <p:nvSpPr>
-          <p:cNvPr id="35841" name="Title 1"/>
-          <p:cNvSpPr>
-            <a:spLocks noGrp="1"/>
-          </p:cNvSpPr>
-          <p:nvPr>
-            <p:ph type="title"/>
-          </p:nvPr>
-        </p:nvSpPr>
-        <p:spPr>
-          <a:xfrm>
-            <a:off x="1981200" y="0"/>
-            <a:ext cx="8229600" cy="1143000"/>
-          </a:xfrm>
-        </p:spPr>
-        <p:txBody>
-          <a:bodyPr/>
-          <a:lstStyle/>
-          <a:p>
-            <a:pPr eaLnBrk="1" hangingPunct="1"/>
-            <a:r>
-              <a:rPr lang="en-US" altLang="en-US"/>
-              <a:t>Primary Structure of proteins</a:t>
-            </a:r>
-          </a:p>
-        </p:txBody>
-      </p:sp>
-      <p:sp>
-        <p:nvSpPr>
-          <p:cNvPr id="35842" name="TextBox 2"/>
-          <p:cNvSpPr txBox="1">
-            <a:spLocks noChangeArrowheads="1"/>
-          </p:cNvSpPr>
-          <p:nvPr/>
-        </p:nvSpPr>
-        <p:spPr bwMode="auto">
-          <a:xfrm>
-            <a:off x="6130926" y="1987551"/>
-            <a:ext cx="3903633" cy="1477328"/>
-          </a:xfrm>
-          <a:prstGeom prst="rect">
-            <a:avLst/>
-          </a:prstGeom>
-          <a:noFill/>
-          <a:ln>
-            <a:noFill/>
-          </a:ln>
-          <a:extLst>
-            <a:ext uri="{909E8E84-426E-40DD-AFC4-6F175D3DCCD1}">
-              <a14:hiddenFill xmlns:a14="http://schemas.microsoft.com/office/drawing/2010/main">
-                <a:solidFill>
-                  <a:srgbClr val="FFFFFF"/>
-                </a:solidFill>
-              </a14:hiddenFill>
-            </a:ext>
-            <a:ext uri="{91240B29-F687-4F45-9708-019B960494DF}">
-              <a14:hiddenLine xmlns:a14="http://schemas.microsoft.com/office/drawing/2010/main" w="9525">
-                <a:solidFill>
-                  <a:srgbClr val="000000"/>
-                </a:solidFill>
-                <a:miter lim="800000"/>
-                <a:headEnd/>
-                <a:tailEnd/>
-              </a14:hiddenLine>
-            </a:ext>
-          </a:extLst>
-        </p:spPr>
-        <p:txBody>
-          <a:bodyPr wrap="none">
-            <a:spAutoFit/>
-          </a:bodyPr>
-          <a:lstStyle>
-            <a:lvl1pPr>
-              <a:spcBef>
-                <a:spcPct val="20000"/>
-              </a:spcBef>
-              <a:buFont typeface="Arial" charset="0"/>
-              <a:buChar char="•"/>
-              <a:defRPr sz="3200">
-                <a:solidFill>
-                  <a:schemeClr val="tx1"/>
-                </a:solidFill>
-                <a:latin typeface="Calibri" charset="0"/>
-                <a:ea typeface="ＭＳ Ｐゴシック" charset="-128"/>
-              </a:defRPr>
-            </a:lvl1pPr>
-            <a:lvl2pPr marL="37931725" indent="-37474525">
-              <a:spcBef>
-                <a:spcPct val="20000"/>
-              </a:spcBef>
-              <a:buFont typeface="Arial" charset="0"/>
-              <a:buChar char="–"/>
-              <a:defRPr sz="2800">
-                <a:solidFill>
-                  <a:schemeClr val="tx1"/>
-                </a:solidFill>
-                <a:latin typeface="Calibri" charset="0"/>
-                <a:ea typeface="ＭＳ Ｐゴシック" charset="-128"/>
-              </a:defRPr>
-            </a:lvl2pPr>
-            <a:lvl3pPr marL="1143000" indent="-228600">
-              <a:spcBef>
-                <a:spcPct val="20000"/>
-              </a:spcBef>
-              <a:buFont typeface="Arial" charset="0"/>
-              <a:buChar char="•"/>
-              <a:defRPr sz="2400">
-                <a:solidFill>
-                  <a:schemeClr val="tx1"/>
-                </a:solidFill>
-                <a:latin typeface="Calibri" charset="0"/>
-                <a:ea typeface="ＭＳ Ｐゴシック" charset="-128"/>
-              </a:defRPr>
-            </a:lvl3pPr>
-            <a:lvl4pPr marL="1600200" indent="-228600">
-              <a:spcBef>
-                <a:spcPct val="20000"/>
-              </a:spcBef>
-              <a:buFont typeface="Arial" charset="0"/>
-              <a:buChar char="–"/>
-              <a:defRPr sz="2000">
-                <a:solidFill>
-                  <a:schemeClr val="tx1"/>
-                </a:solidFill>
-                <a:latin typeface="Calibri" charset="0"/>
-                <a:ea typeface="ＭＳ Ｐゴシック" charset="-128"/>
-              </a:defRPr>
-            </a:lvl4pPr>
-            <a:lvl5pPr marL="2057400" indent="-228600">
-              <a:spcBef>
-                <a:spcPct val="20000"/>
-              </a:spcBef>
-              <a:buFont typeface="Arial" charset="0"/>
-              <a:buChar char="»"/>
-              <a:defRPr sz="2000">
-                <a:solidFill>
-                  <a:schemeClr val="tx1"/>
-                </a:solidFill>
-                <a:latin typeface="Calibri" charset="0"/>
-                <a:ea typeface="ＭＳ Ｐゴシック" charset="-128"/>
-              </a:defRPr>
-            </a:lvl5pPr>
-            <a:lvl6pPr marL="2514600" indent="-228600" defTabSz="457200" eaLnBrk="0" fontAlgn="base" hangingPunct="0">
-              <a:spcBef>
-                <a:spcPct val="20000"/>
-              </a:spcBef>
-              <a:spcAft>
-                <a:spcPct val="0"/>
-              </a:spcAft>
-              <a:buFont typeface="Arial" charset="0"/>
-              <a:buChar char="»"/>
-              <a:defRPr sz="2000">
-                <a:solidFill>
-                  <a:schemeClr val="tx1"/>
-                </a:solidFill>
-                <a:latin typeface="Calibri" charset="0"/>
-                <a:ea typeface="ＭＳ Ｐゴシック" charset="-128"/>
-              </a:defRPr>
-            </a:lvl6pPr>
-            <a:lvl7pPr marL="2971800" indent="-228600" defTabSz="457200" eaLnBrk="0" fontAlgn="base" hangingPunct="0">
-              <a:spcBef>
-                <a:spcPct val="20000"/>
-              </a:spcBef>
-              <a:spcAft>
-                <a:spcPct val="0"/>
-              </a:spcAft>
-              <a:buFont typeface="Arial" charset="0"/>
-              <a:buChar char="»"/>
-              <a:defRPr sz="2000">
-                <a:solidFill>
-                  <a:schemeClr val="tx1"/>
-                </a:solidFill>
-                <a:latin typeface="Calibri" charset="0"/>
-                <a:ea typeface="ＭＳ Ｐゴシック" charset="-128"/>
-              </a:defRPr>
-            </a:lvl7pPr>
-            <a:lvl8pPr marL="3429000" indent="-228600" defTabSz="457200" eaLnBrk="0" fontAlgn="base" hangingPunct="0">
-              <a:spcBef>
-                <a:spcPct val="20000"/>
-              </a:spcBef>
-              <a:spcAft>
-                <a:spcPct val="0"/>
-              </a:spcAft>
-              <a:buFont typeface="Arial" charset="0"/>
-              <a:buChar char="»"/>
-              <a:defRPr sz="2000">
-                <a:solidFill>
-                  <a:schemeClr val="tx1"/>
-                </a:solidFill>
-                <a:latin typeface="Calibri" charset="0"/>
-                <a:ea typeface="ＭＳ Ｐゴシック" charset="-128"/>
-              </a:defRPr>
-            </a:lvl8pPr>
-            <a:lvl9pPr marL="3886200" indent="-228600" defTabSz="457200" eaLnBrk="0" fontAlgn="base" hangingPunct="0">
-              <a:spcBef>
-                <a:spcPct val="20000"/>
-              </a:spcBef>
-              <a:spcAft>
-                <a:spcPct val="0"/>
-              </a:spcAft>
-              <a:buFont typeface="Arial" charset="0"/>
-              <a:buChar char="»"/>
-              <a:defRPr sz="2000">
-                <a:solidFill>
-                  <a:schemeClr val="tx1"/>
-                </a:solidFill>
-                <a:latin typeface="Calibri" charset="0"/>
-                <a:ea typeface="ＭＳ Ｐゴシック" charset="-128"/>
-              </a:defRPr>
-            </a:lvl9pPr>
-          </a:lstStyle>
-          <a:p>
-            <a:pPr eaLnBrk="1" hangingPunct="1">
-              <a:spcBef>
-                <a:spcPct val="0"/>
-              </a:spcBef>
-              <a:buFontTx/>
-              <a:buNone/>
-            </a:pPr>
-            <a:r>
-              <a:rPr lang="en-US" altLang="en-US" sz="1800" dirty="0">
-                <a:latin typeface="Arial" charset="0"/>
-              </a:rPr>
-              <a:t>Linear sequence of amino acids</a:t>
-            </a:r>
-          </a:p>
-          <a:p>
-            <a:pPr eaLnBrk="1" hangingPunct="1">
-              <a:spcBef>
-                <a:spcPct val="0"/>
-              </a:spcBef>
-              <a:buFontTx/>
-              <a:buNone/>
-            </a:pPr>
-            <a:r>
-              <a:rPr lang="en-US" altLang="en-US" sz="1800" dirty="0">
-                <a:latin typeface="Arial" charset="0"/>
-              </a:rPr>
-              <a:t> in the polymer  </a:t>
-            </a:r>
-            <a:r>
-              <a:rPr lang="en-US" altLang="en-US" sz="1800" dirty="0" smtClean="0">
-                <a:latin typeface="Arial" charset="0"/>
-              </a:rPr>
-              <a:t>(_______________)</a:t>
-            </a:r>
-            <a:endParaRPr lang="en-US" altLang="en-US" sz="1800" dirty="0">
-              <a:latin typeface="Arial" charset="0"/>
-            </a:endParaRPr>
-          </a:p>
-          <a:p>
-            <a:pPr eaLnBrk="1" hangingPunct="1">
-              <a:spcBef>
-                <a:spcPct val="0"/>
-              </a:spcBef>
-              <a:buFontTx/>
-              <a:buNone/>
-            </a:pPr>
-            <a:endParaRPr lang="en-US" altLang="en-US" sz="1800" dirty="0">
-              <a:latin typeface="Arial" charset="0"/>
-            </a:endParaRPr>
-          </a:p>
-          <a:p>
-            <a:pPr eaLnBrk="1" hangingPunct="1">
-              <a:spcBef>
-                <a:spcPct val="0"/>
-              </a:spcBef>
-              <a:buFontTx/>
-              <a:buNone/>
-            </a:pPr>
-            <a:endParaRPr lang="en-US" altLang="en-US" sz="1800" dirty="0">
-              <a:latin typeface="Arial" charset="0"/>
-            </a:endParaRPr>
-          </a:p>
-          <a:p>
-            <a:pPr eaLnBrk="1" hangingPunct="1">
-              <a:spcBef>
-                <a:spcPct val="0"/>
-              </a:spcBef>
-              <a:buFontTx/>
-              <a:buNone/>
-            </a:pPr>
-            <a:endParaRPr lang="en-US" altLang="en-US" sz="1800" dirty="0">
-              <a:latin typeface="Arial" charset="0"/>
-            </a:endParaRPr>
-          </a:p>
-        </p:txBody>
-      </p:sp>
-      <p:pic>
-        <p:nvPicPr>
-          <p:cNvPr id="35843" name="Picture 2" descr="Macintosh HD:Applications:Microsoft Office 2004:Office:PPT_IB_SupportFiles:Images:09166_ch02_fig10.jpg"/>
-          <p:cNvPicPr>
-            <a:picLocks noChangeAspect="1" noChangeArrowheads="1"/>
-          </p:cNvPicPr>
-          <p:nvPr/>
-        </p:nvPicPr>
-        <p:blipFill>
-          <a:blip r:embed="rId2">
-            <a:extLst>
-              <a:ext uri="{28A0092B-C50C-407E-A947-70E740481C1C}">
-                <a14:useLocalDpi xmlns:a14="http://schemas.microsoft.com/office/drawing/2010/main" val="0"/>
-              </a:ext>
-            </a:extLst>
-          </a:blip>
-          <a:srcRect/>
-          <a:stretch>
-            <a:fillRect/>
-          </a:stretch>
-        </p:blipFill>
-        <p:spPr bwMode="auto">
-          <a:xfrm>
-            <a:off x="2551113" y="849313"/>
-            <a:ext cx="3052762" cy="5727700"/>
-          </a:xfrm>
-          <a:prstGeom prst="rect">
-            <a:avLst/>
-          </a:prstGeom>
-          <a:noFill/>
-          <a:ln>
-            <a:noFill/>
-          </a:ln>
-          <a:extLst>
-            <a:ext uri="{909E8E84-426E-40DD-AFC4-6F175D3DCCD1}">
-              <a14:hiddenFill xmlns:a14="http://schemas.microsoft.com/office/drawing/2010/main">
-                <a:solidFill>
-                  <a:srgbClr val="FFFFFF"/>
-                </a:solidFill>
-              </a14:hiddenFill>
-            </a:ext>
-            <a:ext uri="{91240B29-F687-4F45-9708-019B960494DF}">
-              <a14:hiddenLine xmlns:a14="http://schemas.microsoft.com/office/drawing/2010/main" w="9525">
-                <a:solidFill>
-                  <a:srgbClr val="000000"/>
-                </a:solidFill>
-                <a:miter lim="800000"/>
-                <a:headEnd/>
-                <a:tailEnd/>
-              </a14:hiddenLine>
-            </a:ext>
-          </a:extLst>
-        </p:spPr>
-      </p:pic>
-    </p:spTree>
-    <p:extLst>
-      <p:ext uri="{BB962C8B-B14F-4D97-AF65-F5344CB8AC3E}">
-        <p14:creationId xmlns:p14="http://schemas.microsoft.com/office/powerpoint/2010/main" val="1415452276"/>
-      </p:ext>
-    </p:extLst>
-  </p:cSld>
-  <p:clrMapOvr>
-    <a:masterClrMapping/>
-  </p:clrMapOvr>
-  <p:timing>
-    <p:tnLst>
-      <p:par>
-        <p:cTn id="1" dur="indefinite" restart="never" nodeType="tmRoot"/>
-      </p:par>
-    </p:tnLst>
-  </p:timing>
-</p:sld>
-</file>
-
-<file path=ppt/slides/slide21.xml><?xml version="1.0" encoding="utf-8"?>
-<p:sld xmlns:a="http://schemas.openxmlformats.org/drawingml/2006/main" xmlns:r="http://schemas.openxmlformats.org/officeDocument/2006/relationships" xmlns:p="http://schemas.openxmlformats.org/presentationml/2006/main">
-  <p:cSld>
-    <p:spTree>
-      <p:nvGrpSpPr>
-        <p:cNvPr id="1" name=""/>
-        <p:cNvGrpSpPr/>
-        <p:nvPr/>
-      </p:nvGrpSpPr>
-      <p:grpSpPr>
-        <a:xfrm>
-          <a:off x="0" y="0"/>
-          <a:ext cx="0" cy="0"/>
-          <a:chOff x="0" y="0"/>
-          <a:chExt cx="0" cy="0"/>
-        </a:xfrm>
-      </p:grpSpPr>
-      <p:sp>
-        <p:nvSpPr>
-          <p:cNvPr id="36865" name="Title 1"/>
-          <p:cNvSpPr>
-            <a:spLocks noGrp="1"/>
-          </p:cNvSpPr>
-          <p:nvPr>
-            <p:ph type="title"/>
-          </p:nvPr>
-        </p:nvSpPr>
-        <p:spPr/>
-        <p:txBody>
-          <a:bodyPr/>
-          <a:lstStyle/>
-          <a:p>
-            <a:pPr eaLnBrk="1" hangingPunct="1"/>
-            <a:r>
-              <a:rPr lang="en-US" altLang="en-US"/>
-              <a:t>PROTEIN STRUCTURE</a:t>
-            </a:r>
-          </a:p>
-        </p:txBody>
-      </p:sp>
-      <p:sp>
-        <p:nvSpPr>
-          <p:cNvPr id="36866" name="Content Placeholder 2"/>
-          <p:cNvSpPr>
-            <a:spLocks noGrp="1"/>
-          </p:cNvSpPr>
-          <p:nvPr>
-            <p:ph idx="1"/>
-          </p:nvPr>
-        </p:nvSpPr>
-        <p:spPr/>
-        <p:txBody>
-          <a:bodyPr/>
-          <a:lstStyle/>
-          <a:p>
-            <a:pPr eaLnBrk="1" hangingPunct="1"/>
-            <a:r>
-              <a:rPr lang="en-US" altLang="en-US" dirty="0"/>
-              <a:t>Proteins don’t exist in the cell as extended chains </a:t>
-            </a:r>
-          </a:p>
-          <a:p>
-            <a:pPr eaLnBrk="1" hangingPunct="1"/>
-            <a:r>
-              <a:rPr lang="en-US" altLang="en-US" dirty="0"/>
-              <a:t>They fold into </a:t>
-            </a:r>
-            <a:r>
-              <a:rPr lang="en-US" altLang="en-US" dirty="0" smtClean="0"/>
-              <a:t>__________and _________structures </a:t>
-            </a:r>
-            <a:r>
-              <a:rPr lang="en-US" altLang="en-US" dirty="0"/>
-              <a:t>(Globular)</a:t>
-            </a:r>
-          </a:p>
-          <a:p>
-            <a:pPr eaLnBrk="1" hangingPunct="1"/>
-            <a:r>
-              <a:rPr lang="en-US" altLang="en-US" dirty="0"/>
-              <a:t>Primary structure determines </a:t>
-            </a:r>
-            <a:r>
-              <a:rPr lang="en-US" altLang="en-US" dirty="0" smtClean="0"/>
-              <a:t>these structures</a:t>
-            </a:r>
-            <a:endParaRPr lang="en-US" altLang="en-US" dirty="0"/>
-          </a:p>
-        </p:txBody>
-      </p:sp>
-    </p:spTree>
-    <p:extLst>
-      <p:ext uri="{BB962C8B-B14F-4D97-AF65-F5344CB8AC3E}">
-        <p14:creationId xmlns:p14="http://schemas.microsoft.com/office/powerpoint/2010/main" val="1830044913"/>
-      </p:ext>
-    </p:extLst>
-  </p:cSld>
-  <p:clrMapOvr>
-    <a:masterClrMapping/>
-  </p:clrMapOvr>
-  <p:timing>
-    <p:tnLst>
-      <p:par>
-        <p:cTn id="1" dur="indefinite" restart="never" nodeType="tmRoot"/>
-      </p:par>
-    </p:tnLst>
-  </p:timing>
-</p:sld>
-</file>
-
-<file path=ppt/slides/slide22.xml><?xml version="1.0" encoding="utf-8"?>
-<p:sld xmlns:a="http://schemas.openxmlformats.org/drawingml/2006/main" xmlns:r="http://schemas.openxmlformats.org/officeDocument/2006/relationships" xmlns:p="http://schemas.openxmlformats.org/presentationml/2006/main">
-  <p:cSld>
-    <p:spTree>
-      <p:nvGrpSpPr>
-        <p:cNvPr id="1" name=""/>
-        <p:cNvGrpSpPr/>
-        <p:nvPr/>
-      </p:nvGrpSpPr>
-      <p:grpSpPr>
-        <a:xfrm>
-          <a:off x="0" y="0"/>
-          <a:ext cx="0" cy="0"/>
-          <a:chOff x="0" y="0"/>
-          <a:chExt cx="0" cy="0"/>
-        </a:xfrm>
-      </p:grpSpPr>
-      <p:sp>
-        <p:nvSpPr>
-          <p:cNvPr id="38913" name="Title 1"/>
-          <p:cNvSpPr>
-            <a:spLocks noGrp="1"/>
-          </p:cNvSpPr>
-          <p:nvPr>
-            <p:ph type="title"/>
-          </p:nvPr>
-        </p:nvSpPr>
-        <p:spPr/>
-        <p:txBody>
-          <a:bodyPr/>
-          <a:lstStyle/>
-          <a:p>
-            <a:pPr eaLnBrk="1" hangingPunct="1"/>
-            <a:r>
-              <a:rPr lang="en-US" altLang="en-US"/>
-              <a:t>Strong chemical bonds</a:t>
-            </a:r>
-          </a:p>
-        </p:txBody>
-      </p:sp>
-      <p:sp>
-        <p:nvSpPr>
-          <p:cNvPr id="38914" name="Content Placeholder 2"/>
-          <p:cNvSpPr>
-            <a:spLocks noGrp="1"/>
-          </p:cNvSpPr>
-          <p:nvPr>
-            <p:ph idx="1"/>
-          </p:nvPr>
-        </p:nvSpPr>
-        <p:spPr/>
-        <p:txBody>
-          <a:bodyPr/>
-          <a:lstStyle/>
-          <a:p>
-            <a:pPr eaLnBrk="1" hangingPunct="1"/>
-            <a:r>
-              <a:rPr lang="en-US" altLang="en-US" dirty="0" smtClean="0"/>
-              <a:t>______________– </a:t>
-            </a:r>
-            <a:r>
-              <a:rPr lang="en-US" altLang="en-US" dirty="0"/>
-              <a:t>peptide bond = strong</a:t>
-            </a:r>
-          </a:p>
-          <a:p>
-            <a:pPr eaLnBrk="1" hangingPunct="1"/>
-            <a:r>
-              <a:rPr lang="en-US" altLang="en-US" dirty="0" smtClean="0"/>
-              <a:t>______________– </a:t>
-            </a:r>
-            <a:r>
-              <a:rPr lang="en-US" altLang="en-US" dirty="0"/>
-              <a:t>reversible, weaker</a:t>
-            </a:r>
-          </a:p>
-        </p:txBody>
-      </p:sp>
-    </p:spTree>
-    <p:extLst>
-      <p:ext uri="{BB962C8B-B14F-4D97-AF65-F5344CB8AC3E}">
-        <p14:creationId xmlns:p14="http://schemas.microsoft.com/office/powerpoint/2010/main" val="125999517"/>
-      </p:ext>
-    </p:extLst>
-  </p:cSld>
-  <p:clrMapOvr>
-    <a:masterClrMapping/>
-  </p:clrMapOvr>
-  <p:timing>
-    <p:tnLst>
-      <p:par>
-        <p:cTn id="1" dur="indefinite" restart="never" nodeType="tmRoot"/>
-      </p:par>
-    </p:tnLst>
-  </p:timing>
-</p:sld>
-</file>
-
-<file path=ppt/slides/slide23.xml><?xml version="1.0" encoding="utf-8"?>
-<p:sld xmlns:a="http://schemas.openxmlformats.org/drawingml/2006/main" xmlns:r="http://schemas.openxmlformats.org/officeDocument/2006/relationships" xmlns:p="http://schemas.openxmlformats.org/presentationml/2006/main">
-  <p:cSld>
-    <p:spTree>
-      <p:nvGrpSpPr>
-        <p:cNvPr id="1" name=""/>
-        <p:cNvGrpSpPr/>
-        <p:nvPr/>
-      </p:nvGrpSpPr>
-      <p:grpSpPr>
-        <a:xfrm>
-          <a:off x="0" y="0"/>
-          <a:ext cx="0" cy="0"/>
-          <a:chOff x="0" y="0"/>
-          <a:chExt cx="0" cy="0"/>
-        </a:xfrm>
-      </p:grpSpPr>
-      <p:sp>
-        <p:nvSpPr>
-          <p:cNvPr id="39937" name="Title 1"/>
-          <p:cNvSpPr>
-            <a:spLocks noGrp="1"/>
-          </p:cNvSpPr>
-          <p:nvPr>
-            <p:ph type="title"/>
-          </p:nvPr>
-        </p:nvSpPr>
-        <p:spPr/>
-        <p:txBody>
-          <a:bodyPr/>
-          <a:lstStyle/>
-          <a:p>
-            <a:pPr eaLnBrk="1" hangingPunct="1"/>
-            <a:r>
-              <a:rPr lang="en-US" altLang="en-US"/>
-              <a:t>Weak chemical bonds (noncovalent) stabilize protein structure</a:t>
-            </a:r>
-          </a:p>
-        </p:txBody>
-      </p:sp>
-      <p:sp>
-        <p:nvSpPr>
-          <p:cNvPr id="39938" name="Text Box 5"/>
-          <p:cNvSpPr txBox="1">
-            <a:spLocks noChangeAspect="1" noChangeArrowheads="1"/>
-          </p:cNvSpPr>
-          <p:nvPr/>
-        </p:nvSpPr>
-        <p:spPr bwMode="auto">
-          <a:xfrm>
-            <a:off x="1861751" y="1957860"/>
-            <a:ext cx="8991600" cy="2923877"/>
-          </a:xfrm>
-          <a:prstGeom prst="rect">
-            <a:avLst/>
-          </a:prstGeom>
-          <a:noFill/>
-          <a:ln>
-            <a:noFill/>
-          </a:ln>
-          <a:extLst>
-            <a:ext uri="{909E8E84-426E-40DD-AFC4-6F175D3DCCD1}">
-              <a14:hiddenFill xmlns:a14="http://schemas.microsoft.com/office/drawing/2010/main">
-                <a:solidFill>
-                  <a:srgbClr val="FFFFFF"/>
-                </a:solidFill>
-              </a14:hiddenFill>
-            </a:ext>
-            <a:ext uri="{91240B29-F687-4F45-9708-019B960494DF}">
-              <a14:hiddenLine xmlns:a14="http://schemas.microsoft.com/office/drawing/2010/main" w="9525">
-                <a:solidFill>
-                  <a:srgbClr val="000000"/>
-                </a:solidFill>
-                <a:miter lim="800000"/>
-                <a:headEnd/>
-                <a:tailEnd/>
-              </a14:hiddenLine>
-            </a:ext>
-          </a:extLst>
-        </p:spPr>
-        <p:txBody>
-          <a:bodyPr>
-            <a:spAutoFit/>
-          </a:bodyPr>
-          <a:lstStyle>
-            <a:lvl1pPr>
-              <a:spcBef>
-                <a:spcPct val="20000"/>
-              </a:spcBef>
-              <a:buFont typeface="Arial" charset="0"/>
-              <a:buChar char="•"/>
-              <a:defRPr sz="3200">
-                <a:solidFill>
-                  <a:schemeClr val="tx1"/>
-                </a:solidFill>
-                <a:latin typeface="Calibri" charset="0"/>
-                <a:ea typeface="ＭＳ Ｐゴシック" charset="-128"/>
-              </a:defRPr>
-            </a:lvl1pPr>
-            <a:lvl2pPr>
-              <a:spcBef>
-                <a:spcPct val="20000"/>
-              </a:spcBef>
-              <a:buFont typeface="Arial" charset="0"/>
-              <a:buChar char="–"/>
-              <a:defRPr sz="2800">
-                <a:solidFill>
-                  <a:schemeClr val="tx1"/>
-                </a:solidFill>
-                <a:latin typeface="Calibri" charset="0"/>
-                <a:ea typeface="ＭＳ Ｐゴシック" charset="-128"/>
-              </a:defRPr>
-            </a:lvl2pPr>
-            <a:lvl3pPr marL="1143000" indent="-228600">
-              <a:spcBef>
-                <a:spcPct val="20000"/>
-              </a:spcBef>
-              <a:buFont typeface="Arial" charset="0"/>
-              <a:buChar char="•"/>
-              <a:defRPr sz="2400">
-                <a:solidFill>
-                  <a:schemeClr val="tx1"/>
-                </a:solidFill>
-                <a:latin typeface="Calibri" charset="0"/>
-                <a:ea typeface="ＭＳ Ｐゴシック" charset="-128"/>
-              </a:defRPr>
-            </a:lvl3pPr>
-            <a:lvl4pPr marL="1600200" indent="-228600">
-              <a:spcBef>
-                <a:spcPct val="20000"/>
-              </a:spcBef>
-              <a:buFont typeface="Arial" charset="0"/>
-              <a:buChar char="–"/>
-              <a:defRPr sz="2000">
-                <a:solidFill>
-                  <a:schemeClr val="tx1"/>
-                </a:solidFill>
-                <a:latin typeface="Calibri" charset="0"/>
-                <a:ea typeface="ＭＳ Ｐゴシック" charset="-128"/>
-              </a:defRPr>
-            </a:lvl4pPr>
-            <a:lvl5pPr marL="2057400" indent="-228600">
-              <a:spcBef>
-                <a:spcPct val="20000"/>
-              </a:spcBef>
-              <a:buFont typeface="Arial" charset="0"/>
-              <a:buChar char="»"/>
-              <a:defRPr sz="2000">
-                <a:solidFill>
-                  <a:schemeClr val="tx1"/>
-                </a:solidFill>
-                <a:latin typeface="Calibri" charset="0"/>
-                <a:ea typeface="ＭＳ Ｐゴシック" charset="-128"/>
-              </a:defRPr>
-            </a:lvl5pPr>
-            <a:lvl6pPr marL="2514600" indent="-228600" defTabSz="457200" eaLnBrk="0" fontAlgn="base" hangingPunct="0">
-              <a:spcBef>
-                <a:spcPct val="20000"/>
-              </a:spcBef>
-              <a:spcAft>
-                <a:spcPct val="0"/>
-              </a:spcAft>
-              <a:buFont typeface="Arial" charset="0"/>
-              <a:buChar char="»"/>
-              <a:defRPr sz="2000">
-                <a:solidFill>
-                  <a:schemeClr val="tx1"/>
-                </a:solidFill>
-                <a:latin typeface="Calibri" charset="0"/>
-                <a:ea typeface="ＭＳ Ｐゴシック" charset="-128"/>
-              </a:defRPr>
-            </a:lvl6pPr>
-            <a:lvl7pPr marL="2971800" indent="-228600" defTabSz="457200" eaLnBrk="0" fontAlgn="base" hangingPunct="0">
-              <a:spcBef>
-                <a:spcPct val="20000"/>
-              </a:spcBef>
-              <a:spcAft>
-                <a:spcPct val="0"/>
-              </a:spcAft>
-              <a:buFont typeface="Arial" charset="0"/>
-              <a:buChar char="»"/>
-              <a:defRPr sz="2000">
-                <a:solidFill>
-                  <a:schemeClr val="tx1"/>
-                </a:solidFill>
-                <a:latin typeface="Calibri" charset="0"/>
-                <a:ea typeface="ＭＳ Ｐゴシック" charset="-128"/>
-              </a:defRPr>
-            </a:lvl7pPr>
-            <a:lvl8pPr marL="3429000" indent="-228600" defTabSz="457200" eaLnBrk="0" fontAlgn="base" hangingPunct="0">
-              <a:spcBef>
-                <a:spcPct val="20000"/>
-              </a:spcBef>
-              <a:spcAft>
-                <a:spcPct val="0"/>
-              </a:spcAft>
-              <a:buFont typeface="Arial" charset="0"/>
-              <a:buChar char="»"/>
-              <a:defRPr sz="2000">
-                <a:solidFill>
-                  <a:schemeClr val="tx1"/>
-                </a:solidFill>
-                <a:latin typeface="Calibri" charset="0"/>
-                <a:ea typeface="ＭＳ Ｐゴシック" charset="-128"/>
-              </a:defRPr>
-            </a:lvl8pPr>
-            <a:lvl9pPr marL="3886200" indent="-228600" defTabSz="457200" eaLnBrk="0" fontAlgn="base" hangingPunct="0">
-              <a:spcBef>
-                <a:spcPct val="20000"/>
-              </a:spcBef>
-              <a:spcAft>
-                <a:spcPct val="0"/>
-              </a:spcAft>
-              <a:buFont typeface="Arial" charset="0"/>
-              <a:buChar char="»"/>
-              <a:defRPr sz="2000">
-                <a:solidFill>
-                  <a:schemeClr val="tx1"/>
-                </a:solidFill>
-                <a:latin typeface="Calibri" charset="0"/>
-                <a:ea typeface="ＭＳ Ｐゴシック" charset="-128"/>
-              </a:defRPr>
-            </a:lvl9pPr>
-          </a:lstStyle>
-          <a:p>
-            <a:pPr eaLnBrk="1" hangingPunct="1">
-              <a:spcBef>
-                <a:spcPct val="0"/>
-              </a:spcBef>
-              <a:buFontTx/>
-              <a:buChar char="•"/>
-            </a:pPr>
-            <a:r>
-              <a:rPr lang="en-US" altLang="en-US" sz="2400" b="1" dirty="0">
-                <a:solidFill>
-                  <a:srgbClr val="000000"/>
-                </a:solidFill>
-                <a:latin typeface="Arial" charset="0"/>
-              </a:rPr>
-              <a:t> Ionic </a:t>
-            </a:r>
-            <a:r>
-              <a:rPr lang="en-US" altLang="en-US" sz="2400" b="1" dirty="0" smtClean="0">
-                <a:solidFill>
-                  <a:srgbClr val="000000"/>
-                </a:solidFill>
-                <a:latin typeface="Arial" charset="0"/>
-              </a:rPr>
-              <a:t>bond</a:t>
-            </a:r>
-          </a:p>
-          <a:p>
-            <a:pPr eaLnBrk="1" hangingPunct="1">
-              <a:spcBef>
-                <a:spcPct val="0"/>
-              </a:spcBef>
-              <a:buFontTx/>
-              <a:buChar char="•"/>
-            </a:pPr>
-            <a:endParaRPr lang="en-US" altLang="en-US" sz="2000" b="1" dirty="0">
-              <a:solidFill>
-                <a:srgbClr val="000000"/>
-              </a:solidFill>
-              <a:latin typeface="Arial" charset="0"/>
-            </a:endParaRPr>
-          </a:p>
-          <a:p>
-            <a:pPr eaLnBrk="1" hangingPunct="1">
-              <a:spcBef>
-                <a:spcPct val="0"/>
-              </a:spcBef>
-              <a:buFontTx/>
-              <a:buChar char="•"/>
-            </a:pPr>
-            <a:r>
-              <a:rPr lang="en-US" altLang="en-US" sz="2400" b="1" dirty="0">
-                <a:solidFill>
-                  <a:srgbClr val="000000"/>
-                </a:solidFill>
-                <a:latin typeface="Arial" charset="0"/>
-              </a:rPr>
-              <a:t> Hydrogen </a:t>
-            </a:r>
-            <a:r>
-              <a:rPr lang="en-US" altLang="en-US" sz="2400" b="1" dirty="0" smtClean="0">
-                <a:solidFill>
-                  <a:srgbClr val="000000"/>
-                </a:solidFill>
-                <a:latin typeface="Arial" charset="0"/>
-              </a:rPr>
-              <a:t>bond</a:t>
-            </a:r>
-          </a:p>
-          <a:p>
-            <a:pPr eaLnBrk="1" hangingPunct="1">
-              <a:spcBef>
-                <a:spcPct val="0"/>
-              </a:spcBef>
-              <a:buFontTx/>
-              <a:buChar char="•"/>
-            </a:pPr>
-            <a:endParaRPr lang="en-US" altLang="en-US" sz="2000" b="1" dirty="0">
-              <a:solidFill>
-                <a:srgbClr val="000000"/>
-              </a:solidFill>
-              <a:latin typeface="Arial" charset="0"/>
-            </a:endParaRPr>
-          </a:p>
-          <a:p>
-            <a:pPr eaLnBrk="1" hangingPunct="1">
-              <a:spcBef>
-                <a:spcPct val="0"/>
-              </a:spcBef>
-              <a:buFontTx/>
-              <a:buChar char="•"/>
-            </a:pPr>
-            <a:r>
-              <a:rPr lang="en-US" altLang="en-US" sz="2400" b="1" dirty="0">
-                <a:solidFill>
-                  <a:srgbClr val="000000"/>
-                </a:solidFill>
-                <a:latin typeface="Arial" charset="0"/>
-              </a:rPr>
-              <a:t> van der Waals interaction</a:t>
-            </a:r>
-          </a:p>
-          <a:p>
-            <a:pPr lvl="1" eaLnBrk="1" hangingPunct="1">
-              <a:spcBef>
-                <a:spcPct val="0"/>
-              </a:spcBef>
-              <a:buFontTx/>
-              <a:buChar char="•"/>
-            </a:pPr>
-            <a:endParaRPr lang="en-US" altLang="en-US" sz="2400" b="1" dirty="0">
-              <a:solidFill>
-                <a:srgbClr val="000000"/>
-              </a:solidFill>
-              <a:latin typeface="Arial" charset="0"/>
-            </a:endParaRPr>
-          </a:p>
-          <a:p>
-            <a:pPr eaLnBrk="1" hangingPunct="1">
-              <a:spcBef>
-                <a:spcPct val="0"/>
-              </a:spcBef>
-              <a:buFontTx/>
-              <a:buChar char="•"/>
-            </a:pPr>
-            <a:r>
-              <a:rPr lang="en-US" altLang="en-US" sz="2400" b="1" dirty="0">
-                <a:solidFill>
-                  <a:srgbClr val="000000"/>
-                </a:solidFill>
-                <a:latin typeface="Arial" charset="0"/>
-              </a:rPr>
-              <a:t> Hydrophobic interaction</a:t>
-            </a:r>
-          </a:p>
-          <a:p>
-            <a:pPr lvl="1" eaLnBrk="1" hangingPunct="1">
-              <a:spcBef>
-                <a:spcPct val="0"/>
-              </a:spcBef>
-              <a:buFontTx/>
-              <a:buChar char="•"/>
-            </a:pPr>
-            <a:r>
-              <a:rPr lang="en-US" altLang="en-US" sz="2400" b="1" dirty="0">
-                <a:solidFill>
-                  <a:srgbClr val="000000"/>
-                </a:solidFill>
-                <a:latin typeface="Arial" charset="0"/>
-              </a:rPr>
-              <a:t> </a:t>
-            </a:r>
-            <a:r>
-              <a:rPr lang="en-US" altLang="en-US" sz="2000" b="1" dirty="0">
-                <a:solidFill>
-                  <a:srgbClr val="000000"/>
-                </a:solidFill>
-                <a:latin typeface="Arial" charset="0"/>
-              </a:rPr>
-              <a:t>clustering of </a:t>
-            </a:r>
-            <a:r>
-              <a:rPr lang="en-US" altLang="en-US" sz="2000" b="1" dirty="0" smtClean="0">
-                <a:solidFill>
-                  <a:srgbClr val="000000"/>
-                </a:solidFill>
-                <a:latin typeface="Arial" charset="0"/>
-              </a:rPr>
-              <a:t>side </a:t>
-            </a:r>
-            <a:r>
-              <a:rPr lang="en-US" altLang="en-US" sz="2000" b="1" dirty="0">
-                <a:solidFill>
-                  <a:srgbClr val="000000"/>
-                </a:solidFill>
-                <a:latin typeface="Arial" charset="0"/>
-              </a:rPr>
-              <a:t>chains</a:t>
-            </a:r>
-          </a:p>
-        </p:txBody>
-      </p:sp>
-    </p:spTree>
-    <p:extLst>
-      <p:ext uri="{BB962C8B-B14F-4D97-AF65-F5344CB8AC3E}">
-        <p14:creationId xmlns:p14="http://schemas.microsoft.com/office/powerpoint/2010/main" val="255006277"/>
-      </p:ext>
-    </p:extLst>
-  </p:cSld>
-  <p:clrMapOvr>
-    <a:masterClrMapping/>
-  </p:clrMapOvr>
-  <p:timing>
-    <p:tnLst>
-      <p:par>
-        <p:cTn id="1" dur="indefinite" restart="never" nodeType="tmRoot"/>
-      </p:par>
-    </p:tnLst>
-  </p:timing>
-</p:sld>
-</file>
-
-<file path=ppt/slides/slide24.xml><?xml version="1.0" encoding="utf-8"?>
-<p:sld xmlns:a="http://schemas.openxmlformats.org/drawingml/2006/main" xmlns:r="http://schemas.openxmlformats.org/officeDocument/2006/relationships" xmlns:p="http://schemas.openxmlformats.org/presentationml/2006/main">
-  <p:cSld>
-    <p:spTree>
-      <p:nvGrpSpPr>
-        <p:cNvPr id="1" name=""/>
-        <p:cNvGrpSpPr/>
-        <p:nvPr/>
-      </p:nvGrpSpPr>
-      <p:grpSpPr>
-        <a:xfrm>
-          <a:off x="0" y="0"/>
-          <a:ext cx="0" cy="0"/>
-          <a:chOff x="0" y="0"/>
-          <a:chExt cx="0" cy="0"/>
-        </a:xfrm>
-      </p:grpSpPr>
-      <p:sp>
-        <p:nvSpPr>
-          <p:cNvPr id="40961" name="Title 1"/>
-          <p:cNvSpPr>
-            <a:spLocks noGrp="1"/>
-          </p:cNvSpPr>
-          <p:nvPr>
-            <p:ph type="title"/>
-          </p:nvPr>
-        </p:nvSpPr>
-        <p:spPr/>
-        <p:txBody>
-          <a:bodyPr/>
-          <a:lstStyle/>
-          <a:p>
-            <a:pPr eaLnBrk="1" hangingPunct="1"/>
-            <a:r>
-              <a:rPr lang="en-US" altLang="en-US"/>
-              <a:t>Secondary structures </a:t>
-            </a:r>
-          </a:p>
-        </p:txBody>
-      </p:sp>
-      <p:sp>
-        <p:nvSpPr>
-          <p:cNvPr id="40962" name="Content Placeholder 2"/>
-          <p:cNvSpPr>
-            <a:spLocks noGrp="1"/>
-          </p:cNvSpPr>
-          <p:nvPr>
-            <p:ph idx="1"/>
-          </p:nvPr>
-        </p:nvSpPr>
-        <p:spPr/>
-        <p:txBody>
-          <a:bodyPr/>
-          <a:lstStyle/>
-          <a:p>
-            <a:pPr eaLnBrk="1" hangingPunct="1">
-              <a:buFont typeface="Arial" charset="0"/>
-              <a:buNone/>
-            </a:pPr>
-            <a:r>
-              <a:rPr lang="en-US" altLang="en-US" b="1" u="sng"/>
-              <a:t>3 flavors</a:t>
-            </a:r>
-          </a:p>
-        </p:txBody>
-      </p:sp>
-      <p:sp>
-        <p:nvSpPr>
-          <p:cNvPr id="40963" name="TextBox 3"/>
-          <p:cNvSpPr txBox="1">
-            <a:spLocks noChangeArrowheads="1"/>
-          </p:cNvSpPr>
-          <p:nvPr/>
-        </p:nvSpPr>
-        <p:spPr bwMode="auto">
-          <a:xfrm>
-            <a:off x="2184400" y="2497138"/>
-            <a:ext cx="1813317" cy="1477328"/>
-          </a:xfrm>
-          <a:prstGeom prst="rect">
-            <a:avLst/>
-          </a:prstGeom>
-          <a:noFill/>
-          <a:ln>
-            <a:noFill/>
-          </a:ln>
-          <a:extLst>
-            <a:ext uri="{909E8E84-426E-40DD-AFC4-6F175D3DCCD1}">
-              <a14:hiddenFill xmlns:a14="http://schemas.microsoft.com/office/drawing/2010/main">
-                <a:solidFill>
-                  <a:srgbClr val="FFFFFF"/>
-                </a:solidFill>
-              </a14:hiddenFill>
-            </a:ext>
-            <a:ext uri="{91240B29-F687-4F45-9708-019B960494DF}">
-              <a14:hiddenLine xmlns:a14="http://schemas.microsoft.com/office/drawing/2010/main" w="9525">
-                <a:solidFill>
-                  <a:srgbClr val="000000"/>
-                </a:solidFill>
-                <a:miter lim="800000"/>
-                <a:headEnd/>
-                <a:tailEnd/>
-              </a14:hiddenLine>
-            </a:ext>
-          </a:extLst>
-        </p:spPr>
-        <p:txBody>
-          <a:bodyPr wrap="none">
-            <a:spAutoFit/>
-          </a:bodyPr>
-          <a:lstStyle>
-            <a:lvl1pPr>
-              <a:spcBef>
-                <a:spcPct val="20000"/>
-              </a:spcBef>
-              <a:buFont typeface="Arial" charset="0"/>
-              <a:buChar char="•"/>
-              <a:defRPr sz="3200">
-                <a:solidFill>
-                  <a:schemeClr val="tx1"/>
-                </a:solidFill>
-                <a:latin typeface="Calibri" charset="0"/>
-                <a:ea typeface="ＭＳ Ｐゴシック" charset="-128"/>
-              </a:defRPr>
-            </a:lvl1pPr>
-            <a:lvl2pPr marL="37931725" indent="-37474525">
-              <a:spcBef>
-                <a:spcPct val="20000"/>
-              </a:spcBef>
-              <a:buFont typeface="Arial" charset="0"/>
-              <a:buChar char="–"/>
-              <a:defRPr sz="2800">
-                <a:solidFill>
-                  <a:schemeClr val="tx1"/>
-                </a:solidFill>
-                <a:latin typeface="Calibri" charset="0"/>
-                <a:ea typeface="ＭＳ Ｐゴシック" charset="-128"/>
-              </a:defRPr>
-            </a:lvl2pPr>
-            <a:lvl3pPr marL="1143000" indent="-228600">
-              <a:spcBef>
-                <a:spcPct val="20000"/>
-              </a:spcBef>
-              <a:buFont typeface="Arial" charset="0"/>
-              <a:buChar char="•"/>
-              <a:defRPr sz="2400">
-                <a:solidFill>
-                  <a:schemeClr val="tx1"/>
-                </a:solidFill>
-                <a:latin typeface="Calibri" charset="0"/>
-                <a:ea typeface="ＭＳ Ｐゴシック" charset="-128"/>
-              </a:defRPr>
-            </a:lvl3pPr>
-            <a:lvl4pPr marL="1600200" indent="-228600">
-              <a:spcBef>
-                <a:spcPct val="20000"/>
-              </a:spcBef>
-              <a:buFont typeface="Arial" charset="0"/>
-              <a:buChar char="–"/>
-              <a:defRPr sz="2000">
-                <a:solidFill>
-                  <a:schemeClr val="tx1"/>
-                </a:solidFill>
-                <a:latin typeface="Calibri" charset="0"/>
-                <a:ea typeface="ＭＳ Ｐゴシック" charset="-128"/>
-              </a:defRPr>
-            </a:lvl4pPr>
-            <a:lvl5pPr marL="2057400" indent="-228600">
-              <a:spcBef>
-                <a:spcPct val="20000"/>
-              </a:spcBef>
-              <a:buFont typeface="Arial" charset="0"/>
-              <a:buChar char="»"/>
-              <a:defRPr sz="2000">
-                <a:solidFill>
-                  <a:schemeClr val="tx1"/>
-                </a:solidFill>
-                <a:latin typeface="Calibri" charset="0"/>
-                <a:ea typeface="ＭＳ Ｐゴシック" charset="-128"/>
-              </a:defRPr>
-            </a:lvl5pPr>
-            <a:lvl6pPr marL="2514600" indent="-228600" defTabSz="457200" eaLnBrk="0" fontAlgn="base" hangingPunct="0">
-              <a:spcBef>
-                <a:spcPct val="20000"/>
-              </a:spcBef>
-              <a:spcAft>
-                <a:spcPct val="0"/>
-              </a:spcAft>
-              <a:buFont typeface="Arial" charset="0"/>
-              <a:buChar char="»"/>
-              <a:defRPr sz="2000">
-                <a:solidFill>
-                  <a:schemeClr val="tx1"/>
-                </a:solidFill>
-                <a:latin typeface="Calibri" charset="0"/>
-                <a:ea typeface="ＭＳ Ｐゴシック" charset="-128"/>
-              </a:defRPr>
-            </a:lvl6pPr>
-            <a:lvl7pPr marL="2971800" indent="-228600" defTabSz="457200" eaLnBrk="0" fontAlgn="base" hangingPunct="0">
-              <a:spcBef>
-                <a:spcPct val="20000"/>
-              </a:spcBef>
-              <a:spcAft>
-                <a:spcPct val="0"/>
-              </a:spcAft>
-              <a:buFont typeface="Arial" charset="0"/>
-              <a:buChar char="»"/>
-              <a:defRPr sz="2000">
-                <a:solidFill>
-                  <a:schemeClr val="tx1"/>
-                </a:solidFill>
-                <a:latin typeface="Calibri" charset="0"/>
-                <a:ea typeface="ＭＳ Ｐゴシック" charset="-128"/>
-              </a:defRPr>
-            </a:lvl7pPr>
-            <a:lvl8pPr marL="3429000" indent="-228600" defTabSz="457200" eaLnBrk="0" fontAlgn="base" hangingPunct="0">
-              <a:spcBef>
-                <a:spcPct val="20000"/>
-              </a:spcBef>
-              <a:spcAft>
-                <a:spcPct val="0"/>
-              </a:spcAft>
-              <a:buFont typeface="Arial" charset="0"/>
-              <a:buChar char="»"/>
-              <a:defRPr sz="2000">
-                <a:solidFill>
-                  <a:schemeClr val="tx1"/>
-                </a:solidFill>
-                <a:latin typeface="Calibri" charset="0"/>
-                <a:ea typeface="ＭＳ Ｐゴシック" charset="-128"/>
-              </a:defRPr>
-            </a:lvl8pPr>
-            <a:lvl9pPr marL="3886200" indent="-228600" defTabSz="457200" eaLnBrk="0" fontAlgn="base" hangingPunct="0">
-              <a:spcBef>
-                <a:spcPct val="20000"/>
-              </a:spcBef>
-              <a:spcAft>
-                <a:spcPct val="0"/>
-              </a:spcAft>
-              <a:buFont typeface="Arial" charset="0"/>
-              <a:buChar char="»"/>
-              <a:defRPr sz="2000">
-                <a:solidFill>
-                  <a:schemeClr val="tx1"/>
-                </a:solidFill>
-                <a:latin typeface="Calibri" charset="0"/>
-                <a:ea typeface="ＭＳ Ｐゴシック" charset="-128"/>
-              </a:defRPr>
-            </a:lvl9pPr>
-          </a:lstStyle>
-          <a:p>
-            <a:pPr eaLnBrk="1" hangingPunct="1">
-              <a:spcBef>
-                <a:spcPct val="0"/>
-              </a:spcBef>
-              <a:buFontTx/>
-              <a:buNone/>
-            </a:pPr>
-            <a:r>
-              <a:rPr lang="en-US" altLang="en-US" sz="1800" dirty="0" smtClean="0">
-                <a:latin typeface="Arial" charset="0"/>
-              </a:rPr>
-              <a:t>_________helix</a:t>
-            </a:r>
-            <a:endParaRPr lang="en-US" altLang="en-US" sz="1800" dirty="0">
-              <a:latin typeface="Arial" charset="0"/>
-            </a:endParaRPr>
-          </a:p>
-          <a:p>
-            <a:pPr eaLnBrk="1" hangingPunct="1">
-              <a:spcBef>
-                <a:spcPct val="0"/>
-              </a:spcBef>
-              <a:buFontTx/>
-              <a:buNone/>
-            </a:pPr>
-            <a:r>
-              <a:rPr lang="en-US" altLang="en-US" sz="1800" dirty="0">
-                <a:latin typeface="Arial" charset="0"/>
-              </a:rPr>
-              <a:t/>
-            </a:r>
-            <a:br>
-              <a:rPr lang="en-US" altLang="en-US" sz="1800" dirty="0">
-                <a:latin typeface="Arial" charset="0"/>
-              </a:rPr>
-            </a:br>
-            <a:r>
-              <a:rPr lang="en-US" altLang="en-US" sz="1800" dirty="0" smtClean="0">
-                <a:latin typeface="Arial" charset="0"/>
-              </a:rPr>
-              <a:t>________sheet</a:t>
-            </a:r>
-            <a:endParaRPr lang="en-US" altLang="en-US" sz="1800" dirty="0">
-              <a:latin typeface="Arial" charset="0"/>
-            </a:endParaRPr>
-          </a:p>
-          <a:p>
-            <a:pPr eaLnBrk="1" hangingPunct="1">
-              <a:spcBef>
-                <a:spcPct val="0"/>
-              </a:spcBef>
-              <a:buFontTx/>
-              <a:buNone/>
-            </a:pPr>
-            <a:endParaRPr lang="en-US" altLang="en-US" sz="1800" dirty="0">
-              <a:latin typeface="Arial" charset="0"/>
-            </a:endParaRPr>
-          </a:p>
-          <a:p>
-            <a:pPr eaLnBrk="1" hangingPunct="1">
-              <a:spcBef>
-                <a:spcPct val="0"/>
-              </a:spcBef>
-              <a:buFontTx/>
-              <a:buNone/>
-            </a:pPr>
-            <a:r>
-              <a:rPr lang="en-US" altLang="en-US" sz="1800" dirty="0" smtClean="0">
-                <a:latin typeface="Arial" charset="0"/>
-              </a:rPr>
-              <a:t>________coil</a:t>
-            </a:r>
-            <a:endParaRPr lang="en-US" altLang="en-US" sz="1800" dirty="0">
-              <a:latin typeface="Arial" charset="0"/>
-            </a:endParaRPr>
-          </a:p>
-        </p:txBody>
-      </p:sp>
-    </p:spTree>
-    <p:extLst>
-      <p:ext uri="{BB962C8B-B14F-4D97-AF65-F5344CB8AC3E}">
-        <p14:creationId xmlns:p14="http://schemas.microsoft.com/office/powerpoint/2010/main" val="1660621774"/>
-      </p:ext>
-    </p:extLst>
-  </p:cSld>
-  <p:clrMapOvr>
-    <a:masterClrMapping/>
-  </p:clrMapOvr>
-  <p:timing>
-    <p:tnLst>
-      <p:par>
-        <p:cTn id="1" dur="indefinite" restart="never" nodeType="tmRoot"/>
-      </p:par>
-    </p:tnLst>
-  </p:timing>
-</p:sld>
-</file>
-
-<file path=ppt/slides/slide25.xml><?xml version="1.0" encoding="utf-8"?>
-<p:sld xmlns:a="http://schemas.openxmlformats.org/drawingml/2006/main" xmlns:r="http://schemas.openxmlformats.org/officeDocument/2006/relationships" xmlns:p="http://schemas.openxmlformats.org/presentationml/2006/main">
-  <p:cSld>
-    <p:spTree>
-      <p:nvGrpSpPr>
-        <p:cNvPr id="1" name=""/>
-        <p:cNvGrpSpPr/>
-        <p:nvPr/>
-      </p:nvGrpSpPr>
-      <p:grpSpPr>
-        <a:xfrm>
-          <a:off x="0" y="0"/>
-          <a:ext cx="0" cy="0"/>
-          <a:chOff x="0" y="0"/>
-          <a:chExt cx="0" cy="0"/>
-        </a:xfrm>
-      </p:grpSpPr>
-      <p:sp>
-        <p:nvSpPr>
           <p:cNvPr id="41985" name="Text Box 4"/>
           <p:cNvSpPr txBox="1">
             <a:spLocks noChangeArrowheads="1"/>
@@ -10127,7 +8239,7 @@
 </p:sld>
 </file>
 
-<file path=ppt/slides/slide26.xml><?xml version="1.0" encoding="utf-8"?>
+<file path=ppt/slides/slide21.xml><?xml version="1.0" encoding="utf-8"?>
 <p:sld xmlns:a="http://schemas.openxmlformats.org/drawingml/2006/main" xmlns:r="http://schemas.openxmlformats.org/officeDocument/2006/relationships" xmlns:p="http://schemas.openxmlformats.org/presentationml/2006/main">
   <p:cSld>
     <p:spTree>
@@ -10632,7 +8744,7 @@
 </p:sld>
 </file>
 
-<file path=ppt/slides/slide27.xml><?xml version="1.0" encoding="utf-8"?>
+<file path=ppt/slides/slide22.xml><?xml version="1.0" encoding="utf-8"?>
 <p:sld xmlns:a="http://schemas.openxmlformats.org/drawingml/2006/main" xmlns:r="http://schemas.openxmlformats.org/officeDocument/2006/relationships" xmlns:p="http://schemas.openxmlformats.org/presentationml/2006/main">
   <p:cSld>
     <p:spTree>
@@ -10745,7 +8857,7 @@
 </p:sld>
 </file>
 
-<file path=ppt/slides/slide28.xml><?xml version="1.0" encoding="utf-8"?>
+<file path=ppt/slides/slide23.xml><?xml version="1.0" encoding="utf-8"?>
 <p:sld xmlns:a="http://schemas.openxmlformats.org/drawingml/2006/main" xmlns:r="http://schemas.openxmlformats.org/officeDocument/2006/relationships" xmlns:p="http://schemas.openxmlformats.org/presentationml/2006/main">
   <p:cSld>
     <p:spTree>
@@ -10829,7 +8941,7 @@
 </p:sld>
 </file>
 
-<file path=ppt/slides/slide29.xml><?xml version="1.0" encoding="utf-8"?>
+<file path=ppt/slides/slide24.xml><?xml version="1.0" encoding="utf-8"?>
 <p:sld xmlns:a="http://schemas.openxmlformats.org/drawingml/2006/main" xmlns:r="http://schemas.openxmlformats.org/officeDocument/2006/relationships" xmlns:p="http://schemas.openxmlformats.org/presentationml/2006/main">
   <p:cSld>
     <p:spTree>
@@ -11039,6 +9151,1106 @@
     <p:bldLst>
       <p:bldP spid="3" grpId="0" build="p"/>
     </p:bldLst>
+  </p:timing>
+</p:sld>
+</file>
+
+<file path=ppt/slides/slide25.xml><?xml version="1.0" encoding="utf-8"?>
+<p:sld xmlns:a="http://schemas.openxmlformats.org/drawingml/2006/main" xmlns:r="http://schemas.openxmlformats.org/officeDocument/2006/relationships" xmlns:p="http://schemas.openxmlformats.org/presentationml/2006/main">
+  <p:cSld>
+    <p:spTree>
+      <p:nvGrpSpPr>
+        <p:cNvPr id="1" name=""/>
+        <p:cNvGrpSpPr/>
+        <p:nvPr/>
+      </p:nvGrpSpPr>
+      <p:grpSpPr>
+        <a:xfrm>
+          <a:off x="0" y="0"/>
+          <a:ext cx="0" cy="0"/>
+          <a:chOff x="0" y="0"/>
+          <a:chExt cx="0" cy="0"/>
+        </a:xfrm>
+      </p:grpSpPr>
+      <p:sp>
+        <p:nvSpPr>
+          <p:cNvPr id="49153" name="Title 1"/>
+          <p:cNvSpPr>
+            <a:spLocks noGrp="1"/>
+          </p:cNvSpPr>
+          <p:nvPr>
+            <p:ph type="title"/>
+          </p:nvPr>
+        </p:nvSpPr>
+        <p:spPr/>
+        <p:txBody>
+          <a:bodyPr/>
+          <a:lstStyle/>
+          <a:p>
+            <a:pPr eaLnBrk="1" hangingPunct="1"/>
+            <a:r>
+              <a:rPr lang="en-US" altLang="en-US"/>
+              <a:t>PROTEIN FUNCTIONS</a:t>
+            </a:r>
+          </a:p>
+        </p:txBody>
+      </p:sp>
+      <p:sp>
+        <p:nvSpPr>
+          <p:cNvPr id="49154" name="Content Placeholder 2"/>
+          <p:cNvSpPr>
+            <a:spLocks noGrp="1"/>
+          </p:cNvSpPr>
+          <p:nvPr>
+            <p:ph idx="1"/>
+          </p:nvPr>
+        </p:nvSpPr>
+        <p:spPr/>
+        <p:txBody>
+          <a:bodyPr/>
+          <a:lstStyle/>
+          <a:p>
+            <a:pPr eaLnBrk="1" hangingPunct="1"/>
+            <a:r>
+              <a:rPr lang="en-US" altLang="en-US"/>
+              <a:t>Enzymes: biological catalysts</a:t>
+            </a:r>
+          </a:p>
+        </p:txBody>
+      </p:sp>
+    </p:spTree>
+    <p:extLst>
+      <p:ext uri="{BB962C8B-B14F-4D97-AF65-F5344CB8AC3E}">
+        <p14:creationId xmlns:p14="http://schemas.microsoft.com/office/powerpoint/2010/main" val="927445662"/>
+      </p:ext>
+    </p:extLst>
+  </p:cSld>
+  <p:clrMapOvr>
+    <a:masterClrMapping/>
+  </p:clrMapOvr>
+  <p:timing>
+    <p:tnLst>
+      <p:par>
+        <p:cTn id="1" dur="indefinite" restart="never" nodeType="tmRoot"/>
+      </p:par>
+    </p:tnLst>
+  </p:timing>
+</p:sld>
+</file>
+
+<file path=ppt/slides/slide26.xml><?xml version="1.0" encoding="utf-8"?>
+<p:sld xmlns:a="http://schemas.openxmlformats.org/drawingml/2006/main" xmlns:r="http://schemas.openxmlformats.org/officeDocument/2006/relationships" xmlns:p="http://schemas.openxmlformats.org/presentationml/2006/main">
+  <p:cSld>
+    <p:spTree>
+      <p:nvGrpSpPr>
+        <p:cNvPr id="1" name=""/>
+        <p:cNvGrpSpPr/>
+        <p:nvPr/>
+      </p:nvGrpSpPr>
+      <p:grpSpPr>
+        <a:xfrm>
+          <a:off x="0" y="0"/>
+          <a:ext cx="0" cy="0"/>
+          <a:chOff x="0" y="0"/>
+          <a:chExt cx="0" cy="0"/>
+        </a:xfrm>
+      </p:grpSpPr>
+      <p:sp>
+        <p:nvSpPr>
+          <p:cNvPr id="56321" name="Title 1"/>
+          <p:cNvSpPr>
+            <a:spLocks noGrp="1"/>
+          </p:cNvSpPr>
+          <p:nvPr>
+            <p:ph type="title"/>
+          </p:nvPr>
+        </p:nvSpPr>
+        <p:spPr/>
+        <p:txBody>
+          <a:bodyPr/>
+          <a:lstStyle/>
+          <a:p>
+            <a:pPr eaLnBrk="1" hangingPunct="1"/>
+            <a:r>
+              <a:rPr lang="en-US" altLang="x-none"/>
+              <a:t>Activation energy</a:t>
+            </a:r>
+          </a:p>
+        </p:txBody>
+      </p:sp>
+      <p:cxnSp>
+        <p:nvCxnSpPr>
+          <p:cNvPr id="3" name="Straight Connector 2"/>
+          <p:cNvCxnSpPr>
+            <a:cxnSpLocks noChangeShapeType="1"/>
+          </p:cNvCxnSpPr>
+          <p:nvPr/>
+        </p:nvCxnSpPr>
+        <p:spPr bwMode="auto">
+          <a:xfrm rot="5400000">
+            <a:off x="2337595" y="3104358"/>
+            <a:ext cx="1152525" cy="1587"/>
+          </a:xfrm>
+          <a:prstGeom prst="line">
+            <a:avLst/>
+          </a:prstGeom>
+          <a:noFill/>
+          <a:ln w="25400">
+            <a:solidFill>
+              <a:schemeClr val="accent1"/>
+            </a:solidFill>
+            <a:round/>
+            <a:headEnd/>
+            <a:tailEnd/>
+          </a:ln>
+          <a:effectLst>
+            <a:outerShdw blurRad="40000" dist="20000" dir="5400000" rotWithShape="0">
+              <a:srgbClr val="000000">
+                <a:alpha val="37999"/>
+              </a:srgbClr>
+            </a:outerShdw>
+          </a:effectLst>
+          <a:extLst>
+            <a:ext uri="{909E8E84-426E-40DD-AFC4-6F175D3DCCD1}">
+              <a14:hiddenFill xmlns:a14="http://schemas.microsoft.com/office/drawing/2010/main">
+                <a:noFill/>
+              </a14:hiddenFill>
+            </a:ext>
+          </a:extLst>
+        </p:spPr>
+      </p:cxnSp>
+      <p:cxnSp>
+        <p:nvCxnSpPr>
+          <p:cNvPr id="4" name="Straight Connector 3"/>
+          <p:cNvCxnSpPr>
+            <a:cxnSpLocks noChangeShapeType="1"/>
+          </p:cNvCxnSpPr>
+          <p:nvPr/>
+        </p:nvCxnSpPr>
+        <p:spPr bwMode="auto">
+          <a:xfrm>
+            <a:off x="2690814" y="3482976"/>
+            <a:ext cx="1570037" cy="9525"/>
+          </a:xfrm>
+          <a:prstGeom prst="line">
+            <a:avLst/>
+          </a:prstGeom>
+          <a:noFill/>
+          <a:ln w="25400">
+            <a:solidFill>
+              <a:schemeClr val="accent1"/>
+            </a:solidFill>
+            <a:round/>
+            <a:headEnd/>
+            <a:tailEnd/>
+          </a:ln>
+          <a:effectLst>
+            <a:outerShdw blurRad="40000" dist="20000" dir="5400000" rotWithShape="0">
+              <a:srgbClr val="000000">
+                <a:alpha val="37999"/>
+              </a:srgbClr>
+            </a:outerShdw>
+          </a:effectLst>
+          <a:extLst>
+            <a:ext uri="{909E8E84-426E-40DD-AFC4-6F175D3DCCD1}">
+              <a14:hiddenFill xmlns:a14="http://schemas.microsoft.com/office/drawing/2010/main">
+                <a:noFill/>
+              </a14:hiddenFill>
+            </a:ext>
+          </a:extLst>
+        </p:spPr>
+      </p:cxnSp>
+      <p:cxnSp>
+        <p:nvCxnSpPr>
+          <p:cNvPr id="5" name="Straight Connector 4"/>
+          <p:cNvCxnSpPr>
+            <a:cxnSpLocks noChangeShapeType="1"/>
+          </p:cNvCxnSpPr>
+          <p:nvPr/>
+        </p:nvCxnSpPr>
+        <p:spPr bwMode="auto">
+          <a:xfrm flipV="1">
+            <a:off x="2913064" y="2822576"/>
+            <a:ext cx="1347787" cy="9525"/>
+          </a:xfrm>
+          <a:prstGeom prst="line">
+            <a:avLst/>
+          </a:prstGeom>
+          <a:noFill/>
+          <a:ln w="25400">
+            <a:solidFill>
+              <a:schemeClr val="accent1"/>
+            </a:solidFill>
+            <a:prstDash val="sysDash"/>
+            <a:round/>
+            <a:headEnd/>
+            <a:tailEnd/>
+          </a:ln>
+          <a:effectLst>
+            <a:outerShdw blurRad="40000" dist="20000" dir="5400000" rotWithShape="0">
+              <a:srgbClr val="000000">
+                <a:alpha val="37999"/>
+              </a:srgbClr>
+            </a:outerShdw>
+          </a:effectLst>
+          <a:extLst>
+            <a:ext uri="{909E8E84-426E-40DD-AFC4-6F175D3DCCD1}">
+              <a14:hiddenFill xmlns:a14="http://schemas.microsoft.com/office/drawing/2010/main">
+                <a:noFill/>
+              </a14:hiddenFill>
+            </a:ext>
+          </a:extLst>
+        </p:spPr>
+      </p:cxnSp>
+      <p:cxnSp>
+        <p:nvCxnSpPr>
+          <p:cNvPr id="6" name="Straight Connector 5"/>
+          <p:cNvCxnSpPr>
+            <a:cxnSpLocks noChangeShapeType="1"/>
+          </p:cNvCxnSpPr>
+          <p:nvPr/>
+        </p:nvCxnSpPr>
+        <p:spPr bwMode="auto">
+          <a:xfrm flipV="1">
+            <a:off x="2914650" y="3097214"/>
+            <a:ext cx="1347788" cy="9525"/>
+          </a:xfrm>
+          <a:prstGeom prst="line">
+            <a:avLst/>
+          </a:prstGeom>
+          <a:noFill/>
+          <a:ln w="25400">
+            <a:solidFill>
+              <a:schemeClr val="accent1"/>
+            </a:solidFill>
+            <a:prstDash val="sysDash"/>
+            <a:round/>
+            <a:headEnd/>
+            <a:tailEnd/>
+          </a:ln>
+          <a:effectLst>
+            <a:outerShdw blurRad="40000" dist="20000" dir="5400000" rotWithShape="0">
+              <a:srgbClr val="000000">
+                <a:alpha val="37999"/>
+              </a:srgbClr>
+            </a:outerShdw>
+          </a:effectLst>
+          <a:extLst>
+            <a:ext uri="{909E8E84-426E-40DD-AFC4-6F175D3DCCD1}">
+              <a14:hiddenFill xmlns:a14="http://schemas.microsoft.com/office/drawing/2010/main">
+                <a:noFill/>
+              </a14:hiddenFill>
+            </a:ext>
+          </a:extLst>
+        </p:spPr>
+      </p:cxnSp>
+      <p:sp>
+        <p:nvSpPr>
+          <p:cNvPr id="7" name="TextBox 15"/>
+          <p:cNvSpPr txBox="1">
+            <a:spLocks noChangeArrowheads="1"/>
+          </p:cNvSpPr>
+          <p:nvPr/>
+        </p:nvSpPr>
+        <p:spPr bwMode="auto">
+          <a:xfrm>
+            <a:off x="4821239" y="2068514"/>
+            <a:ext cx="5813425" cy="1476375"/>
+          </a:xfrm>
+          <a:prstGeom prst="rect">
+            <a:avLst/>
+          </a:prstGeom>
+          <a:noFill/>
+          <a:ln>
+            <a:noFill/>
+          </a:ln>
+          <a:extLst>
+            <a:ext uri="{909E8E84-426E-40dd-AFC4-6F175D3DCCD1}"/>
+            <a:ext uri="{91240B29-F687-4f45-9708-019B960494DF}"/>
+          </a:extLst>
+        </p:spPr>
+        <p:txBody>
+          <a:bodyPr wrap="none">
+            <a:spAutoFit/>
+          </a:bodyPr>
+          <a:lstStyle>
+            <a:lvl1pPr eaLnBrk="0" hangingPunct="0">
+              <a:defRPr sz="2400">
+                <a:solidFill>
+                  <a:schemeClr val="tx1"/>
+                </a:solidFill>
+                <a:latin typeface="Arial" charset="0"/>
+                <a:ea typeface="ＭＳ Ｐゴシック" charset="0"/>
+                <a:cs typeface="ＭＳ Ｐゴシック" charset="0"/>
+              </a:defRPr>
+            </a:lvl1pPr>
+            <a:lvl2pPr marL="742950" indent="-285750" eaLnBrk="0" hangingPunct="0">
+              <a:defRPr sz="2400">
+                <a:solidFill>
+                  <a:schemeClr val="tx1"/>
+                </a:solidFill>
+                <a:latin typeface="Arial" charset="0"/>
+                <a:ea typeface="ＭＳ Ｐゴシック" charset="0"/>
+              </a:defRPr>
+            </a:lvl2pPr>
+            <a:lvl3pPr marL="1143000" indent="-228600" eaLnBrk="0" hangingPunct="0">
+              <a:defRPr sz="2400">
+                <a:solidFill>
+                  <a:schemeClr val="tx1"/>
+                </a:solidFill>
+                <a:latin typeface="Arial" charset="0"/>
+                <a:ea typeface="ＭＳ Ｐゴシック" charset="0"/>
+              </a:defRPr>
+            </a:lvl3pPr>
+            <a:lvl4pPr marL="1600200" indent="-228600" eaLnBrk="0" hangingPunct="0">
+              <a:defRPr sz="2400">
+                <a:solidFill>
+                  <a:schemeClr val="tx1"/>
+                </a:solidFill>
+                <a:latin typeface="Arial" charset="0"/>
+                <a:ea typeface="ＭＳ Ｐゴシック" charset="0"/>
+              </a:defRPr>
+            </a:lvl4pPr>
+            <a:lvl5pPr marL="2057400" indent="-228600" eaLnBrk="0" hangingPunct="0">
+              <a:defRPr sz="2400">
+                <a:solidFill>
+                  <a:schemeClr val="tx1"/>
+                </a:solidFill>
+                <a:latin typeface="Arial" charset="0"/>
+                <a:ea typeface="ＭＳ Ｐゴシック" charset="0"/>
+              </a:defRPr>
+            </a:lvl5pPr>
+            <a:lvl6pPr marL="2514600" indent="-228600" eaLnBrk="0" fontAlgn="base" hangingPunct="0">
+              <a:spcBef>
+                <a:spcPct val="0"/>
+              </a:spcBef>
+              <a:spcAft>
+                <a:spcPct val="0"/>
+              </a:spcAft>
+              <a:defRPr sz="2400">
+                <a:solidFill>
+                  <a:schemeClr val="tx1"/>
+                </a:solidFill>
+                <a:latin typeface="Arial" charset="0"/>
+                <a:ea typeface="ＭＳ Ｐゴシック" charset="0"/>
+              </a:defRPr>
+            </a:lvl6pPr>
+            <a:lvl7pPr marL="2971800" indent="-228600" eaLnBrk="0" fontAlgn="base" hangingPunct="0">
+              <a:spcBef>
+                <a:spcPct val="0"/>
+              </a:spcBef>
+              <a:spcAft>
+                <a:spcPct val="0"/>
+              </a:spcAft>
+              <a:defRPr sz="2400">
+                <a:solidFill>
+                  <a:schemeClr val="tx1"/>
+                </a:solidFill>
+                <a:latin typeface="Arial" charset="0"/>
+                <a:ea typeface="ＭＳ Ｐゴシック" charset="0"/>
+              </a:defRPr>
+            </a:lvl7pPr>
+            <a:lvl8pPr marL="3429000" indent="-228600" eaLnBrk="0" fontAlgn="base" hangingPunct="0">
+              <a:spcBef>
+                <a:spcPct val="0"/>
+              </a:spcBef>
+              <a:spcAft>
+                <a:spcPct val="0"/>
+              </a:spcAft>
+              <a:defRPr sz="2400">
+                <a:solidFill>
+                  <a:schemeClr val="tx1"/>
+                </a:solidFill>
+                <a:latin typeface="Arial" charset="0"/>
+                <a:ea typeface="ＭＳ Ｐゴシック" charset="0"/>
+              </a:defRPr>
+            </a:lvl8pPr>
+            <a:lvl9pPr marL="3886200" indent="-228600" eaLnBrk="0" fontAlgn="base" hangingPunct="0">
+              <a:spcBef>
+                <a:spcPct val="0"/>
+              </a:spcBef>
+              <a:spcAft>
+                <a:spcPct val="0"/>
+              </a:spcAft>
+              <a:defRPr sz="2400">
+                <a:solidFill>
+                  <a:schemeClr val="tx1"/>
+                </a:solidFill>
+                <a:latin typeface="Arial" charset="0"/>
+                <a:ea typeface="ＭＳ Ｐゴシック" charset="0"/>
+              </a:defRPr>
+            </a:lvl9pPr>
+          </a:lstStyle>
+          <a:p>
+            <a:pPr eaLnBrk="1" hangingPunct="1">
+              <a:defRPr/>
+            </a:pPr>
+            <a:r>
+              <a:rPr lang="en-US" sz="1800" dirty="0">
+                <a:latin typeface="Calibri" charset="0"/>
+              </a:rPr>
+              <a:t>In biological systems, </a:t>
+            </a:r>
+          </a:p>
+          <a:p>
+            <a:pPr marL="285750" indent="-285750" eaLnBrk="1" hangingPunct="1">
+              <a:buFont typeface="Arial"/>
+              <a:buChar char="•"/>
+              <a:defRPr/>
+            </a:pPr>
+            <a:r>
+              <a:rPr lang="en-US" sz="1800" dirty="0">
+                <a:latin typeface="Calibri" charset="0"/>
+              </a:rPr>
+              <a:t>____________________facilitates getting over the </a:t>
+            </a:r>
+          </a:p>
+          <a:p>
+            <a:pPr eaLnBrk="1" hangingPunct="1">
+              <a:defRPr/>
+            </a:pPr>
+            <a:r>
+              <a:rPr lang="en-US" sz="1800" dirty="0">
+                <a:latin typeface="Calibri" charset="0"/>
+              </a:rPr>
+              <a:t>__________________to move the reaction forward.</a:t>
+            </a:r>
+          </a:p>
+          <a:p>
+            <a:pPr eaLnBrk="1" hangingPunct="1">
+              <a:defRPr/>
+            </a:pPr>
+            <a:endParaRPr lang="en-US" sz="1800" dirty="0">
+              <a:latin typeface="Calibri" charset="0"/>
+            </a:endParaRPr>
+          </a:p>
+          <a:p>
+            <a:pPr marL="285750" indent="-285750" eaLnBrk="1" hangingPunct="1">
+              <a:buFont typeface="Arial"/>
+              <a:buChar char="•"/>
+              <a:defRPr/>
+            </a:pPr>
+            <a:r>
+              <a:rPr lang="en-US" sz="1800" dirty="0">
+                <a:latin typeface="Calibri" charset="0"/>
+              </a:rPr>
+              <a:t>__________effectively __________the activation energy.</a:t>
+            </a:r>
+          </a:p>
+        </p:txBody>
+      </p:sp>
+    </p:spTree>
+    <p:extLst>
+      <p:ext uri="{BB962C8B-B14F-4D97-AF65-F5344CB8AC3E}">
+        <p14:creationId xmlns:p14="http://schemas.microsoft.com/office/powerpoint/2010/main" val="1142931308"/>
+      </p:ext>
+    </p:extLst>
+  </p:cSld>
+  <p:clrMapOvr>
+    <a:masterClrMapping/>
+  </p:clrMapOvr>
+  <p:timing>
+    <p:tnLst>
+      <p:par>
+        <p:cTn id="1" dur="indefinite" restart="never" nodeType="tmRoot"/>
+      </p:par>
+    </p:tnLst>
+  </p:timing>
+</p:sld>
+</file>
+
+<file path=ppt/slides/slide27.xml><?xml version="1.0" encoding="utf-8"?>
+<p:sld xmlns:a="http://schemas.openxmlformats.org/drawingml/2006/main" xmlns:r="http://schemas.openxmlformats.org/officeDocument/2006/relationships" xmlns:p="http://schemas.openxmlformats.org/presentationml/2006/main">
+  <p:cSld>
+    <p:spTree>
+      <p:nvGrpSpPr>
+        <p:cNvPr id="1" name=""/>
+        <p:cNvGrpSpPr/>
+        <p:nvPr/>
+      </p:nvGrpSpPr>
+      <p:grpSpPr>
+        <a:xfrm>
+          <a:off x="0" y="0"/>
+          <a:ext cx="0" cy="0"/>
+          <a:chOff x="0" y="0"/>
+          <a:chExt cx="0" cy="0"/>
+        </a:xfrm>
+      </p:grpSpPr>
+      <p:sp>
+        <p:nvSpPr>
+          <p:cNvPr id="50177" name="Title 1"/>
+          <p:cNvSpPr>
+            <a:spLocks noGrp="1"/>
+          </p:cNvSpPr>
+          <p:nvPr>
+            <p:ph type="title"/>
+          </p:nvPr>
+        </p:nvSpPr>
+        <p:spPr>
+          <a:xfrm>
+            <a:off x="1981200" y="17463"/>
+            <a:ext cx="8229600" cy="1143000"/>
+          </a:xfrm>
+        </p:spPr>
+        <p:txBody>
+          <a:bodyPr/>
+          <a:lstStyle/>
+          <a:p>
+            <a:pPr eaLnBrk="1" hangingPunct="1"/>
+            <a:r>
+              <a:rPr lang="en-US" altLang="en-US"/>
+              <a:t>Active sites</a:t>
+            </a:r>
+          </a:p>
+        </p:txBody>
+      </p:sp>
+      <p:pic>
+        <p:nvPicPr>
+          <p:cNvPr id="50178" name="Picture 3"/>
+          <p:cNvPicPr>
+            <a:picLocks noChangeAspect="1"/>
+          </p:cNvPicPr>
+          <p:nvPr/>
+        </p:nvPicPr>
+        <p:blipFill>
+          <a:blip r:embed="rId2">
+            <a:extLst>
+              <a:ext uri="{28A0092B-C50C-407E-A947-70E740481C1C}">
+                <a14:useLocalDpi xmlns:a14="http://schemas.microsoft.com/office/drawing/2010/main" val="0"/>
+              </a:ext>
+            </a:extLst>
+          </a:blip>
+          <a:srcRect/>
+          <a:stretch>
+            <a:fillRect/>
+          </a:stretch>
+        </p:blipFill>
+        <p:spPr bwMode="auto">
+          <a:xfrm>
+            <a:off x="2979738" y="1011239"/>
+            <a:ext cx="6723062" cy="5699125"/>
+          </a:xfrm>
+          <a:prstGeom prst="rect">
+            <a:avLst/>
+          </a:prstGeom>
+          <a:noFill/>
+          <a:ln>
+            <a:noFill/>
+          </a:ln>
+          <a:extLst>
+            <a:ext uri="{909E8E84-426E-40DD-AFC4-6F175D3DCCD1}">
+              <a14:hiddenFill xmlns:a14="http://schemas.microsoft.com/office/drawing/2010/main">
+                <a:solidFill>
+                  <a:srgbClr val="FFFFFF"/>
+                </a:solidFill>
+              </a14:hiddenFill>
+            </a:ext>
+            <a:ext uri="{91240B29-F687-4F45-9708-019B960494DF}">
+              <a14:hiddenLine xmlns:a14="http://schemas.microsoft.com/office/drawing/2010/main" w="9525">
+                <a:solidFill>
+                  <a:srgbClr val="000000"/>
+                </a:solidFill>
+                <a:miter lim="800000"/>
+                <a:headEnd/>
+                <a:tailEnd/>
+              </a14:hiddenLine>
+            </a:ext>
+          </a:extLst>
+        </p:spPr>
+      </p:pic>
+    </p:spTree>
+    <p:extLst>
+      <p:ext uri="{BB962C8B-B14F-4D97-AF65-F5344CB8AC3E}">
+        <p14:creationId xmlns:p14="http://schemas.microsoft.com/office/powerpoint/2010/main" val="545237260"/>
+      </p:ext>
+    </p:extLst>
+  </p:cSld>
+  <p:clrMapOvr>
+    <a:masterClrMapping/>
+  </p:clrMapOvr>
+  <p:timing>
+    <p:tnLst>
+      <p:par>
+        <p:cTn id="1" dur="indefinite" restart="never" nodeType="tmRoot"/>
+      </p:par>
+    </p:tnLst>
+  </p:timing>
+</p:sld>
+</file>
+
+<file path=ppt/slides/slide28.xml><?xml version="1.0" encoding="utf-8"?>
+<p:sld xmlns:a="http://schemas.openxmlformats.org/drawingml/2006/main" xmlns:r="http://schemas.openxmlformats.org/officeDocument/2006/relationships" xmlns:p="http://schemas.openxmlformats.org/presentationml/2006/main">
+  <p:cSld>
+    <p:spTree>
+      <p:nvGrpSpPr>
+        <p:cNvPr id="1" name=""/>
+        <p:cNvGrpSpPr/>
+        <p:nvPr/>
+      </p:nvGrpSpPr>
+      <p:grpSpPr>
+        <a:xfrm>
+          <a:off x="0" y="0"/>
+          <a:ext cx="0" cy="0"/>
+          <a:chOff x="0" y="0"/>
+          <a:chExt cx="0" cy="0"/>
+        </a:xfrm>
+      </p:grpSpPr>
+      <p:sp>
+        <p:nvSpPr>
+          <p:cNvPr id="58369" name="Title 1"/>
+          <p:cNvSpPr>
+            <a:spLocks noGrp="1"/>
+          </p:cNvSpPr>
+          <p:nvPr>
+            <p:ph type="title"/>
+          </p:nvPr>
+        </p:nvSpPr>
+        <p:spPr/>
+        <p:txBody>
+          <a:bodyPr/>
+          <a:lstStyle/>
+          <a:p>
+            <a:r>
+              <a:rPr lang="en-US" altLang="x-none"/>
+              <a:t>Kinases</a:t>
+            </a:r>
+          </a:p>
+        </p:txBody>
+      </p:sp>
+      <p:sp>
+        <p:nvSpPr>
+          <p:cNvPr id="58370" name="Content Placeholder 2"/>
+          <p:cNvSpPr>
+            <a:spLocks noGrp="1"/>
+          </p:cNvSpPr>
+          <p:nvPr>
+            <p:ph idx="1"/>
+          </p:nvPr>
+        </p:nvSpPr>
+        <p:spPr/>
+        <p:txBody>
+          <a:bodyPr/>
+          <a:lstStyle/>
+          <a:p>
+            <a:r>
+              <a:rPr lang="en-US" altLang="x-none" dirty="0"/>
+              <a:t>Bind a </a:t>
+            </a:r>
+            <a:r>
+              <a:rPr lang="en-US" altLang="x-none" dirty="0" smtClean="0"/>
+              <a:t>____________group </a:t>
+            </a:r>
+            <a:r>
+              <a:rPr lang="en-US" altLang="x-none" dirty="0"/>
+              <a:t>onto another </a:t>
+            </a:r>
+            <a:r>
+              <a:rPr lang="en-US" altLang="x-none" dirty="0" smtClean="0"/>
+              <a:t>protein</a:t>
+            </a:r>
+          </a:p>
+          <a:p>
+            <a:endParaRPr lang="en-US" altLang="x-none" dirty="0"/>
+          </a:p>
+          <a:p>
+            <a:r>
+              <a:rPr lang="en-US" altLang="x-none" dirty="0"/>
+              <a:t>Phosphate group </a:t>
+            </a:r>
+            <a:r>
+              <a:rPr lang="en-US" altLang="x-none" dirty="0" smtClean="0"/>
+              <a:t>______________the </a:t>
+            </a:r>
+            <a:r>
+              <a:rPr lang="en-US" altLang="x-none" dirty="0"/>
+              <a:t>other protein</a:t>
+            </a:r>
+          </a:p>
+          <a:p>
+            <a:endParaRPr lang="en-US" altLang="x-none" dirty="0"/>
+          </a:p>
+        </p:txBody>
+      </p:sp>
+    </p:spTree>
+    <p:extLst>
+      <p:ext uri="{BB962C8B-B14F-4D97-AF65-F5344CB8AC3E}">
+        <p14:creationId xmlns:p14="http://schemas.microsoft.com/office/powerpoint/2010/main" val="489907071"/>
+      </p:ext>
+    </p:extLst>
+  </p:cSld>
+  <p:clrMapOvr>
+    <a:masterClrMapping/>
+  </p:clrMapOvr>
+  <p:timing>
+    <p:tnLst>
+      <p:par>
+        <p:cTn id="1" dur="indefinite" restart="never" nodeType="tmRoot"/>
+      </p:par>
+    </p:tnLst>
+  </p:timing>
+</p:sld>
+</file>
+
+<file path=ppt/slides/slide29.xml><?xml version="1.0" encoding="utf-8"?>
+<p:sld xmlns:a="http://schemas.openxmlformats.org/drawingml/2006/main" xmlns:r="http://schemas.openxmlformats.org/officeDocument/2006/relationships" xmlns:p="http://schemas.openxmlformats.org/presentationml/2006/main">
+  <p:cSld>
+    <p:spTree>
+      <p:nvGrpSpPr>
+        <p:cNvPr id="1" name=""/>
+        <p:cNvGrpSpPr/>
+        <p:nvPr/>
+      </p:nvGrpSpPr>
+      <p:grpSpPr>
+        <a:xfrm>
+          <a:off x="0" y="0"/>
+          <a:ext cx="0" cy="0"/>
+          <a:chOff x="0" y="0"/>
+          <a:chExt cx="0" cy="0"/>
+        </a:xfrm>
+      </p:grpSpPr>
+      <p:sp>
+        <p:nvSpPr>
+          <p:cNvPr id="59393" name="Title 1"/>
+          <p:cNvSpPr>
+            <a:spLocks noGrp="1"/>
+          </p:cNvSpPr>
+          <p:nvPr>
+            <p:ph type="title"/>
+          </p:nvPr>
+        </p:nvSpPr>
+        <p:spPr/>
+        <p:txBody>
+          <a:bodyPr/>
+          <a:lstStyle/>
+          <a:p>
+            <a:r>
+              <a:rPr lang="en-US" altLang="x-none"/>
+              <a:t>What is signal transduction?</a:t>
+            </a:r>
+          </a:p>
+        </p:txBody>
+      </p:sp>
+      <p:sp>
+        <p:nvSpPr>
+          <p:cNvPr id="3" name="Content Placeholder 2"/>
+          <p:cNvSpPr>
+            <a:spLocks noGrp="1"/>
+          </p:cNvSpPr>
+          <p:nvPr>
+            <p:ph idx="1"/>
+          </p:nvPr>
+        </p:nvSpPr>
+        <p:spPr/>
+        <p:txBody>
+          <a:bodyPr/>
+          <a:lstStyle/>
+          <a:p>
+            <a:pPr marL="385763" indent="-385763">
+              <a:buFont typeface="+mj-lt"/>
+              <a:buAutoNum type="arabicPeriod"/>
+              <a:defRPr/>
+            </a:pPr>
+            <a:r>
+              <a:rPr lang="en-US" dirty="0" smtClean="0"/>
+              <a:t>Signal (small molecule, light, hormone, sugar, salt</a:t>
+            </a:r>
+            <a:r>
+              <a:rPr lang="is-IS" dirty="0" smtClean="0"/>
+              <a:t>…..)</a:t>
+            </a:r>
+            <a:endParaRPr lang="en-US" dirty="0" smtClean="0"/>
+          </a:p>
+          <a:p>
+            <a:pPr marL="385763" indent="-385763">
+              <a:buFont typeface="+mj-lt"/>
+              <a:buAutoNum type="arabicPeriod"/>
+              <a:defRPr/>
+            </a:pPr>
+            <a:r>
+              <a:rPr lang="en-US" dirty="0" smtClean="0"/>
+              <a:t>Signal gets inside cell </a:t>
+            </a:r>
+            <a:r>
+              <a:rPr lang="en-US" dirty="0" smtClean="0"/>
+              <a:t>(___________________)</a:t>
+            </a:r>
+            <a:endParaRPr lang="en-US" dirty="0" smtClean="0"/>
+          </a:p>
+          <a:p>
+            <a:pPr marL="385763" indent="-385763">
+              <a:buFont typeface="+mj-lt"/>
+              <a:buAutoNum type="arabicPeriod"/>
+              <a:defRPr/>
+            </a:pPr>
+            <a:r>
+              <a:rPr lang="en-US" dirty="0" smtClean="0"/>
+              <a:t>Signal transfer and </a:t>
+            </a:r>
+            <a:r>
+              <a:rPr lang="en-US" dirty="0" smtClean="0"/>
+              <a:t>__________________</a:t>
+            </a:r>
+            <a:endParaRPr lang="en-US" dirty="0" smtClean="0"/>
+          </a:p>
+          <a:p>
+            <a:pPr marL="385763" indent="-385763">
+              <a:buFont typeface="+mj-lt"/>
+              <a:buAutoNum type="arabicPeriod"/>
+              <a:defRPr/>
+            </a:pPr>
+            <a:r>
+              <a:rPr lang="en-US" dirty="0" smtClean="0"/>
+              <a:t>Change in cell behavior </a:t>
+            </a:r>
+            <a:r>
+              <a:rPr lang="en-US" dirty="0" smtClean="0"/>
+              <a:t>(________,____________,____________...)</a:t>
+            </a:r>
+            <a:endParaRPr lang="en-US" dirty="0" smtClean="0"/>
+          </a:p>
+          <a:p>
+            <a:pPr>
+              <a:defRPr/>
+            </a:pPr>
+            <a:endParaRPr lang="en-US" dirty="0"/>
+          </a:p>
+        </p:txBody>
+      </p:sp>
+    </p:spTree>
+    <p:extLst>
+      <p:ext uri="{BB962C8B-B14F-4D97-AF65-F5344CB8AC3E}">
+        <p14:creationId xmlns:p14="http://schemas.microsoft.com/office/powerpoint/2010/main" val="415839699"/>
+      </p:ext>
+    </p:extLst>
+  </p:cSld>
+  <p:clrMapOvr>
+    <a:masterClrMapping/>
+  </p:clrMapOvr>
+  <p:timing>
+    <p:tnLst>
+      <p:par>
+        <p:cTn id="1" dur="indefinite" restart="never" nodeType="tmRoot">
+          <p:childTnLst>
+            <p:seq concurrent="1" nextAc="seek">
+              <p:cTn id="2" dur="indefinite" nodeType="mainSeq">
+                <p:childTnLst>
+                  <p:par>
+                    <p:cTn id="3" fill="hold" nodeType="clickPar">
+                      <p:stCondLst>
+                        <p:cond delay="indefinite"/>
+                      </p:stCondLst>
+                      <p:childTnLst>
+                        <p:par>
+                          <p:cTn id="4" fill="hold" nodeType="withGroup">
+                            <p:stCondLst>
+                              <p:cond delay="0"/>
+                            </p:stCondLst>
+                            <p:childTnLst>
+                              <p:par>
+                                <p:cTn id="5" presetID="1" presetClass="entr" presetSubtype="0" fill="hold" nodeType="clickEffect">
+                                  <p:stCondLst>
+                                    <p:cond delay="0"/>
+                                  </p:stCondLst>
+                                  <p:childTnLst>
+                                    <p:set>
+                                      <p:cBhvr>
+                                        <p:cTn id="6" dur="1" fill="hold">
+                                          <p:stCondLst>
+                                            <p:cond delay="0"/>
+                                          </p:stCondLst>
+                                        </p:cTn>
+                                        <p:tgtEl>
+                                          <p:spTgt spid="3">
+                                            <p:txEl>
+                                              <p:pRg st="0" end="0"/>
+                                            </p:txEl>
+                                          </p:spTgt>
+                                        </p:tgtEl>
+                                        <p:attrNameLst>
+                                          <p:attrName>style.visibility</p:attrName>
+                                        </p:attrNameLst>
+                                      </p:cBhvr>
+                                      <p:to>
+                                        <p:strVal val="visible"/>
+                                      </p:to>
+                                    </p:set>
+                                  </p:childTnLst>
+                                </p:cTn>
+                              </p:par>
+                            </p:childTnLst>
+                          </p:cTn>
+                        </p:par>
+                      </p:childTnLst>
+                    </p:cTn>
+                  </p:par>
+                  <p:par>
+                    <p:cTn id="7" fill="hold" nodeType="clickPar">
+                      <p:stCondLst>
+                        <p:cond delay="indefinite"/>
+                      </p:stCondLst>
+                      <p:childTnLst>
+                        <p:par>
+                          <p:cTn id="8" fill="hold" nodeType="withGroup">
+                            <p:stCondLst>
+                              <p:cond delay="0"/>
+                            </p:stCondLst>
+                            <p:childTnLst>
+                              <p:par>
+                                <p:cTn id="9" presetID="1" presetClass="entr" presetSubtype="0" fill="hold" nodeType="clickEffect">
+                                  <p:stCondLst>
+                                    <p:cond delay="0"/>
+                                  </p:stCondLst>
+                                  <p:childTnLst>
+                                    <p:set>
+                                      <p:cBhvr>
+                                        <p:cTn id="10" dur="1" fill="hold">
+                                          <p:stCondLst>
+                                            <p:cond delay="0"/>
+                                          </p:stCondLst>
+                                        </p:cTn>
+                                        <p:tgtEl>
+                                          <p:spTgt spid="3">
+                                            <p:txEl>
+                                              <p:pRg st="1" end="1"/>
+                                            </p:txEl>
+                                          </p:spTgt>
+                                        </p:tgtEl>
+                                        <p:attrNameLst>
+                                          <p:attrName>style.visibility</p:attrName>
+                                        </p:attrNameLst>
+                                      </p:cBhvr>
+                                      <p:to>
+                                        <p:strVal val="visible"/>
+                                      </p:to>
+                                    </p:set>
+                                  </p:childTnLst>
+                                </p:cTn>
+                              </p:par>
+                            </p:childTnLst>
+                          </p:cTn>
+                        </p:par>
+                      </p:childTnLst>
+                    </p:cTn>
+                  </p:par>
+                  <p:par>
+                    <p:cTn id="11" fill="hold" nodeType="clickPar">
+                      <p:stCondLst>
+                        <p:cond delay="indefinite"/>
+                      </p:stCondLst>
+                      <p:childTnLst>
+                        <p:par>
+                          <p:cTn id="12" fill="hold" nodeType="withGroup">
+                            <p:stCondLst>
+                              <p:cond delay="0"/>
+                            </p:stCondLst>
+                            <p:childTnLst>
+                              <p:par>
+                                <p:cTn id="13" presetID="1" presetClass="entr" presetSubtype="0" fill="hold" nodeType="clickEffect">
+                                  <p:stCondLst>
+                                    <p:cond delay="0"/>
+                                  </p:stCondLst>
+                                  <p:childTnLst>
+                                    <p:set>
+                                      <p:cBhvr>
+                                        <p:cTn id="14" dur="1" fill="hold">
+                                          <p:stCondLst>
+                                            <p:cond delay="0"/>
+                                          </p:stCondLst>
+                                        </p:cTn>
+                                        <p:tgtEl>
+                                          <p:spTgt spid="3">
+                                            <p:txEl>
+                                              <p:pRg st="2" end="2"/>
+                                            </p:txEl>
+                                          </p:spTgt>
+                                        </p:tgtEl>
+                                        <p:attrNameLst>
+                                          <p:attrName>style.visibility</p:attrName>
+                                        </p:attrNameLst>
+                                      </p:cBhvr>
+                                      <p:to>
+                                        <p:strVal val="visible"/>
+                                      </p:to>
+                                    </p:set>
+                                  </p:childTnLst>
+                                </p:cTn>
+                              </p:par>
+                            </p:childTnLst>
+                          </p:cTn>
+                        </p:par>
+                      </p:childTnLst>
+                    </p:cTn>
+                  </p:par>
+                  <p:par>
+                    <p:cTn id="15" fill="hold" nodeType="clickPar">
+                      <p:stCondLst>
+                        <p:cond delay="indefinite"/>
+                      </p:stCondLst>
+                      <p:childTnLst>
+                        <p:par>
+                          <p:cTn id="16" fill="hold" nodeType="withGroup">
+                            <p:stCondLst>
+                              <p:cond delay="0"/>
+                            </p:stCondLst>
+                            <p:childTnLst>
+                              <p:par>
+                                <p:cTn id="17" presetID="1" presetClass="entr" presetSubtype="0" fill="hold" nodeType="clickEffect">
+                                  <p:stCondLst>
+                                    <p:cond delay="0"/>
+                                  </p:stCondLst>
+                                  <p:childTnLst>
+                                    <p:set>
+                                      <p:cBhvr>
+                                        <p:cTn id="18" dur="1" fill="hold">
+                                          <p:stCondLst>
+                                            <p:cond delay="0"/>
+                                          </p:stCondLst>
+                                        </p:cTn>
+                                        <p:tgtEl>
+                                          <p:spTgt spid="3">
+                                            <p:txEl>
+                                              <p:pRg st="3" end="3"/>
+                                            </p:txEl>
+                                          </p:spTgt>
+                                        </p:tgtEl>
+                                        <p:attrNameLst>
+                                          <p:attrName>style.visibility</p:attrName>
+                                        </p:attrNameLst>
+                                      </p:cBhvr>
+                                      <p:to>
+                                        <p:strVal val="visible"/>
+                                      </p:to>
+                                    </p:set>
+                                  </p:childTnLst>
+                                </p:cTn>
+                              </p:par>
+                            </p:childTnLst>
+                          </p:cTn>
+                        </p:par>
+                      </p:childTnLst>
+                    </p:cTn>
+                  </p:par>
+                </p:childTnLst>
+              </p:cTn>
+              <p:prevCondLst>
+                <p:cond evt="onPrev" delay="0">
+                  <p:tgtEl>
+                    <p:sldTgt/>
+                  </p:tgtEl>
+                </p:cond>
+              </p:prevCondLst>
+              <p:nextCondLst>
+                <p:cond evt="onNext" delay="0">
+                  <p:tgtEl>
+                    <p:sldTgt/>
+                  </p:tgtEl>
+                </p:cond>
+              </p:nextCondLst>
+            </p:seq>
+          </p:childTnLst>
+        </p:cTn>
+      </p:par>
+    </p:tnLst>
   </p:timing>
 </p:sld>
 </file>
@@ -11483,1327 +10695,6 @@
       </p:grpSpPr>
       <p:sp>
         <p:nvSpPr>
-          <p:cNvPr id="49153" name="Title 1"/>
-          <p:cNvSpPr>
-            <a:spLocks noGrp="1"/>
-          </p:cNvSpPr>
-          <p:nvPr>
-            <p:ph type="title"/>
-          </p:nvPr>
-        </p:nvSpPr>
-        <p:spPr/>
-        <p:txBody>
-          <a:bodyPr/>
-          <a:lstStyle/>
-          <a:p>
-            <a:pPr eaLnBrk="1" hangingPunct="1"/>
-            <a:r>
-              <a:rPr lang="en-US" altLang="en-US"/>
-              <a:t>PROTEIN FUNCTIONS</a:t>
-            </a:r>
-          </a:p>
-        </p:txBody>
-      </p:sp>
-      <p:sp>
-        <p:nvSpPr>
-          <p:cNvPr id="49154" name="Content Placeholder 2"/>
-          <p:cNvSpPr>
-            <a:spLocks noGrp="1"/>
-          </p:cNvSpPr>
-          <p:nvPr>
-            <p:ph idx="1"/>
-          </p:nvPr>
-        </p:nvSpPr>
-        <p:spPr/>
-        <p:txBody>
-          <a:bodyPr/>
-          <a:lstStyle/>
-          <a:p>
-            <a:pPr eaLnBrk="1" hangingPunct="1"/>
-            <a:r>
-              <a:rPr lang="en-US" altLang="en-US"/>
-              <a:t>Enzymes: biological catalysts</a:t>
-            </a:r>
-          </a:p>
-        </p:txBody>
-      </p:sp>
-    </p:spTree>
-    <p:extLst>
-      <p:ext uri="{BB962C8B-B14F-4D97-AF65-F5344CB8AC3E}">
-        <p14:creationId xmlns:p14="http://schemas.microsoft.com/office/powerpoint/2010/main" val="927445662"/>
-      </p:ext>
-    </p:extLst>
-  </p:cSld>
-  <p:clrMapOvr>
-    <a:masterClrMapping/>
-  </p:clrMapOvr>
-  <p:timing>
-    <p:tnLst>
-      <p:par>
-        <p:cTn id="1" dur="indefinite" restart="never" nodeType="tmRoot"/>
-      </p:par>
-    </p:tnLst>
-  </p:timing>
-</p:sld>
-</file>
-
-<file path=ppt/slides/slide31.xml><?xml version="1.0" encoding="utf-8"?>
-<p:sld xmlns:a="http://schemas.openxmlformats.org/drawingml/2006/main" xmlns:r="http://schemas.openxmlformats.org/officeDocument/2006/relationships" xmlns:p="http://schemas.openxmlformats.org/presentationml/2006/main">
-  <p:cSld>
-    <p:spTree>
-      <p:nvGrpSpPr>
-        <p:cNvPr id="1" name=""/>
-        <p:cNvGrpSpPr/>
-        <p:nvPr/>
-      </p:nvGrpSpPr>
-      <p:grpSpPr>
-        <a:xfrm>
-          <a:off x="0" y="0"/>
-          <a:ext cx="0" cy="0"/>
-          <a:chOff x="0" y="0"/>
-          <a:chExt cx="0" cy="0"/>
-        </a:xfrm>
-      </p:grpSpPr>
-      <p:sp>
-        <p:nvSpPr>
-          <p:cNvPr id="56321" name="Title 1"/>
-          <p:cNvSpPr>
-            <a:spLocks noGrp="1"/>
-          </p:cNvSpPr>
-          <p:nvPr>
-            <p:ph type="title"/>
-          </p:nvPr>
-        </p:nvSpPr>
-        <p:spPr/>
-        <p:txBody>
-          <a:bodyPr/>
-          <a:lstStyle/>
-          <a:p>
-            <a:pPr eaLnBrk="1" hangingPunct="1"/>
-            <a:r>
-              <a:rPr lang="en-US" altLang="x-none"/>
-              <a:t>Activation energy</a:t>
-            </a:r>
-          </a:p>
-        </p:txBody>
-      </p:sp>
-      <p:cxnSp>
-        <p:nvCxnSpPr>
-          <p:cNvPr id="3" name="Straight Connector 2"/>
-          <p:cNvCxnSpPr>
-            <a:cxnSpLocks noChangeShapeType="1"/>
-          </p:cNvCxnSpPr>
-          <p:nvPr/>
-        </p:nvCxnSpPr>
-        <p:spPr bwMode="auto">
-          <a:xfrm rot="5400000">
-            <a:off x="2337595" y="3104358"/>
-            <a:ext cx="1152525" cy="1587"/>
-          </a:xfrm>
-          <a:prstGeom prst="line">
-            <a:avLst/>
-          </a:prstGeom>
-          <a:noFill/>
-          <a:ln w="25400">
-            <a:solidFill>
-              <a:schemeClr val="accent1"/>
-            </a:solidFill>
-            <a:round/>
-            <a:headEnd/>
-            <a:tailEnd/>
-          </a:ln>
-          <a:effectLst>
-            <a:outerShdw blurRad="40000" dist="20000" dir="5400000" rotWithShape="0">
-              <a:srgbClr val="000000">
-                <a:alpha val="37999"/>
-              </a:srgbClr>
-            </a:outerShdw>
-          </a:effectLst>
-          <a:extLst>
-            <a:ext uri="{909E8E84-426E-40DD-AFC4-6F175D3DCCD1}">
-              <a14:hiddenFill xmlns:a14="http://schemas.microsoft.com/office/drawing/2010/main">
-                <a:noFill/>
-              </a14:hiddenFill>
-            </a:ext>
-          </a:extLst>
-        </p:spPr>
-      </p:cxnSp>
-      <p:cxnSp>
-        <p:nvCxnSpPr>
-          <p:cNvPr id="4" name="Straight Connector 3"/>
-          <p:cNvCxnSpPr>
-            <a:cxnSpLocks noChangeShapeType="1"/>
-          </p:cNvCxnSpPr>
-          <p:nvPr/>
-        </p:nvCxnSpPr>
-        <p:spPr bwMode="auto">
-          <a:xfrm>
-            <a:off x="2690814" y="3482976"/>
-            <a:ext cx="1570037" cy="9525"/>
-          </a:xfrm>
-          <a:prstGeom prst="line">
-            <a:avLst/>
-          </a:prstGeom>
-          <a:noFill/>
-          <a:ln w="25400">
-            <a:solidFill>
-              <a:schemeClr val="accent1"/>
-            </a:solidFill>
-            <a:round/>
-            <a:headEnd/>
-            <a:tailEnd/>
-          </a:ln>
-          <a:effectLst>
-            <a:outerShdw blurRad="40000" dist="20000" dir="5400000" rotWithShape="0">
-              <a:srgbClr val="000000">
-                <a:alpha val="37999"/>
-              </a:srgbClr>
-            </a:outerShdw>
-          </a:effectLst>
-          <a:extLst>
-            <a:ext uri="{909E8E84-426E-40DD-AFC4-6F175D3DCCD1}">
-              <a14:hiddenFill xmlns:a14="http://schemas.microsoft.com/office/drawing/2010/main">
-                <a:noFill/>
-              </a14:hiddenFill>
-            </a:ext>
-          </a:extLst>
-        </p:spPr>
-      </p:cxnSp>
-      <p:cxnSp>
-        <p:nvCxnSpPr>
-          <p:cNvPr id="5" name="Straight Connector 4"/>
-          <p:cNvCxnSpPr>
-            <a:cxnSpLocks noChangeShapeType="1"/>
-          </p:cNvCxnSpPr>
-          <p:nvPr/>
-        </p:nvCxnSpPr>
-        <p:spPr bwMode="auto">
-          <a:xfrm flipV="1">
-            <a:off x="2913064" y="2822576"/>
-            <a:ext cx="1347787" cy="9525"/>
-          </a:xfrm>
-          <a:prstGeom prst="line">
-            <a:avLst/>
-          </a:prstGeom>
-          <a:noFill/>
-          <a:ln w="25400">
-            <a:solidFill>
-              <a:schemeClr val="accent1"/>
-            </a:solidFill>
-            <a:prstDash val="sysDash"/>
-            <a:round/>
-            <a:headEnd/>
-            <a:tailEnd/>
-          </a:ln>
-          <a:effectLst>
-            <a:outerShdw blurRad="40000" dist="20000" dir="5400000" rotWithShape="0">
-              <a:srgbClr val="000000">
-                <a:alpha val="37999"/>
-              </a:srgbClr>
-            </a:outerShdw>
-          </a:effectLst>
-          <a:extLst>
-            <a:ext uri="{909E8E84-426E-40DD-AFC4-6F175D3DCCD1}">
-              <a14:hiddenFill xmlns:a14="http://schemas.microsoft.com/office/drawing/2010/main">
-                <a:noFill/>
-              </a14:hiddenFill>
-            </a:ext>
-          </a:extLst>
-        </p:spPr>
-      </p:cxnSp>
-      <p:cxnSp>
-        <p:nvCxnSpPr>
-          <p:cNvPr id="6" name="Straight Connector 5"/>
-          <p:cNvCxnSpPr>
-            <a:cxnSpLocks noChangeShapeType="1"/>
-          </p:cNvCxnSpPr>
-          <p:nvPr/>
-        </p:nvCxnSpPr>
-        <p:spPr bwMode="auto">
-          <a:xfrm flipV="1">
-            <a:off x="2914650" y="3097214"/>
-            <a:ext cx="1347788" cy="9525"/>
-          </a:xfrm>
-          <a:prstGeom prst="line">
-            <a:avLst/>
-          </a:prstGeom>
-          <a:noFill/>
-          <a:ln w="25400">
-            <a:solidFill>
-              <a:schemeClr val="accent1"/>
-            </a:solidFill>
-            <a:prstDash val="sysDash"/>
-            <a:round/>
-            <a:headEnd/>
-            <a:tailEnd/>
-          </a:ln>
-          <a:effectLst>
-            <a:outerShdw blurRad="40000" dist="20000" dir="5400000" rotWithShape="0">
-              <a:srgbClr val="000000">
-                <a:alpha val="37999"/>
-              </a:srgbClr>
-            </a:outerShdw>
-          </a:effectLst>
-          <a:extLst>
-            <a:ext uri="{909E8E84-426E-40DD-AFC4-6F175D3DCCD1}">
-              <a14:hiddenFill xmlns:a14="http://schemas.microsoft.com/office/drawing/2010/main">
-                <a:noFill/>
-              </a14:hiddenFill>
-            </a:ext>
-          </a:extLst>
-        </p:spPr>
-      </p:cxnSp>
-      <p:sp>
-        <p:nvSpPr>
-          <p:cNvPr id="7" name="TextBox 15"/>
-          <p:cNvSpPr txBox="1">
-            <a:spLocks noChangeArrowheads="1"/>
-          </p:cNvSpPr>
-          <p:nvPr/>
-        </p:nvSpPr>
-        <p:spPr bwMode="auto">
-          <a:xfrm>
-            <a:off x="4821239" y="2068514"/>
-            <a:ext cx="5813425" cy="1476375"/>
-          </a:xfrm>
-          <a:prstGeom prst="rect">
-            <a:avLst/>
-          </a:prstGeom>
-          <a:noFill/>
-          <a:ln>
-            <a:noFill/>
-          </a:ln>
-          <a:extLst>
-            <a:ext uri="{909E8E84-426E-40dd-AFC4-6F175D3DCCD1}"/>
-            <a:ext uri="{91240B29-F687-4f45-9708-019B960494DF}"/>
-          </a:extLst>
-        </p:spPr>
-        <p:txBody>
-          <a:bodyPr wrap="none">
-            <a:spAutoFit/>
-          </a:bodyPr>
-          <a:lstStyle>
-            <a:lvl1pPr eaLnBrk="0" hangingPunct="0">
-              <a:defRPr sz="2400">
-                <a:solidFill>
-                  <a:schemeClr val="tx1"/>
-                </a:solidFill>
-                <a:latin typeface="Arial" charset="0"/>
-                <a:ea typeface="ＭＳ Ｐゴシック" charset="0"/>
-                <a:cs typeface="ＭＳ Ｐゴシック" charset="0"/>
-              </a:defRPr>
-            </a:lvl1pPr>
-            <a:lvl2pPr marL="742950" indent="-285750" eaLnBrk="0" hangingPunct="0">
-              <a:defRPr sz="2400">
-                <a:solidFill>
-                  <a:schemeClr val="tx1"/>
-                </a:solidFill>
-                <a:latin typeface="Arial" charset="0"/>
-                <a:ea typeface="ＭＳ Ｐゴシック" charset="0"/>
-              </a:defRPr>
-            </a:lvl2pPr>
-            <a:lvl3pPr marL="1143000" indent="-228600" eaLnBrk="0" hangingPunct="0">
-              <a:defRPr sz="2400">
-                <a:solidFill>
-                  <a:schemeClr val="tx1"/>
-                </a:solidFill>
-                <a:latin typeface="Arial" charset="0"/>
-                <a:ea typeface="ＭＳ Ｐゴシック" charset="0"/>
-              </a:defRPr>
-            </a:lvl3pPr>
-            <a:lvl4pPr marL="1600200" indent="-228600" eaLnBrk="0" hangingPunct="0">
-              <a:defRPr sz="2400">
-                <a:solidFill>
-                  <a:schemeClr val="tx1"/>
-                </a:solidFill>
-                <a:latin typeface="Arial" charset="0"/>
-                <a:ea typeface="ＭＳ Ｐゴシック" charset="0"/>
-              </a:defRPr>
-            </a:lvl4pPr>
-            <a:lvl5pPr marL="2057400" indent="-228600" eaLnBrk="0" hangingPunct="0">
-              <a:defRPr sz="2400">
-                <a:solidFill>
-                  <a:schemeClr val="tx1"/>
-                </a:solidFill>
-                <a:latin typeface="Arial" charset="0"/>
-                <a:ea typeface="ＭＳ Ｐゴシック" charset="0"/>
-              </a:defRPr>
-            </a:lvl5pPr>
-            <a:lvl6pPr marL="2514600" indent="-228600" eaLnBrk="0" fontAlgn="base" hangingPunct="0">
-              <a:spcBef>
-                <a:spcPct val="0"/>
-              </a:spcBef>
-              <a:spcAft>
-                <a:spcPct val="0"/>
-              </a:spcAft>
-              <a:defRPr sz="2400">
-                <a:solidFill>
-                  <a:schemeClr val="tx1"/>
-                </a:solidFill>
-                <a:latin typeface="Arial" charset="0"/>
-                <a:ea typeface="ＭＳ Ｐゴシック" charset="0"/>
-              </a:defRPr>
-            </a:lvl6pPr>
-            <a:lvl7pPr marL="2971800" indent="-228600" eaLnBrk="0" fontAlgn="base" hangingPunct="0">
-              <a:spcBef>
-                <a:spcPct val="0"/>
-              </a:spcBef>
-              <a:spcAft>
-                <a:spcPct val="0"/>
-              </a:spcAft>
-              <a:defRPr sz="2400">
-                <a:solidFill>
-                  <a:schemeClr val="tx1"/>
-                </a:solidFill>
-                <a:latin typeface="Arial" charset="0"/>
-                <a:ea typeface="ＭＳ Ｐゴシック" charset="0"/>
-              </a:defRPr>
-            </a:lvl7pPr>
-            <a:lvl8pPr marL="3429000" indent="-228600" eaLnBrk="0" fontAlgn="base" hangingPunct="0">
-              <a:spcBef>
-                <a:spcPct val="0"/>
-              </a:spcBef>
-              <a:spcAft>
-                <a:spcPct val="0"/>
-              </a:spcAft>
-              <a:defRPr sz="2400">
-                <a:solidFill>
-                  <a:schemeClr val="tx1"/>
-                </a:solidFill>
-                <a:latin typeface="Arial" charset="0"/>
-                <a:ea typeface="ＭＳ Ｐゴシック" charset="0"/>
-              </a:defRPr>
-            </a:lvl8pPr>
-            <a:lvl9pPr marL="3886200" indent="-228600" eaLnBrk="0" fontAlgn="base" hangingPunct="0">
-              <a:spcBef>
-                <a:spcPct val="0"/>
-              </a:spcBef>
-              <a:spcAft>
-                <a:spcPct val="0"/>
-              </a:spcAft>
-              <a:defRPr sz="2400">
-                <a:solidFill>
-                  <a:schemeClr val="tx1"/>
-                </a:solidFill>
-                <a:latin typeface="Arial" charset="0"/>
-                <a:ea typeface="ＭＳ Ｐゴシック" charset="0"/>
-              </a:defRPr>
-            </a:lvl9pPr>
-          </a:lstStyle>
-          <a:p>
-            <a:pPr eaLnBrk="1" hangingPunct="1">
-              <a:defRPr/>
-            </a:pPr>
-            <a:r>
-              <a:rPr lang="en-US" sz="1800" dirty="0">
-                <a:latin typeface="Calibri" charset="0"/>
-              </a:rPr>
-              <a:t>In biological systems, </a:t>
-            </a:r>
-          </a:p>
-          <a:p>
-            <a:pPr marL="285750" indent="-285750" eaLnBrk="1" hangingPunct="1">
-              <a:buFont typeface="Arial"/>
-              <a:buChar char="•"/>
-              <a:defRPr/>
-            </a:pPr>
-            <a:r>
-              <a:rPr lang="en-US" sz="1800" dirty="0">
-                <a:latin typeface="Calibri" charset="0"/>
-              </a:rPr>
-              <a:t>____________________facilitates getting over the </a:t>
-            </a:r>
-          </a:p>
-          <a:p>
-            <a:pPr eaLnBrk="1" hangingPunct="1">
-              <a:defRPr/>
-            </a:pPr>
-            <a:r>
-              <a:rPr lang="en-US" sz="1800" dirty="0">
-                <a:latin typeface="Calibri" charset="0"/>
-              </a:rPr>
-              <a:t>__________________to move the reaction forward.</a:t>
-            </a:r>
-          </a:p>
-          <a:p>
-            <a:pPr eaLnBrk="1" hangingPunct="1">
-              <a:defRPr/>
-            </a:pPr>
-            <a:endParaRPr lang="en-US" sz="1800" dirty="0">
-              <a:latin typeface="Calibri" charset="0"/>
-            </a:endParaRPr>
-          </a:p>
-          <a:p>
-            <a:pPr marL="285750" indent="-285750" eaLnBrk="1" hangingPunct="1">
-              <a:buFont typeface="Arial"/>
-              <a:buChar char="•"/>
-              <a:defRPr/>
-            </a:pPr>
-            <a:r>
-              <a:rPr lang="en-US" sz="1800" dirty="0">
-                <a:latin typeface="Calibri" charset="0"/>
-              </a:rPr>
-              <a:t>__________effectively __________the activation energy.</a:t>
-            </a:r>
-          </a:p>
-        </p:txBody>
-      </p:sp>
-    </p:spTree>
-    <p:extLst>
-      <p:ext uri="{BB962C8B-B14F-4D97-AF65-F5344CB8AC3E}">
-        <p14:creationId xmlns:p14="http://schemas.microsoft.com/office/powerpoint/2010/main" val="1142931308"/>
-      </p:ext>
-    </p:extLst>
-  </p:cSld>
-  <p:clrMapOvr>
-    <a:masterClrMapping/>
-  </p:clrMapOvr>
-  <p:timing>
-    <p:tnLst>
-      <p:par>
-        <p:cTn id="1" dur="indefinite" restart="never" nodeType="tmRoot"/>
-      </p:par>
-    </p:tnLst>
-  </p:timing>
-</p:sld>
-</file>
-
-<file path=ppt/slides/slide32.xml><?xml version="1.0" encoding="utf-8"?>
-<p:sld xmlns:a="http://schemas.openxmlformats.org/drawingml/2006/main" xmlns:r="http://schemas.openxmlformats.org/officeDocument/2006/relationships" xmlns:p="http://schemas.openxmlformats.org/presentationml/2006/main">
-  <p:cSld>
-    <p:spTree>
-      <p:nvGrpSpPr>
-        <p:cNvPr id="1" name=""/>
-        <p:cNvGrpSpPr/>
-        <p:nvPr/>
-      </p:nvGrpSpPr>
-      <p:grpSpPr>
-        <a:xfrm>
-          <a:off x="0" y="0"/>
-          <a:ext cx="0" cy="0"/>
-          <a:chOff x="0" y="0"/>
-          <a:chExt cx="0" cy="0"/>
-        </a:xfrm>
-      </p:grpSpPr>
-      <p:sp>
-        <p:nvSpPr>
-          <p:cNvPr id="50177" name="Title 1"/>
-          <p:cNvSpPr>
-            <a:spLocks noGrp="1"/>
-          </p:cNvSpPr>
-          <p:nvPr>
-            <p:ph type="title"/>
-          </p:nvPr>
-        </p:nvSpPr>
-        <p:spPr>
-          <a:xfrm>
-            <a:off x="1981200" y="17463"/>
-            <a:ext cx="8229600" cy="1143000"/>
-          </a:xfrm>
-        </p:spPr>
-        <p:txBody>
-          <a:bodyPr/>
-          <a:lstStyle/>
-          <a:p>
-            <a:pPr eaLnBrk="1" hangingPunct="1"/>
-            <a:r>
-              <a:rPr lang="en-US" altLang="en-US"/>
-              <a:t>Active sites</a:t>
-            </a:r>
-          </a:p>
-        </p:txBody>
-      </p:sp>
-      <p:pic>
-        <p:nvPicPr>
-          <p:cNvPr id="50178" name="Picture 3"/>
-          <p:cNvPicPr>
-            <a:picLocks noChangeAspect="1"/>
-          </p:cNvPicPr>
-          <p:nvPr/>
-        </p:nvPicPr>
-        <p:blipFill>
-          <a:blip r:embed="rId2">
-            <a:extLst>
-              <a:ext uri="{28A0092B-C50C-407E-A947-70E740481C1C}">
-                <a14:useLocalDpi xmlns:a14="http://schemas.microsoft.com/office/drawing/2010/main" val="0"/>
-              </a:ext>
-            </a:extLst>
-          </a:blip>
-          <a:srcRect/>
-          <a:stretch>
-            <a:fillRect/>
-          </a:stretch>
-        </p:blipFill>
-        <p:spPr bwMode="auto">
-          <a:xfrm>
-            <a:off x="2979738" y="1011239"/>
-            <a:ext cx="6723062" cy="5699125"/>
-          </a:xfrm>
-          <a:prstGeom prst="rect">
-            <a:avLst/>
-          </a:prstGeom>
-          <a:noFill/>
-          <a:ln>
-            <a:noFill/>
-          </a:ln>
-          <a:extLst>
-            <a:ext uri="{909E8E84-426E-40DD-AFC4-6F175D3DCCD1}">
-              <a14:hiddenFill xmlns:a14="http://schemas.microsoft.com/office/drawing/2010/main">
-                <a:solidFill>
-                  <a:srgbClr val="FFFFFF"/>
-                </a:solidFill>
-              </a14:hiddenFill>
-            </a:ext>
-            <a:ext uri="{91240B29-F687-4F45-9708-019B960494DF}">
-              <a14:hiddenLine xmlns:a14="http://schemas.microsoft.com/office/drawing/2010/main" w="9525">
-                <a:solidFill>
-                  <a:srgbClr val="000000"/>
-                </a:solidFill>
-                <a:miter lim="800000"/>
-                <a:headEnd/>
-                <a:tailEnd/>
-              </a14:hiddenLine>
-            </a:ext>
-          </a:extLst>
-        </p:spPr>
-      </p:pic>
-    </p:spTree>
-    <p:extLst>
-      <p:ext uri="{BB962C8B-B14F-4D97-AF65-F5344CB8AC3E}">
-        <p14:creationId xmlns:p14="http://schemas.microsoft.com/office/powerpoint/2010/main" val="545237260"/>
-      </p:ext>
-    </p:extLst>
-  </p:cSld>
-  <p:clrMapOvr>
-    <a:masterClrMapping/>
-  </p:clrMapOvr>
-  <p:timing>
-    <p:tnLst>
-      <p:par>
-        <p:cTn id="1" dur="indefinite" restart="never" nodeType="tmRoot"/>
-      </p:par>
-    </p:tnLst>
-  </p:timing>
-</p:sld>
-</file>
-
-<file path=ppt/slides/slide33.xml><?xml version="1.0" encoding="utf-8"?>
-<p:sld xmlns:a="http://schemas.openxmlformats.org/drawingml/2006/main" xmlns:r="http://schemas.openxmlformats.org/officeDocument/2006/relationships" xmlns:p="http://schemas.openxmlformats.org/presentationml/2006/main">
-  <p:cSld>
-    <p:spTree>
-      <p:nvGrpSpPr>
-        <p:cNvPr id="1" name=""/>
-        <p:cNvGrpSpPr/>
-        <p:nvPr/>
-      </p:nvGrpSpPr>
-      <p:grpSpPr>
-        <a:xfrm>
-          <a:off x="0" y="0"/>
-          <a:ext cx="0" cy="0"/>
-          <a:chOff x="0" y="0"/>
-          <a:chExt cx="0" cy="0"/>
-        </a:xfrm>
-      </p:grpSpPr>
-      <p:sp>
-        <p:nvSpPr>
-          <p:cNvPr id="58369" name="Title 1"/>
-          <p:cNvSpPr>
-            <a:spLocks noGrp="1"/>
-          </p:cNvSpPr>
-          <p:nvPr>
-            <p:ph type="title"/>
-          </p:nvPr>
-        </p:nvSpPr>
-        <p:spPr/>
-        <p:txBody>
-          <a:bodyPr/>
-          <a:lstStyle/>
-          <a:p>
-            <a:r>
-              <a:rPr lang="en-US" altLang="x-none"/>
-              <a:t>Kinases</a:t>
-            </a:r>
-          </a:p>
-        </p:txBody>
-      </p:sp>
-      <p:sp>
-        <p:nvSpPr>
-          <p:cNvPr id="58370" name="Content Placeholder 2"/>
-          <p:cNvSpPr>
-            <a:spLocks noGrp="1"/>
-          </p:cNvSpPr>
-          <p:nvPr>
-            <p:ph idx="1"/>
-          </p:nvPr>
-        </p:nvSpPr>
-        <p:spPr/>
-        <p:txBody>
-          <a:bodyPr/>
-          <a:lstStyle/>
-          <a:p>
-            <a:r>
-              <a:rPr lang="en-US" altLang="x-none" dirty="0"/>
-              <a:t>Bind a </a:t>
-            </a:r>
-            <a:r>
-              <a:rPr lang="en-US" altLang="x-none" dirty="0" smtClean="0"/>
-              <a:t>____________group </a:t>
-            </a:r>
-            <a:r>
-              <a:rPr lang="en-US" altLang="x-none" dirty="0"/>
-              <a:t>onto another </a:t>
-            </a:r>
-            <a:r>
-              <a:rPr lang="en-US" altLang="x-none" dirty="0" smtClean="0"/>
-              <a:t>protein</a:t>
-            </a:r>
-          </a:p>
-          <a:p>
-            <a:endParaRPr lang="en-US" altLang="x-none" dirty="0"/>
-          </a:p>
-          <a:p>
-            <a:r>
-              <a:rPr lang="en-US" altLang="x-none" dirty="0"/>
-              <a:t>Phosphate group </a:t>
-            </a:r>
-            <a:r>
-              <a:rPr lang="en-US" altLang="x-none" dirty="0" smtClean="0"/>
-              <a:t>______________the </a:t>
-            </a:r>
-            <a:r>
-              <a:rPr lang="en-US" altLang="x-none" dirty="0"/>
-              <a:t>other protein</a:t>
-            </a:r>
-          </a:p>
-          <a:p>
-            <a:endParaRPr lang="en-US" altLang="x-none" dirty="0"/>
-          </a:p>
-        </p:txBody>
-      </p:sp>
-    </p:spTree>
-    <p:extLst>
-      <p:ext uri="{BB962C8B-B14F-4D97-AF65-F5344CB8AC3E}">
-        <p14:creationId xmlns:p14="http://schemas.microsoft.com/office/powerpoint/2010/main" val="489907071"/>
-      </p:ext>
-    </p:extLst>
-  </p:cSld>
-  <p:clrMapOvr>
-    <a:masterClrMapping/>
-  </p:clrMapOvr>
-  <p:timing>
-    <p:tnLst>
-      <p:par>
-        <p:cTn id="1" dur="indefinite" restart="never" nodeType="tmRoot"/>
-      </p:par>
-    </p:tnLst>
-  </p:timing>
-</p:sld>
-</file>
-
-<file path=ppt/slides/slide34.xml><?xml version="1.0" encoding="utf-8"?>
-<p:sld xmlns:a="http://schemas.openxmlformats.org/drawingml/2006/main" xmlns:r="http://schemas.openxmlformats.org/officeDocument/2006/relationships" xmlns:p="http://schemas.openxmlformats.org/presentationml/2006/main">
-  <p:cSld>
-    <p:spTree>
-      <p:nvGrpSpPr>
-        <p:cNvPr id="1" name=""/>
-        <p:cNvGrpSpPr/>
-        <p:nvPr/>
-      </p:nvGrpSpPr>
-      <p:grpSpPr>
-        <a:xfrm>
-          <a:off x="0" y="0"/>
-          <a:ext cx="0" cy="0"/>
-          <a:chOff x="0" y="0"/>
-          <a:chExt cx="0" cy="0"/>
-        </a:xfrm>
-      </p:grpSpPr>
-      <p:sp>
-        <p:nvSpPr>
-          <p:cNvPr id="59393" name="Title 1"/>
-          <p:cNvSpPr>
-            <a:spLocks noGrp="1"/>
-          </p:cNvSpPr>
-          <p:nvPr>
-            <p:ph type="title"/>
-          </p:nvPr>
-        </p:nvSpPr>
-        <p:spPr/>
-        <p:txBody>
-          <a:bodyPr/>
-          <a:lstStyle/>
-          <a:p>
-            <a:r>
-              <a:rPr lang="en-US" altLang="x-none"/>
-              <a:t>What is signal transduction?</a:t>
-            </a:r>
-          </a:p>
-        </p:txBody>
-      </p:sp>
-      <p:sp>
-        <p:nvSpPr>
-          <p:cNvPr id="3" name="Content Placeholder 2"/>
-          <p:cNvSpPr>
-            <a:spLocks noGrp="1"/>
-          </p:cNvSpPr>
-          <p:nvPr>
-            <p:ph idx="1"/>
-          </p:nvPr>
-        </p:nvSpPr>
-        <p:spPr/>
-        <p:txBody>
-          <a:bodyPr/>
-          <a:lstStyle/>
-          <a:p>
-            <a:pPr marL="385763" indent="-385763">
-              <a:buFont typeface="+mj-lt"/>
-              <a:buAutoNum type="arabicPeriod"/>
-              <a:defRPr/>
-            </a:pPr>
-            <a:r>
-              <a:rPr lang="en-US" dirty="0" smtClean="0"/>
-              <a:t>Signal (small molecule, light, hormone, sugar, salt</a:t>
-            </a:r>
-            <a:r>
-              <a:rPr lang="is-IS" dirty="0" smtClean="0"/>
-              <a:t>…..)</a:t>
-            </a:r>
-            <a:endParaRPr lang="en-US" dirty="0" smtClean="0"/>
-          </a:p>
-          <a:p>
-            <a:pPr marL="385763" indent="-385763">
-              <a:buFont typeface="+mj-lt"/>
-              <a:buAutoNum type="arabicPeriod"/>
-              <a:defRPr/>
-            </a:pPr>
-            <a:r>
-              <a:rPr lang="en-US" dirty="0" smtClean="0"/>
-              <a:t>Signal gets inside cell </a:t>
-            </a:r>
-            <a:r>
-              <a:rPr lang="en-US" dirty="0" smtClean="0"/>
-              <a:t>(___________________)</a:t>
-            </a:r>
-            <a:endParaRPr lang="en-US" dirty="0" smtClean="0"/>
-          </a:p>
-          <a:p>
-            <a:pPr marL="385763" indent="-385763">
-              <a:buFont typeface="+mj-lt"/>
-              <a:buAutoNum type="arabicPeriod"/>
-              <a:defRPr/>
-            </a:pPr>
-            <a:r>
-              <a:rPr lang="en-US" dirty="0" smtClean="0"/>
-              <a:t>Signal transfer and </a:t>
-            </a:r>
-            <a:r>
-              <a:rPr lang="en-US" dirty="0" smtClean="0"/>
-              <a:t>__________________</a:t>
-            </a:r>
-            <a:endParaRPr lang="en-US" dirty="0" smtClean="0"/>
-          </a:p>
-          <a:p>
-            <a:pPr marL="385763" indent="-385763">
-              <a:buFont typeface="+mj-lt"/>
-              <a:buAutoNum type="arabicPeriod"/>
-              <a:defRPr/>
-            </a:pPr>
-            <a:r>
-              <a:rPr lang="en-US" dirty="0" smtClean="0"/>
-              <a:t>Change in cell behavior </a:t>
-            </a:r>
-            <a:r>
-              <a:rPr lang="en-US" dirty="0" smtClean="0"/>
-              <a:t>(________,____________,____________...)</a:t>
-            </a:r>
-            <a:endParaRPr lang="en-US" dirty="0" smtClean="0"/>
-          </a:p>
-          <a:p>
-            <a:pPr>
-              <a:defRPr/>
-            </a:pPr>
-            <a:endParaRPr lang="en-US" dirty="0"/>
-          </a:p>
-        </p:txBody>
-      </p:sp>
-    </p:spTree>
-    <p:extLst>
-      <p:ext uri="{BB962C8B-B14F-4D97-AF65-F5344CB8AC3E}">
-        <p14:creationId xmlns:p14="http://schemas.microsoft.com/office/powerpoint/2010/main" val="415839699"/>
-      </p:ext>
-    </p:extLst>
-  </p:cSld>
-  <p:clrMapOvr>
-    <a:masterClrMapping/>
-  </p:clrMapOvr>
-  <p:timing>
-    <p:tnLst>
-      <p:par>
-        <p:cTn id="1" dur="indefinite" restart="never" nodeType="tmRoot">
-          <p:childTnLst>
-            <p:seq concurrent="1" nextAc="seek">
-              <p:cTn id="2" dur="indefinite" nodeType="mainSeq">
-                <p:childTnLst>
-                  <p:par>
-                    <p:cTn id="3" fill="hold" nodeType="clickPar">
-                      <p:stCondLst>
-                        <p:cond delay="indefinite"/>
-                      </p:stCondLst>
-                      <p:childTnLst>
-                        <p:par>
-                          <p:cTn id="4" fill="hold" nodeType="withGroup">
-                            <p:stCondLst>
-                              <p:cond delay="0"/>
-                            </p:stCondLst>
-                            <p:childTnLst>
-                              <p:par>
-                                <p:cTn id="5" presetID="1" presetClass="entr" presetSubtype="0" fill="hold" nodeType="clickEffect">
-                                  <p:stCondLst>
-                                    <p:cond delay="0"/>
-                                  </p:stCondLst>
-                                  <p:childTnLst>
-                                    <p:set>
-                                      <p:cBhvr>
-                                        <p:cTn id="6" dur="1" fill="hold">
-                                          <p:stCondLst>
-                                            <p:cond delay="0"/>
-                                          </p:stCondLst>
-                                        </p:cTn>
-                                        <p:tgtEl>
-                                          <p:spTgt spid="3">
-                                            <p:txEl>
-                                              <p:pRg st="0" end="0"/>
-                                            </p:txEl>
-                                          </p:spTgt>
-                                        </p:tgtEl>
-                                        <p:attrNameLst>
-                                          <p:attrName>style.visibility</p:attrName>
-                                        </p:attrNameLst>
-                                      </p:cBhvr>
-                                      <p:to>
-                                        <p:strVal val="visible"/>
-                                      </p:to>
-                                    </p:set>
-                                  </p:childTnLst>
-                                </p:cTn>
-                              </p:par>
-                            </p:childTnLst>
-                          </p:cTn>
-                        </p:par>
-                      </p:childTnLst>
-                    </p:cTn>
-                  </p:par>
-                  <p:par>
-                    <p:cTn id="7" fill="hold" nodeType="clickPar">
-                      <p:stCondLst>
-                        <p:cond delay="indefinite"/>
-                      </p:stCondLst>
-                      <p:childTnLst>
-                        <p:par>
-                          <p:cTn id="8" fill="hold" nodeType="withGroup">
-                            <p:stCondLst>
-                              <p:cond delay="0"/>
-                            </p:stCondLst>
-                            <p:childTnLst>
-                              <p:par>
-                                <p:cTn id="9" presetID="1" presetClass="entr" presetSubtype="0" fill="hold" nodeType="clickEffect">
-                                  <p:stCondLst>
-                                    <p:cond delay="0"/>
-                                  </p:stCondLst>
-                                  <p:childTnLst>
-                                    <p:set>
-                                      <p:cBhvr>
-                                        <p:cTn id="10" dur="1" fill="hold">
-                                          <p:stCondLst>
-                                            <p:cond delay="0"/>
-                                          </p:stCondLst>
-                                        </p:cTn>
-                                        <p:tgtEl>
-                                          <p:spTgt spid="3">
-                                            <p:txEl>
-                                              <p:pRg st="1" end="1"/>
-                                            </p:txEl>
-                                          </p:spTgt>
-                                        </p:tgtEl>
-                                        <p:attrNameLst>
-                                          <p:attrName>style.visibility</p:attrName>
-                                        </p:attrNameLst>
-                                      </p:cBhvr>
-                                      <p:to>
-                                        <p:strVal val="visible"/>
-                                      </p:to>
-                                    </p:set>
-                                  </p:childTnLst>
-                                </p:cTn>
-                              </p:par>
-                            </p:childTnLst>
-                          </p:cTn>
-                        </p:par>
-                      </p:childTnLst>
-                    </p:cTn>
-                  </p:par>
-                  <p:par>
-                    <p:cTn id="11" fill="hold" nodeType="clickPar">
-                      <p:stCondLst>
-                        <p:cond delay="indefinite"/>
-                      </p:stCondLst>
-                      <p:childTnLst>
-                        <p:par>
-                          <p:cTn id="12" fill="hold" nodeType="withGroup">
-                            <p:stCondLst>
-                              <p:cond delay="0"/>
-                            </p:stCondLst>
-                            <p:childTnLst>
-                              <p:par>
-                                <p:cTn id="13" presetID="1" presetClass="entr" presetSubtype="0" fill="hold" nodeType="clickEffect">
-                                  <p:stCondLst>
-                                    <p:cond delay="0"/>
-                                  </p:stCondLst>
-                                  <p:childTnLst>
-                                    <p:set>
-                                      <p:cBhvr>
-                                        <p:cTn id="14" dur="1" fill="hold">
-                                          <p:stCondLst>
-                                            <p:cond delay="0"/>
-                                          </p:stCondLst>
-                                        </p:cTn>
-                                        <p:tgtEl>
-                                          <p:spTgt spid="3">
-                                            <p:txEl>
-                                              <p:pRg st="2" end="2"/>
-                                            </p:txEl>
-                                          </p:spTgt>
-                                        </p:tgtEl>
-                                        <p:attrNameLst>
-                                          <p:attrName>style.visibility</p:attrName>
-                                        </p:attrNameLst>
-                                      </p:cBhvr>
-                                      <p:to>
-                                        <p:strVal val="visible"/>
-                                      </p:to>
-                                    </p:set>
-                                  </p:childTnLst>
-                                </p:cTn>
-                              </p:par>
-                            </p:childTnLst>
-                          </p:cTn>
-                        </p:par>
-                      </p:childTnLst>
-                    </p:cTn>
-                  </p:par>
-                  <p:par>
-                    <p:cTn id="15" fill="hold" nodeType="clickPar">
-                      <p:stCondLst>
-                        <p:cond delay="indefinite"/>
-                      </p:stCondLst>
-                      <p:childTnLst>
-                        <p:par>
-                          <p:cTn id="16" fill="hold" nodeType="withGroup">
-                            <p:stCondLst>
-                              <p:cond delay="0"/>
-                            </p:stCondLst>
-                            <p:childTnLst>
-                              <p:par>
-                                <p:cTn id="17" presetID="1" presetClass="entr" presetSubtype="0" fill="hold" nodeType="clickEffect">
-                                  <p:stCondLst>
-                                    <p:cond delay="0"/>
-                                  </p:stCondLst>
-                                  <p:childTnLst>
-                                    <p:set>
-                                      <p:cBhvr>
-                                        <p:cTn id="18" dur="1" fill="hold">
-                                          <p:stCondLst>
-                                            <p:cond delay="0"/>
-                                          </p:stCondLst>
-                                        </p:cTn>
-                                        <p:tgtEl>
-                                          <p:spTgt spid="3">
-                                            <p:txEl>
-                                              <p:pRg st="3" end="3"/>
-                                            </p:txEl>
-                                          </p:spTgt>
-                                        </p:tgtEl>
-                                        <p:attrNameLst>
-                                          <p:attrName>style.visibility</p:attrName>
-                                        </p:attrNameLst>
-                                      </p:cBhvr>
-                                      <p:to>
-                                        <p:strVal val="visible"/>
-                                      </p:to>
-                                    </p:set>
-                                  </p:childTnLst>
-                                </p:cTn>
-                              </p:par>
-                            </p:childTnLst>
-                          </p:cTn>
-                        </p:par>
-                      </p:childTnLst>
-                    </p:cTn>
-                  </p:par>
-                </p:childTnLst>
-              </p:cTn>
-              <p:prevCondLst>
-                <p:cond evt="onPrev" delay="0">
-                  <p:tgtEl>
-                    <p:sldTgt/>
-                  </p:tgtEl>
-                </p:cond>
-              </p:prevCondLst>
-              <p:nextCondLst>
-                <p:cond evt="onNext" delay="0">
-                  <p:tgtEl>
-                    <p:sldTgt/>
-                  </p:tgtEl>
-                </p:cond>
-              </p:nextCondLst>
-            </p:seq>
-          </p:childTnLst>
-        </p:cTn>
-      </p:par>
-    </p:tnLst>
-  </p:timing>
-</p:sld>
-</file>
-
-<file path=ppt/slides/slide35.xml><?xml version="1.0" encoding="utf-8"?>
-<p:sld xmlns:a="http://schemas.openxmlformats.org/drawingml/2006/main" xmlns:r="http://schemas.openxmlformats.org/officeDocument/2006/relationships" xmlns:p="http://schemas.openxmlformats.org/presentationml/2006/main">
-  <p:cSld>
-    <p:spTree>
-      <p:nvGrpSpPr>
-        <p:cNvPr id="1" name=""/>
-        <p:cNvGrpSpPr/>
-        <p:nvPr/>
-      </p:nvGrpSpPr>
-      <p:grpSpPr>
-        <a:xfrm>
-          <a:off x="0" y="0"/>
-          <a:ext cx="0" cy="0"/>
-          <a:chOff x="0" y="0"/>
-          <a:chExt cx="0" cy="0"/>
-        </a:xfrm>
-      </p:grpSpPr>
-      <p:sp>
-        <p:nvSpPr>
-          <p:cNvPr id="60417" name="Title 1"/>
-          <p:cNvSpPr>
-            <a:spLocks noGrp="1"/>
-          </p:cNvSpPr>
-          <p:nvPr>
-            <p:ph type="title"/>
-          </p:nvPr>
-        </p:nvSpPr>
-        <p:spPr/>
-        <p:txBody>
-          <a:bodyPr/>
-          <a:lstStyle/>
-          <a:p>
-            <a:r>
-              <a:rPr lang="en-US" altLang="x-none"/>
-              <a:t>Prokaryotic signal transduction: direct sensing</a:t>
-            </a:r>
-          </a:p>
-        </p:txBody>
-      </p:sp>
-      <p:sp>
-        <p:nvSpPr>
-          <p:cNvPr id="60418" name="Rectangle 4"/>
-          <p:cNvSpPr>
-            <a:spLocks noChangeArrowheads="1"/>
-          </p:cNvSpPr>
-          <p:nvPr/>
-        </p:nvSpPr>
-        <p:spPr bwMode="auto">
-          <a:xfrm>
-            <a:off x="3603625" y="2282825"/>
-            <a:ext cx="4572000" cy="369888"/>
-          </a:xfrm>
-          <a:prstGeom prst="rect">
-            <a:avLst/>
-          </a:prstGeom>
-          <a:noFill/>
-          <a:ln>
-            <a:noFill/>
-          </a:ln>
-          <a:extLst>
-            <a:ext uri="{909E8E84-426E-40DD-AFC4-6F175D3DCCD1}">
-              <a14:hiddenFill xmlns:a14="http://schemas.microsoft.com/office/drawing/2010/main">
-                <a:solidFill>
-                  <a:srgbClr val="FFFFFF"/>
-                </a:solidFill>
-              </a14:hiddenFill>
-            </a:ext>
-            <a:ext uri="{91240B29-F687-4F45-9708-019B960494DF}">
-              <a14:hiddenLine xmlns:a14="http://schemas.microsoft.com/office/drawing/2010/main" w="9525">
-                <a:solidFill>
-                  <a:srgbClr val="000000"/>
-                </a:solidFill>
-                <a:miter lim="800000"/>
-                <a:headEnd/>
-                <a:tailEnd/>
-              </a14:hiddenLine>
-            </a:ext>
-          </a:extLst>
-        </p:spPr>
-        <p:txBody>
-          <a:bodyPr>
-            <a:spAutoFit/>
-          </a:bodyPr>
-          <a:lstStyle>
-            <a:lvl1pPr>
-              <a:defRPr>
-                <a:solidFill>
-                  <a:schemeClr val="tx1"/>
-                </a:solidFill>
-                <a:latin typeface="Arial" charset="0"/>
-                <a:ea typeface="ＭＳ Ｐゴシック" charset="-128"/>
-              </a:defRPr>
-            </a:lvl1pPr>
-            <a:lvl2pPr marL="742950" indent="-285750">
-              <a:defRPr>
-                <a:solidFill>
-                  <a:schemeClr val="tx1"/>
-                </a:solidFill>
-                <a:latin typeface="Arial" charset="0"/>
-                <a:ea typeface="ＭＳ Ｐゴシック" charset="-128"/>
-              </a:defRPr>
-            </a:lvl2pPr>
-            <a:lvl3pPr marL="1143000" indent="-228600">
-              <a:defRPr>
-                <a:solidFill>
-                  <a:schemeClr val="tx1"/>
-                </a:solidFill>
-                <a:latin typeface="Arial" charset="0"/>
-                <a:ea typeface="ＭＳ Ｐゴシック" charset="-128"/>
-              </a:defRPr>
-            </a:lvl3pPr>
-            <a:lvl4pPr marL="1600200" indent="-228600">
-              <a:defRPr>
-                <a:solidFill>
-                  <a:schemeClr val="tx1"/>
-                </a:solidFill>
-                <a:latin typeface="Arial" charset="0"/>
-                <a:ea typeface="ＭＳ Ｐゴシック" charset="-128"/>
-              </a:defRPr>
-            </a:lvl4pPr>
-            <a:lvl5pPr marL="2057400" indent="-228600">
-              <a:defRPr>
-                <a:solidFill>
-                  <a:schemeClr val="tx1"/>
-                </a:solidFill>
-                <a:latin typeface="Arial" charset="0"/>
-                <a:ea typeface="ＭＳ Ｐゴシック" charset="-128"/>
-              </a:defRPr>
-            </a:lvl5pPr>
-            <a:lvl6pPr marL="2514600" indent="-228600" defTabSz="457200" eaLnBrk="0" fontAlgn="base" hangingPunct="0">
-              <a:spcBef>
-                <a:spcPct val="0"/>
-              </a:spcBef>
-              <a:spcAft>
-                <a:spcPct val="0"/>
-              </a:spcAft>
-              <a:defRPr>
-                <a:solidFill>
-                  <a:schemeClr val="tx1"/>
-                </a:solidFill>
-                <a:latin typeface="Arial" charset="0"/>
-                <a:ea typeface="ＭＳ Ｐゴシック" charset="-128"/>
-              </a:defRPr>
-            </a:lvl6pPr>
-            <a:lvl7pPr marL="2971800" indent="-228600" defTabSz="457200" eaLnBrk="0" fontAlgn="base" hangingPunct="0">
-              <a:spcBef>
-                <a:spcPct val="0"/>
-              </a:spcBef>
-              <a:spcAft>
-                <a:spcPct val="0"/>
-              </a:spcAft>
-              <a:defRPr>
-                <a:solidFill>
-                  <a:schemeClr val="tx1"/>
-                </a:solidFill>
-                <a:latin typeface="Arial" charset="0"/>
-                <a:ea typeface="ＭＳ Ｐゴシック" charset="-128"/>
-              </a:defRPr>
-            </a:lvl7pPr>
-            <a:lvl8pPr marL="3429000" indent="-228600" defTabSz="457200" eaLnBrk="0" fontAlgn="base" hangingPunct="0">
-              <a:spcBef>
-                <a:spcPct val="0"/>
-              </a:spcBef>
-              <a:spcAft>
-                <a:spcPct val="0"/>
-              </a:spcAft>
-              <a:defRPr>
-                <a:solidFill>
-                  <a:schemeClr val="tx1"/>
-                </a:solidFill>
-                <a:latin typeface="Arial" charset="0"/>
-                <a:ea typeface="ＭＳ Ｐゴシック" charset="-128"/>
-              </a:defRPr>
-            </a:lvl8pPr>
-            <a:lvl9pPr marL="3886200" indent="-228600" defTabSz="457200" eaLnBrk="0" fontAlgn="base" hangingPunct="0">
-              <a:spcBef>
-                <a:spcPct val="0"/>
-              </a:spcBef>
-              <a:spcAft>
-                <a:spcPct val="0"/>
-              </a:spcAft>
-              <a:defRPr>
-                <a:solidFill>
-                  <a:schemeClr val="tx1"/>
-                </a:solidFill>
-                <a:latin typeface="Arial" charset="0"/>
-                <a:ea typeface="ＭＳ Ｐゴシック" charset="-128"/>
-              </a:defRPr>
-            </a:lvl9pPr>
-          </a:lstStyle>
-          <a:p>
-            <a:r>
-              <a:rPr lang="en-US" altLang="x-none">
-                <a:hlinkClick r:id="rId2"/>
-              </a:rPr>
-              <a:t>transcription factor</a:t>
-            </a:r>
-            <a:endParaRPr lang="en-US" altLang="x-none"/>
-          </a:p>
-        </p:txBody>
-      </p:sp>
-    </p:spTree>
-    <p:extLst>
-      <p:ext uri="{BB962C8B-B14F-4D97-AF65-F5344CB8AC3E}">
-        <p14:creationId xmlns:p14="http://schemas.microsoft.com/office/powerpoint/2010/main" val="1106033755"/>
-      </p:ext>
-    </p:extLst>
-  </p:cSld>
-  <p:clrMapOvr>
-    <a:masterClrMapping/>
-  </p:clrMapOvr>
-  <p:timing>
-    <p:tnLst>
-      <p:par>
-        <p:cTn id="1" dur="indefinite" restart="never" nodeType="tmRoot"/>
-      </p:par>
-    </p:tnLst>
-  </p:timing>
-</p:sld>
-</file>
-
-<file path=ppt/slides/slide36.xml><?xml version="1.0" encoding="utf-8"?>
-<p:sld xmlns:a="http://schemas.openxmlformats.org/drawingml/2006/main" xmlns:r="http://schemas.openxmlformats.org/officeDocument/2006/relationships" xmlns:p="http://schemas.openxmlformats.org/presentationml/2006/main">
-  <p:cSld>
-    <p:spTree>
-      <p:nvGrpSpPr>
-        <p:cNvPr id="1" name=""/>
-        <p:cNvGrpSpPr/>
-        <p:nvPr/>
-      </p:nvGrpSpPr>
-      <p:grpSpPr>
-        <a:xfrm>
-          <a:off x="0" y="0"/>
-          <a:ext cx="0" cy="0"/>
-          <a:chOff x="0" y="0"/>
-          <a:chExt cx="0" cy="0"/>
-        </a:xfrm>
-      </p:grpSpPr>
-      <p:sp>
-        <p:nvSpPr>
           <p:cNvPr id="63489" name="Title 1"/>
           <p:cNvSpPr>
             <a:spLocks noGrp="1"/>
@@ -12904,7 +10795,7 @@
 </p:sld>
 </file>
 
-<file path=ppt/slides/slide37.xml><?xml version="1.0" encoding="utf-8"?>
+<file path=ppt/slides/slide31.xml><?xml version="1.0" encoding="utf-8"?>
 <p:sld xmlns:a="http://schemas.openxmlformats.org/drawingml/2006/main" xmlns:r="http://schemas.openxmlformats.org/officeDocument/2006/relationships" xmlns:p="http://schemas.openxmlformats.org/presentationml/2006/main">
   <p:cSld>
     <p:spTree>
@@ -13023,7 +10914,7 @@
 </p:sld>
 </file>
 
-<file path=ppt/slides/slide38.xml><?xml version="1.0" encoding="utf-8"?>
+<file path=ppt/slides/slide32.xml><?xml version="1.0" encoding="utf-8"?>
 <p:sld xmlns:a="http://schemas.openxmlformats.org/drawingml/2006/main" xmlns:r="http://schemas.openxmlformats.org/officeDocument/2006/relationships" xmlns:p="http://schemas.openxmlformats.org/presentationml/2006/main">
   <p:cSld>
     <p:spTree>
@@ -13126,7 +11017,7 @@
 </p:sld>
 </file>
 
-<file path=ppt/slides/slide39.xml><?xml version="1.0" encoding="utf-8"?>
+<file path=ppt/slides/slide33.xml><?xml version="1.0" encoding="utf-8"?>
 <p:sld xmlns:a="http://schemas.openxmlformats.org/drawingml/2006/main" xmlns:r="http://schemas.openxmlformats.org/officeDocument/2006/relationships" xmlns:p="http://schemas.openxmlformats.org/presentationml/2006/main">
   <p:cSld>
     <p:spTree>
@@ -14595,101 +12486,251 @@
           <a:chExt cx="0" cy="0"/>
         </a:xfrm>
       </p:grpSpPr>
+      <p:grpSp>
+        <p:nvGrpSpPr>
+          <p:cNvPr id="28673" name="Group 5"/>
+          <p:cNvGrpSpPr>
+            <a:grpSpLocks noChangeAspect="1"/>
+          </p:cNvGrpSpPr>
+          <p:nvPr/>
+        </p:nvGrpSpPr>
+        <p:grpSpPr bwMode="auto">
+          <a:xfrm>
+            <a:off x="1671638" y="1793876"/>
+            <a:ext cx="3200400" cy="5064125"/>
+            <a:chOff x="0" y="852617"/>
+            <a:chExt cx="3795584" cy="6005383"/>
+          </a:xfrm>
+        </p:grpSpPr>
+        <p:pic>
+          <p:nvPicPr>
+            <p:cNvPr id="28676" name="Picture 1"/>
+            <p:cNvPicPr>
+              <a:picLocks noChangeAspect="1"/>
+            </p:cNvPicPr>
+            <p:nvPr/>
+          </p:nvPicPr>
+          <p:blipFill>
+            <a:blip r:embed="rId2">
+              <a:extLst>
+                <a:ext uri="{28A0092B-C50C-407E-A947-70E740481C1C}">
+                  <a14:useLocalDpi xmlns:a14="http://schemas.microsoft.com/office/drawing/2010/main" val="0"/>
+                </a:ext>
+              </a:extLst>
+            </a:blip>
+            <a:srcRect l="79729" t="6081" r="810" b="16255"/>
+            <a:stretch>
+              <a:fillRect/>
+            </a:stretch>
+          </p:blipFill>
+          <p:spPr bwMode="auto">
+            <a:xfrm>
+              <a:off x="1703173" y="1390751"/>
+              <a:ext cx="1779373" cy="3070039"/>
+            </a:xfrm>
+            <a:prstGeom prst="rect">
+              <a:avLst/>
+            </a:prstGeom>
+            <a:noFill/>
+            <a:ln>
+              <a:noFill/>
+            </a:ln>
+            <a:extLst>
+              <a:ext uri="{909E8E84-426E-40DD-AFC4-6F175D3DCCD1}">
+                <a14:hiddenFill xmlns:a14="http://schemas.microsoft.com/office/drawing/2010/main">
+                  <a:solidFill>
+                    <a:srgbClr val="FFFFFF"/>
+                  </a:solidFill>
+                </a14:hiddenFill>
+              </a:ext>
+              <a:ext uri="{91240B29-F687-4F45-9708-019B960494DF}">
+                <a14:hiddenLine xmlns:a14="http://schemas.microsoft.com/office/drawing/2010/main" w="9525">
+                  <a:solidFill>
+                    <a:srgbClr val="000000"/>
+                  </a:solidFill>
+                  <a:miter lim="800000"/>
+                  <a:headEnd/>
+                  <a:tailEnd/>
+                </a14:hiddenLine>
+              </a:ext>
+            </a:extLst>
+          </p:spPr>
+        </p:pic>
+        <p:pic>
+          <p:nvPicPr>
+            <p:cNvPr id="28677" name="Picture 2"/>
+            <p:cNvPicPr>
+              <a:picLocks noChangeAspect="1"/>
+            </p:cNvPicPr>
+            <p:nvPr/>
+          </p:nvPicPr>
+          <p:blipFill>
+            <a:blip r:embed="rId2">
+              <a:extLst>
+                <a:ext uri="{28A0092B-C50C-407E-A947-70E740481C1C}">
+                  <a14:useLocalDpi xmlns:a14="http://schemas.microsoft.com/office/drawing/2010/main" val="0"/>
+                </a:ext>
+              </a:extLst>
+            </a:blip>
+            <a:srcRect t="21606" r="61533" b="33693"/>
+            <a:stretch>
+              <a:fillRect/>
+            </a:stretch>
+          </p:blipFill>
+          <p:spPr bwMode="auto">
+            <a:xfrm>
+              <a:off x="0" y="4306946"/>
+              <a:ext cx="3517557" cy="1767016"/>
+            </a:xfrm>
+            <a:prstGeom prst="rect">
+              <a:avLst/>
+            </a:prstGeom>
+            <a:noFill/>
+            <a:ln>
+              <a:noFill/>
+            </a:ln>
+            <a:extLst>
+              <a:ext uri="{909E8E84-426E-40DD-AFC4-6F175D3DCCD1}">
+                <a14:hiddenFill xmlns:a14="http://schemas.microsoft.com/office/drawing/2010/main">
+                  <a:solidFill>
+                    <a:srgbClr val="FFFFFF"/>
+                  </a:solidFill>
+                </a14:hiddenFill>
+              </a:ext>
+              <a:ext uri="{91240B29-F687-4F45-9708-019B960494DF}">
+                <a14:hiddenLine xmlns:a14="http://schemas.microsoft.com/office/drawing/2010/main" w="9525">
+                  <a:solidFill>
+                    <a:srgbClr val="000000"/>
+                  </a:solidFill>
+                  <a:miter lim="800000"/>
+                  <a:headEnd/>
+                  <a:tailEnd/>
+                </a14:hiddenLine>
+              </a:ext>
+            </a:extLst>
+          </p:spPr>
+        </p:pic>
+        <p:pic>
+          <p:nvPicPr>
+            <p:cNvPr id="28678" name="Picture 3"/>
+            <p:cNvPicPr>
+              <a:picLocks noChangeAspect="1"/>
+            </p:cNvPicPr>
+            <p:nvPr/>
+          </p:nvPicPr>
+          <p:blipFill>
+            <a:blip r:embed="rId2">
+              <a:extLst>
+                <a:ext uri="{28A0092B-C50C-407E-A947-70E740481C1C}">
+                  <a14:useLocalDpi xmlns:a14="http://schemas.microsoft.com/office/drawing/2010/main" val="0"/>
+                </a:ext>
+              </a:extLst>
+            </a:blip>
+            <a:srcRect l="6577" t="74435" r="65045"/>
+            <a:stretch>
+              <a:fillRect/>
+            </a:stretch>
+          </p:blipFill>
+          <p:spPr bwMode="auto">
+            <a:xfrm>
+              <a:off x="0" y="5847419"/>
+              <a:ext cx="2594919" cy="1010581"/>
+            </a:xfrm>
+            <a:prstGeom prst="rect">
+              <a:avLst/>
+            </a:prstGeom>
+            <a:noFill/>
+            <a:ln>
+              <a:noFill/>
+            </a:ln>
+            <a:extLst>
+              <a:ext uri="{909E8E84-426E-40DD-AFC4-6F175D3DCCD1}">
+                <a14:hiddenFill xmlns:a14="http://schemas.microsoft.com/office/drawing/2010/main">
+                  <a:solidFill>
+                    <a:srgbClr val="FFFFFF"/>
+                  </a:solidFill>
+                </a14:hiddenFill>
+              </a:ext>
+              <a:ext uri="{91240B29-F687-4F45-9708-019B960494DF}">
+                <a14:hiddenLine xmlns:a14="http://schemas.microsoft.com/office/drawing/2010/main" w="9525">
+                  <a:solidFill>
+                    <a:srgbClr val="000000"/>
+                  </a:solidFill>
+                  <a:miter lim="800000"/>
+                  <a:headEnd/>
+                  <a:tailEnd/>
+                </a14:hiddenLine>
+              </a:ext>
+            </a:extLst>
+          </p:spPr>
+        </p:pic>
+        <p:pic>
+          <p:nvPicPr>
+            <p:cNvPr id="28679" name="Picture 4"/>
+            <p:cNvPicPr>
+              <a:picLocks noChangeAspect="1"/>
+            </p:cNvPicPr>
+            <p:nvPr/>
+          </p:nvPicPr>
+          <p:blipFill>
+            <a:blip r:embed="rId2">
+              <a:extLst>
+                <a:ext uri="{28A0092B-C50C-407E-A947-70E740481C1C}">
+                  <a14:useLocalDpi xmlns:a14="http://schemas.microsoft.com/office/drawing/2010/main" val="0"/>
+                </a:ext>
+              </a:extLst>
+            </a:blip>
+            <a:srcRect l="78242" t="82964"/>
+            <a:stretch>
+              <a:fillRect/>
+            </a:stretch>
+          </p:blipFill>
+          <p:spPr bwMode="auto">
+            <a:xfrm>
+              <a:off x="1806146" y="852617"/>
+              <a:ext cx="1989438" cy="673444"/>
+            </a:xfrm>
+            <a:prstGeom prst="rect">
+              <a:avLst/>
+            </a:prstGeom>
+            <a:noFill/>
+            <a:ln>
+              <a:noFill/>
+            </a:ln>
+            <a:extLst>
+              <a:ext uri="{909E8E84-426E-40DD-AFC4-6F175D3DCCD1}">
+                <a14:hiddenFill xmlns:a14="http://schemas.microsoft.com/office/drawing/2010/main">
+                  <a:solidFill>
+                    <a:srgbClr val="FFFFFF"/>
+                  </a:solidFill>
+                </a14:hiddenFill>
+              </a:ext>
+              <a:ext uri="{91240B29-F687-4F45-9708-019B960494DF}">
+                <a14:hiddenLine xmlns:a14="http://schemas.microsoft.com/office/drawing/2010/main" w="9525">
+                  <a:solidFill>
+                    <a:srgbClr val="000000"/>
+                  </a:solidFill>
+                  <a:miter lim="800000"/>
+                  <a:headEnd/>
+                  <a:tailEnd/>
+                </a14:hiddenLine>
+              </a:ext>
+            </a:extLst>
+          </p:spPr>
+        </p:pic>
+      </p:grpSp>
       <p:sp>
         <p:nvSpPr>
-          <p:cNvPr id="2" name="Title 1"/>
+          <p:cNvPr id="28674" name="Title 1"/>
           <p:cNvSpPr txBox="1">
             <a:spLocks/>
           </p:cNvSpPr>
           <p:nvPr/>
         </p:nvSpPr>
-        <p:spPr>
-          <a:xfrm>
-            <a:off x="1981200" y="0"/>
-            <a:ext cx="8229600" cy="1454150"/>
-          </a:xfrm>
-          <a:prstGeom prst="rect">
-            <a:avLst/>
-          </a:prstGeom>
-        </p:spPr>
-        <p:txBody>
-          <a:bodyPr/>
-          <a:lstStyle>
-            <a:lvl1pPr algn="ctr" defTabSz="914400" rtl="0" eaLnBrk="1" latinLnBrk="0" hangingPunct="1">
-              <a:spcBef>
-                <a:spcPct val="0"/>
-              </a:spcBef>
-              <a:buNone/>
-              <a:defRPr sz="4400" kern="1200">
-                <a:solidFill>
-                  <a:schemeClr val="tx1"/>
-                </a:solidFill>
-                <a:latin typeface="+mj-lt"/>
-                <a:ea typeface="+mj-ea"/>
-                <a:cs typeface="+mj-cs"/>
-              </a:defRPr>
-            </a:lvl1pPr>
-          </a:lstStyle>
-          <a:p>
-            <a:pPr>
-              <a:defRPr/>
-            </a:pPr>
-            <a:r>
-              <a:rPr lang="en-US" dirty="0">
-                <a:solidFill>
-                  <a:schemeClr val="bg1">
-                    <a:lumMod val="75000"/>
-                  </a:schemeClr>
-                </a:solidFill>
-              </a:rPr>
-              <a:t>How are proteins made? </a:t>
-            </a:r>
-          </a:p>
-          <a:p>
-            <a:pPr>
-              <a:defRPr/>
-            </a:pPr>
-            <a:r>
-              <a:rPr lang="en-US" dirty="0"/>
-              <a:t>Translation</a:t>
-            </a:r>
-          </a:p>
-          <a:p>
-            <a:pPr>
-              <a:defRPr/>
-            </a:pPr>
-            <a:r>
-              <a:rPr lang="en-US" sz="2800" u="sng" dirty="0"/>
-              <a:t>Machinery</a:t>
-            </a:r>
-          </a:p>
-        </p:txBody>
-      </p:sp>
-      <p:pic>
-        <p:nvPicPr>
-          <p:cNvPr id="22530" name="Picture 2"/>
-          <p:cNvPicPr>
-            <a:picLocks noChangeAspect="1"/>
-          </p:cNvPicPr>
-          <p:nvPr/>
-        </p:nvPicPr>
-        <p:blipFill>
-          <a:blip r:embed="rId2">
-            <a:extLst>
-              <a:ext uri="{28A0092B-C50C-407E-A947-70E740481C1C}">
-                <a14:useLocalDpi xmlns:a14="http://schemas.microsoft.com/office/drawing/2010/main" val="0"/>
-              </a:ext>
-            </a:extLst>
-          </a:blip>
-          <a:srcRect/>
-          <a:stretch>
-            <a:fillRect/>
-          </a:stretch>
-        </p:blipFill>
         <p:spPr bwMode="auto">
           <a:xfrm>
-            <a:off x="1524000" y="2319338"/>
-            <a:ext cx="9144000" cy="3998912"/>
+            <a:off x="1524000" y="152400"/>
+            <a:ext cx="9144000" cy="1143000"/>
           </a:xfrm>
           <a:prstGeom prst="rect">
             <a:avLst/>
@@ -14718,11 +12759,478 @@
             </a:ext>
           </a:extLst>
         </p:spPr>
-      </p:pic>
+        <p:txBody>
+          <a:bodyPr/>
+          <a:lstStyle>
+            <a:lvl1pPr>
+              <a:spcBef>
+                <a:spcPct val="20000"/>
+              </a:spcBef>
+              <a:buFont typeface="Arial" charset="0"/>
+              <a:buChar char="•"/>
+              <a:defRPr sz="3200">
+                <a:solidFill>
+                  <a:schemeClr val="tx1"/>
+                </a:solidFill>
+                <a:latin typeface="Calibri" charset="0"/>
+                <a:ea typeface="ＭＳ Ｐゴシック" charset="-128"/>
+              </a:defRPr>
+            </a:lvl1pPr>
+            <a:lvl2pPr marL="742950" indent="-285750">
+              <a:spcBef>
+                <a:spcPct val="20000"/>
+              </a:spcBef>
+              <a:buFont typeface="Arial" charset="0"/>
+              <a:buChar char="–"/>
+              <a:defRPr sz="2800">
+                <a:solidFill>
+                  <a:schemeClr val="tx1"/>
+                </a:solidFill>
+                <a:latin typeface="Calibri" charset="0"/>
+                <a:ea typeface="ＭＳ Ｐゴシック" charset="-128"/>
+              </a:defRPr>
+            </a:lvl2pPr>
+            <a:lvl3pPr marL="1143000" indent="-228600">
+              <a:spcBef>
+                <a:spcPct val="20000"/>
+              </a:spcBef>
+              <a:buFont typeface="Arial" charset="0"/>
+              <a:buChar char="•"/>
+              <a:defRPr sz="2400">
+                <a:solidFill>
+                  <a:schemeClr val="tx1"/>
+                </a:solidFill>
+                <a:latin typeface="Calibri" charset="0"/>
+                <a:ea typeface="ＭＳ Ｐゴシック" charset="-128"/>
+              </a:defRPr>
+            </a:lvl3pPr>
+            <a:lvl4pPr marL="1600200" indent="-228600">
+              <a:spcBef>
+                <a:spcPct val="20000"/>
+              </a:spcBef>
+              <a:buFont typeface="Arial" charset="0"/>
+              <a:buChar char="–"/>
+              <a:defRPr sz="2000">
+                <a:solidFill>
+                  <a:schemeClr val="tx1"/>
+                </a:solidFill>
+                <a:latin typeface="Calibri" charset="0"/>
+                <a:ea typeface="ＭＳ Ｐゴシック" charset="-128"/>
+              </a:defRPr>
+            </a:lvl4pPr>
+            <a:lvl5pPr marL="2057400" indent="-228600">
+              <a:spcBef>
+                <a:spcPct val="20000"/>
+              </a:spcBef>
+              <a:buFont typeface="Arial" charset="0"/>
+              <a:buChar char="»"/>
+              <a:defRPr sz="2000">
+                <a:solidFill>
+                  <a:schemeClr val="tx1"/>
+                </a:solidFill>
+                <a:latin typeface="Calibri" charset="0"/>
+                <a:ea typeface="ＭＳ Ｐゴシック" charset="-128"/>
+              </a:defRPr>
+            </a:lvl5pPr>
+            <a:lvl6pPr marL="2514600" indent="-228600" eaLnBrk="0" fontAlgn="base" hangingPunct="0">
+              <a:spcBef>
+                <a:spcPct val="20000"/>
+              </a:spcBef>
+              <a:spcAft>
+                <a:spcPct val="0"/>
+              </a:spcAft>
+              <a:buFont typeface="Arial" charset="0"/>
+              <a:buChar char="»"/>
+              <a:defRPr sz="2000">
+                <a:solidFill>
+                  <a:schemeClr val="tx1"/>
+                </a:solidFill>
+                <a:latin typeface="Calibri" charset="0"/>
+                <a:ea typeface="ＭＳ Ｐゴシック" charset="-128"/>
+              </a:defRPr>
+            </a:lvl6pPr>
+            <a:lvl7pPr marL="2971800" indent="-228600" eaLnBrk="0" fontAlgn="base" hangingPunct="0">
+              <a:spcBef>
+                <a:spcPct val="20000"/>
+              </a:spcBef>
+              <a:spcAft>
+                <a:spcPct val="0"/>
+              </a:spcAft>
+              <a:buFont typeface="Arial" charset="0"/>
+              <a:buChar char="»"/>
+              <a:defRPr sz="2000">
+                <a:solidFill>
+                  <a:schemeClr val="tx1"/>
+                </a:solidFill>
+                <a:latin typeface="Calibri" charset="0"/>
+                <a:ea typeface="ＭＳ Ｐゴシック" charset="-128"/>
+              </a:defRPr>
+            </a:lvl7pPr>
+            <a:lvl8pPr marL="3429000" indent="-228600" eaLnBrk="0" fontAlgn="base" hangingPunct="0">
+              <a:spcBef>
+                <a:spcPct val="20000"/>
+              </a:spcBef>
+              <a:spcAft>
+                <a:spcPct val="0"/>
+              </a:spcAft>
+              <a:buFont typeface="Arial" charset="0"/>
+              <a:buChar char="»"/>
+              <a:defRPr sz="2000">
+                <a:solidFill>
+                  <a:schemeClr val="tx1"/>
+                </a:solidFill>
+                <a:latin typeface="Calibri" charset="0"/>
+                <a:ea typeface="ＭＳ Ｐゴシック" charset="-128"/>
+              </a:defRPr>
+            </a:lvl8pPr>
+            <a:lvl9pPr marL="3886200" indent="-228600" eaLnBrk="0" fontAlgn="base" hangingPunct="0">
+              <a:spcBef>
+                <a:spcPct val="20000"/>
+              </a:spcBef>
+              <a:spcAft>
+                <a:spcPct val="0"/>
+              </a:spcAft>
+              <a:buFont typeface="Arial" charset="0"/>
+              <a:buChar char="»"/>
+              <a:defRPr sz="2000">
+                <a:solidFill>
+                  <a:schemeClr val="tx1"/>
+                </a:solidFill>
+                <a:latin typeface="Calibri" charset="0"/>
+                <a:ea typeface="ＭＳ Ｐゴシック" charset="-128"/>
+              </a:defRPr>
+            </a:lvl9pPr>
+          </a:lstStyle>
+          <a:p>
+            <a:pPr algn="ctr">
+              <a:spcBef>
+                <a:spcPct val="0"/>
+              </a:spcBef>
+              <a:buNone/>
+            </a:pPr>
+            <a:r>
+              <a:rPr lang="en-US" altLang="x-none" sz="4400"/>
+              <a:t>From the Genetic Code to the aa seq</a:t>
+            </a:r>
+          </a:p>
+        </p:txBody>
+      </p:sp>
+      <p:sp>
+        <p:nvSpPr>
+          <p:cNvPr id="28675" name="Content Placeholder 2"/>
+          <p:cNvSpPr txBox="1">
+            <a:spLocks/>
+          </p:cNvSpPr>
+          <p:nvPr/>
+        </p:nvSpPr>
+        <p:spPr bwMode="auto">
+          <a:xfrm>
+            <a:off x="5454650" y="1793875"/>
+            <a:ext cx="4978400" cy="4114800"/>
+          </a:xfrm>
+          <a:prstGeom prst="rect">
+            <a:avLst/>
+          </a:prstGeom>
+          <a:noFill/>
+          <a:ln>
+            <a:noFill/>
+          </a:ln>
+          <a:extLst>
+            <a:ext uri="{909E8E84-426E-40DD-AFC4-6F175D3DCCD1}">
+              <a14:hiddenFill xmlns:a14="http://schemas.microsoft.com/office/drawing/2010/main">
+                <a:solidFill>
+                  <a:srgbClr val="FFFFFF"/>
+                </a:solidFill>
+              </a14:hiddenFill>
+            </a:ext>
+            <a:ext uri="{91240B29-F687-4F45-9708-019B960494DF}">
+              <a14:hiddenLine xmlns:a14="http://schemas.microsoft.com/office/drawing/2010/main" w="9525">
+                <a:solidFill>
+                  <a:srgbClr val="000000"/>
+                </a:solidFill>
+                <a:miter lim="800000"/>
+                <a:headEnd/>
+                <a:tailEnd/>
+              </a14:hiddenLine>
+            </a:ext>
+          </a:extLst>
+        </p:spPr>
+        <p:txBody>
+          <a:bodyPr/>
+          <a:lstStyle>
+            <a:lvl1pPr marL="342900" indent="-342900">
+              <a:spcBef>
+                <a:spcPct val="20000"/>
+              </a:spcBef>
+              <a:buFont typeface="Arial" charset="0"/>
+              <a:buChar char="•"/>
+              <a:defRPr sz="3200">
+                <a:solidFill>
+                  <a:schemeClr val="tx1"/>
+                </a:solidFill>
+                <a:latin typeface="Calibri" charset="0"/>
+                <a:ea typeface="ＭＳ Ｐゴシック" charset="-128"/>
+              </a:defRPr>
+            </a:lvl1pPr>
+            <a:lvl2pPr marL="742950" indent="-285750">
+              <a:spcBef>
+                <a:spcPct val="20000"/>
+              </a:spcBef>
+              <a:buFont typeface="Arial" charset="0"/>
+              <a:buChar char="–"/>
+              <a:defRPr sz="2800">
+                <a:solidFill>
+                  <a:schemeClr val="tx1"/>
+                </a:solidFill>
+                <a:latin typeface="Calibri" charset="0"/>
+                <a:ea typeface="ＭＳ Ｐゴシック" charset="-128"/>
+              </a:defRPr>
+            </a:lvl2pPr>
+            <a:lvl3pPr marL="1143000" indent="-228600">
+              <a:spcBef>
+                <a:spcPct val="20000"/>
+              </a:spcBef>
+              <a:buFont typeface="Arial" charset="0"/>
+              <a:buChar char="•"/>
+              <a:defRPr sz="2400">
+                <a:solidFill>
+                  <a:schemeClr val="tx1"/>
+                </a:solidFill>
+                <a:latin typeface="Calibri" charset="0"/>
+                <a:ea typeface="ＭＳ Ｐゴシック" charset="-128"/>
+              </a:defRPr>
+            </a:lvl3pPr>
+            <a:lvl4pPr marL="1600200" indent="-228600">
+              <a:spcBef>
+                <a:spcPct val="20000"/>
+              </a:spcBef>
+              <a:buFont typeface="Arial" charset="0"/>
+              <a:buChar char="–"/>
+              <a:defRPr sz="2000">
+                <a:solidFill>
+                  <a:schemeClr val="tx1"/>
+                </a:solidFill>
+                <a:latin typeface="Calibri" charset="0"/>
+                <a:ea typeface="ＭＳ Ｐゴシック" charset="-128"/>
+              </a:defRPr>
+            </a:lvl4pPr>
+            <a:lvl5pPr marL="2057400" indent="-228600">
+              <a:spcBef>
+                <a:spcPct val="20000"/>
+              </a:spcBef>
+              <a:buFont typeface="Arial" charset="0"/>
+              <a:buChar char="»"/>
+              <a:defRPr sz="2000">
+                <a:solidFill>
+                  <a:schemeClr val="tx1"/>
+                </a:solidFill>
+                <a:latin typeface="Calibri" charset="0"/>
+                <a:ea typeface="ＭＳ Ｐゴシック" charset="-128"/>
+              </a:defRPr>
+            </a:lvl5pPr>
+            <a:lvl6pPr marL="2514600" indent="-228600" eaLnBrk="0" fontAlgn="base" hangingPunct="0">
+              <a:spcBef>
+                <a:spcPct val="20000"/>
+              </a:spcBef>
+              <a:spcAft>
+                <a:spcPct val="0"/>
+              </a:spcAft>
+              <a:buFont typeface="Arial" charset="0"/>
+              <a:buChar char="»"/>
+              <a:defRPr sz="2000">
+                <a:solidFill>
+                  <a:schemeClr val="tx1"/>
+                </a:solidFill>
+                <a:latin typeface="Calibri" charset="0"/>
+                <a:ea typeface="ＭＳ Ｐゴシック" charset="-128"/>
+              </a:defRPr>
+            </a:lvl6pPr>
+            <a:lvl7pPr marL="2971800" indent="-228600" eaLnBrk="0" fontAlgn="base" hangingPunct="0">
+              <a:spcBef>
+                <a:spcPct val="20000"/>
+              </a:spcBef>
+              <a:spcAft>
+                <a:spcPct val="0"/>
+              </a:spcAft>
+              <a:buFont typeface="Arial" charset="0"/>
+              <a:buChar char="»"/>
+              <a:defRPr sz="2000">
+                <a:solidFill>
+                  <a:schemeClr val="tx1"/>
+                </a:solidFill>
+                <a:latin typeface="Calibri" charset="0"/>
+                <a:ea typeface="ＭＳ Ｐゴシック" charset="-128"/>
+              </a:defRPr>
+            </a:lvl7pPr>
+            <a:lvl8pPr marL="3429000" indent="-228600" eaLnBrk="0" fontAlgn="base" hangingPunct="0">
+              <a:spcBef>
+                <a:spcPct val="20000"/>
+              </a:spcBef>
+              <a:spcAft>
+                <a:spcPct val="0"/>
+              </a:spcAft>
+              <a:buFont typeface="Arial" charset="0"/>
+              <a:buChar char="»"/>
+              <a:defRPr sz="2000">
+                <a:solidFill>
+                  <a:schemeClr val="tx1"/>
+                </a:solidFill>
+                <a:latin typeface="Calibri" charset="0"/>
+                <a:ea typeface="ＭＳ Ｐゴシック" charset="-128"/>
+              </a:defRPr>
+            </a:lvl8pPr>
+            <a:lvl9pPr marL="3886200" indent="-228600" eaLnBrk="0" fontAlgn="base" hangingPunct="0">
+              <a:spcBef>
+                <a:spcPct val="20000"/>
+              </a:spcBef>
+              <a:spcAft>
+                <a:spcPct val="0"/>
+              </a:spcAft>
+              <a:buFont typeface="Arial" charset="0"/>
+              <a:buChar char="»"/>
+              <a:defRPr sz="2000">
+                <a:solidFill>
+                  <a:schemeClr val="tx1"/>
+                </a:solidFill>
+                <a:latin typeface="Calibri" charset="0"/>
+                <a:ea typeface="ＭＳ Ｐゴシック" charset="-128"/>
+              </a:defRPr>
+            </a:lvl9pPr>
+          </a:lstStyle>
+          <a:p>
+            <a:r>
+              <a:rPr lang="en-US" altLang="x-none" sz="2400" dirty="0" smtClean="0">
+                <a:solidFill>
+                  <a:srgbClr val="000000"/>
+                </a:solidFill>
+              </a:rPr>
+              <a:t>_________: </a:t>
+            </a:r>
+            <a:r>
+              <a:rPr lang="en-US" altLang="x-none" sz="2400" dirty="0">
+                <a:solidFill>
+                  <a:srgbClr val="000000"/>
+                </a:solidFill>
+              </a:rPr>
+              <a:t>a set of 3 nucleotides in the mRNA </a:t>
+            </a:r>
+            <a:r>
+              <a:rPr lang="en-US" altLang="x-none" sz="2400" dirty="0" err="1">
+                <a:solidFill>
+                  <a:srgbClr val="000000"/>
+                </a:solidFill>
+              </a:rPr>
+              <a:t>seq</a:t>
+            </a:r>
+            <a:r>
+              <a:rPr lang="en-US" altLang="x-none" sz="2400" dirty="0">
+                <a:solidFill>
+                  <a:srgbClr val="000000"/>
+                </a:solidFill>
+              </a:rPr>
+              <a:t> that codes for 1 aa.</a:t>
+            </a:r>
+          </a:p>
+          <a:p>
+            <a:endParaRPr lang="en-US" altLang="x-none" sz="2400" dirty="0">
+              <a:solidFill>
+                <a:srgbClr val="000000"/>
+              </a:solidFill>
+            </a:endParaRPr>
+          </a:p>
+          <a:p>
+            <a:r>
+              <a:rPr lang="en-US" altLang="x-none" sz="2400" dirty="0" smtClean="0">
+                <a:solidFill>
+                  <a:srgbClr val="000000"/>
+                </a:solidFill>
+              </a:rPr>
+              <a:t>__________: </a:t>
+            </a:r>
+            <a:r>
+              <a:rPr lang="en-US" altLang="x-none" sz="2400" dirty="0">
+                <a:solidFill>
+                  <a:srgbClr val="000000"/>
+                </a:solidFill>
+              </a:rPr>
+              <a:t>corresponding </a:t>
+            </a:r>
+            <a:r>
+              <a:rPr lang="en-US" altLang="x-none" sz="2400" dirty="0" err="1">
+                <a:solidFill>
+                  <a:srgbClr val="000000"/>
+                </a:solidFill>
+              </a:rPr>
+              <a:t>triplete</a:t>
+            </a:r>
+            <a:r>
+              <a:rPr lang="en-US" altLang="x-none" sz="2400" dirty="0">
+                <a:solidFill>
+                  <a:srgbClr val="000000"/>
+                </a:solidFill>
+              </a:rPr>
+              <a:t> </a:t>
+            </a:r>
+            <a:r>
+              <a:rPr lang="en-US" altLang="x-none" sz="2400" dirty="0" err="1">
+                <a:solidFill>
+                  <a:srgbClr val="000000"/>
+                </a:solidFill>
+              </a:rPr>
+              <a:t>seqon</a:t>
+            </a:r>
+            <a:r>
+              <a:rPr lang="en-US" altLang="x-none" sz="2400" dirty="0">
+                <a:solidFill>
+                  <a:srgbClr val="000000"/>
+                </a:solidFill>
+              </a:rPr>
+              <a:t> the </a:t>
+            </a:r>
+            <a:r>
+              <a:rPr lang="en-US" altLang="x-none" sz="2400" dirty="0" err="1">
+                <a:solidFill>
+                  <a:srgbClr val="000000"/>
+                </a:solidFill>
+              </a:rPr>
+              <a:t>tRNA</a:t>
+            </a:r>
+            <a:r>
+              <a:rPr lang="en-US" altLang="x-none" sz="2400" dirty="0">
+                <a:solidFill>
+                  <a:srgbClr val="000000"/>
+                </a:solidFill>
+              </a:rPr>
+              <a:t> that brings the specific aa to the ribosome during the translation.</a:t>
+            </a:r>
+          </a:p>
+          <a:p>
+            <a:endParaRPr lang="en-US" altLang="x-none" sz="2400" dirty="0">
+              <a:solidFill>
+                <a:srgbClr val="000000"/>
+              </a:solidFill>
+            </a:endParaRPr>
+          </a:p>
+          <a:p>
+            <a:endParaRPr lang="en-US" altLang="x-none" sz="2400" dirty="0">
+              <a:solidFill>
+                <a:srgbClr val="000000"/>
+              </a:solidFill>
+            </a:endParaRPr>
+          </a:p>
+          <a:p>
+            <a:endParaRPr lang="en-US" altLang="x-none" sz="2400" dirty="0">
+              <a:solidFill>
+                <a:srgbClr val="000000"/>
+              </a:solidFill>
+            </a:endParaRPr>
+          </a:p>
+        </p:txBody>
+      </p:sp>
     </p:spTree>
     <p:extLst>
       <p:ext uri="{BB962C8B-B14F-4D97-AF65-F5344CB8AC3E}">
-        <p14:creationId xmlns:p14="http://schemas.microsoft.com/office/powerpoint/2010/main" val="1040682773"/>
+        <p14:creationId xmlns:p14="http://schemas.microsoft.com/office/powerpoint/2010/main" val="433234965"/>
       </p:ext>
     </p:extLst>
   </p:cSld>
@@ -14756,86 +13264,249 @@
           <a:chExt cx="0" cy="0"/>
         </a:xfrm>
       </p:grpSpPr>
-      <p:sp>
-        <p:nvSpPr>
-          <p:cNvPr id="2" name="Title 1"/>
-          <p:cNvSpPr txBox="1">
-            <a:spLocks/>
-          </p:cNvSpPr>
+      <p:grpSp>
+        <p:nvGrpSpPr>
+          <p:cNvPr id="29697" name="Group 5"/>
+          <p:cNvGrpSpPr>
+            <a:grpSpLocks noChangeAspect="1"/>
+          </p:cNvGrpSpPr>
           <p:nvPr/>
-        </p:nvSpPr>
-        <p:spPr>
+        </p:nvGrpSpPr>
+        <p:grpSpPr bwMode="auto">
           <a:xfrm>
-            <a:off x="1981200" y="0"/>
-            <a:ext cx="8229600" cy="1454150"/>
+            <a:off x="1671638" y="1793876"/>
+            <a:ext cx="3200400" cy="5064125"/>
+            <a:chOff x="0" y="852617"/>
+            <a:chExt cx="3795584" cy="6005383"/>
           </a:xfrm>
-          <a:prstGeom prst="rect">
-            <a:avLst/>
-          </a:prstGeom>
-        </p:spPr>
-        <p:txBody>
-          <a:bodyPr/>
-          <a:lstStyle>
-            <a:lvl1pPr algn="ctr" defTabSz="914400" rtl="0" eaLnBrk="1" latinLnBrk="0" hangingPunct="1">
-              <a:spcBef>
-                <a:spcPct val="0"/>
-              </a:spcBef>
-              <a:buNone/>
-              <a:defRPr sz="4400" kern="1200">
-                <a:solidFill>
-                  <a:schemeClr val="tx1"/>
-                </a:solidFill>
-                <a:latin typeface="+mj-lt"/>
-                <a:ea typeface="+mj-ea"/>
-                <a:cs typeface="+mj-cs"/>
-              </a:defRPr>
-            </a:lvl1pPr>
-          </a:lstStyle>
-          <a:p>
-            <a:pPr>
-              <a:defRPr/>
-            </a:pPr>
-            <a:r>
-              <a:rPr lang="en-US" dirty="0">
-                <a:solidFill>
-                  <a:schemeClr val="bg1">
-                    <a:lumMod val="75000"/>
-                  </a:schemeClr>
-                </a:solidFill>
-              </a:rPr>
-              <a:t>How are proteins made? </a:t>
-            </a:r>
-          </a:p>
-          <a:p>
-            <a:pPr>
-              <a:defRPr/>
-            </a:pPr>
-            <a:r>
-              <a:rPr lang="en-US" dirty="0"/>
-              <a:t>Translation</a:t>
-            </a:r>
-          </a:p>
-          <a:p>
-            <a:pPr>
-              <a:defRPr/>
-            </a:pPr>
-            <a:r>
-              <a:rPr lang="en-US" sz="2800" u="sng" dirty="0"/>
-              <a:t>Process</a:t>
-            </a:r>
-          </a:p>
-        </p:txBody>
-      </p:sp>
+        </p:grpSpPr>
+        <p:pic>
+          <p:nvPicPr>
+            <p:cNvPr id="29700" name="Picture 1"/>
+            <p:cNvPicPr>
+              <a:picLocks noChangeAspect="1"/>
+            </p:cNvPicPr>
+            <p:nvPr/>
+          </p:nvPicPr>
+          <p:blipFill>
+            <a:blip r:embed="rId2">
+              <a:extLst>
+                <a:ext uri="{28A0092B-C50C-407E-A947-70E740481C1C}">
+                  <a14:useLocalDpi xmlns:a14="http://schemas.microsoft.com/office/drawing/2010/main" val="0"/>
+                </a:ext>
+              </a:extLst>
+            </a:blip>
+            <a:srcRect l="79729" t="6081" r="810" b="16255"/>
+            <a:stretch>
+              <a:fillRect/>
+            </a:stretch>
+          </p:blipFill>
+          <p:spPr bwMode="auto">
+            <a:xfrm>
+              <a:off x="1703173" y="1390751"/>
+              <a:ext cx="1779373" cy="3070039"/>
+            </a:xfrm>
+            <a:prstGeom prst="rect">
+              <a:avLst/>
+            </a:prstGeom>
+            <a:noFill/>
+            <a:ln>
+              <a:noFill/>
+            </a:ln>
+            <a:extLst>
+              <a:ext uri="{909E8E84-426E-40DD-AFC4-6F175D3DCCD1}">
+                <a14:hiddenFill xmlns:a14="http://schemas.microsoft.com/office/drawing/2010/main">
+                  <a:solidFill>
+                    <a:srgbClr val="FFFFFF"/>
+                  </a:solidFill>
+                </a14:hiddenFill>
+              </a:ext>
+              <a:ext uri="{91240B29-F687-4F45-9708-019B960494DF}">
+                <a14:hiddenLine xmlns:a14="http://schemas.microsoft.com/office/drawing/2010/main" w="9525">
+                  <a:solidFill>
+                    <a:srgbClr val="000000"/>
+                  </a:solidFill>
+                  <a:miter lim="800000"/>
+                  <a:headEnd/>
+                  <a:tailEnd/>
+                </a14:hiddenLine>
+              </a:ext>
+            </a:extLst>
+          </p:spPr>
+        </p:pic>
+        <p:pic>
+          <p:nvPicPr>
+            <p:cNvPr id="29701" name="Picture 2"/>
+            <p:cNvPicPr>
+              <a:picLocks noChangeAspect="1"/>
+            </p:cNvPicPr>
+            <p:nvPr/>
+          </p:nvPicPr>
+          <p:blipFill>
+            <a:blip r:embed="rId2">
+              <a:extLst>
+                <a:ext uri="{28A0092B-C50C-407E-A947-70E740481C1C}">
+                  <a14:useLocalDpi xmlns:a14="http://schemas.microsoft.com/office/drawing/2010/main" val="0"/>
+                </a:ext>
+              </a:extLst>
+            </a:blip>
+            <a:srcRect t="21606" r="61533" b="33693"/>
+            <a:stretch>
+              <a:fillRect/>
+            </a:stretch>
+          </p:blipFill>
+          <p:spPr bwMode="auto">
+            <a:xfrm>
+              <a:off x="0" y="4306946"/>
+              <a:ext cx="3517557" cy="1767016"/>
+            </a:xfrm>
+            <a:prstGeom prst="rect">
+              <a:avLst/>
+            </a:prstGeom>
+            <a:noFill/>
+            <a:ln>
+              <a:noFill/>
+            </a:ln>
+            <a:extLst>
+              <a:ext uri="{909E8E84-426E-40DD-AFC4-6F175D3DCCD1}">
+                <a14:hiddenFill xmlns:a14="http://schemas.microsoft.com/office/drawing/2010/main">
+                  <a:solidFill>
+                    <a:srgbClr val="FFFFFF"/>
+                  </a:solidFill>
+                </a14:hiddenFill>
+              </a:ext>
+              <a:ext uri="{91240B29-F687-4F45-9708-019B960494DF}">
+                <a14:hiddenLine xmlns:a14="http://schemas.microsoft.com/office/drawing/2010/main" w="9525">
+                  <a:solidFill>
+                    <a:srgbClr val="000000"/>
+                  </a:solidFill>
+                  <a:miter lim="800000"/>
+                  <a:headEnd/>
+                  <a:tailEnd/>
+                </a14:hiddenLine>
+              </a:ext>
+            </a:extLst>
+          </p:spPr>
+        </p:pic>
+        <p:pic>
+          <p:nvPicPr>
+            <p:cNvPr id="29702" name="Picture 3"/>
+            <p:cNvPicPr>
+              <a:picLocks noChangeAspect="1"/>
+            </p:cNvPicPr>
+            <p:nvPr/>
+          </p:nvPicPr>
+          <p:blipFill>
+            <a:blip r:embed="rId2">
+              <a:extLst>
+                <a:ext uri="{28A0092B-C50C-407E-A947-70E740481C1C}">
+                  <a14:useLocalDpi xmlns:a14="http://schemas.microsoft.com/office/drawing/2010/main" val="0"/>
+                </a:ext>
+              </a:extLst>
+            </a:blip>
+            <a:srcRect l="6577" t="74435" r="65045"/>
+            <a:stretch>
+              <a:fillRect/>
+            </a:stretch>
+          </p:blipFill>
+          <p:spPr bwMode="auto">
+            <a:xfrm>
+              <a:off x="0" y="5847419"/>
+              <a:ext cx="2594919" cy="1010581"/>
+            </a:xfrm>
+            <a:prstGeom prst="rect">
+              <a:avLst/>
+            </a:prstGeom>
+            <a:noFill/>
+            <a:ln>
+              <a:noFill/>
+            </a:ln>
+            <a:extLst>
+              <a:ext uri="{909E8E84-426E-40DD-AFC4-6F175D3DCCD1}">
+                <a14:hiddenFill xmlns:a14="http://schemas.microsoft.com/office/drawing/2010/main">
+                  <a:solidFill>
+                    <a:srgbClr val="FFFFFF"/>
+                  </a:solidFill>
+                </a14:hiddenFill>
+              </a:ext>
+              <a:ext uri="{91240B29-F687-4F45-9708-019B960494DF}">
+                <a14:hiddenLine xmlns:a14="http://schemas.microsoft.com/office/drawing/2010/main" w="9525">
+                  <a:solidFill>
+                    <a:srgbClr val="000000"/>
+                  </a:solidFill>
+                  <a:miter lim="800000"/>
+                  <a:headEnd/>
+                  <a:tailEnd/>
+                </a14:hiddenLine>
+              </a:ext>
+            </a:extLst>
+          </p:spPr>
+        </p:pic>
+        <p:pic>
+          <p:nvPicPr>
+            <p:cNvPr id="29703" name="Picture 4"/>
+            <p:cNvPicPr>
+              <a:picLocks noChangeAspect="1"/>
+            </p:cNvPicPr>
+            <p:nvPr/>
+          </p:nvPicPr>
+          <p:blipFill>
+            <a:blip r:embed="rId2">
+              <a:extLst>
+                <a:ext uri="{28A0092B-C50C-407E-A947-70E740481C1C}">
+                  <a14:useLocalDpi xmlns:a14="http://schemas.microsoft.com/office/drawing/2010/main" val="0"/>
+                </a:ext>
+              </a:extLst>
+            </a:blip>
+            <a:srcRect l="78242" t="82964"/>
+            <a:stretch>
+              <a:fillRect/>
+            </a:stretch>
+          </p:blipFill>
+          <p:spPr bwMode="auto">
+            <a:xfrm>
+              <a:off x="1806146" y="852617"/>
+              <a:ext cx="1989438" cy="673444"/>
+            </a:xfrm>
+            <a:prstGeom prst="rect">
+              <a:avLst/>
+            </a:prstGeom>
+            <a:noFill/>
+            <a:ln>
+              <a:noFill/>
+            </a:ln>
+            <a:extLst>
+              <a:ext uri="{909E8E84-426E-40DD-AFC4-6F175D3DCCD1}">
+                <a14:hiddenFill xmlns:a14="http://schemas.microsoft.com/office/drawing/2010/main">
+                  <a:solidFill>
+                    <a:srgbClr val="FFFFFF"/>
+                  </a:solidFill>
+                </a14:hiddenFill>
+              </a:ext>
+              <a:ext uri="{91240B29-F687-4F45-9708-019B960494DF}">
+                <a14:hiddenLine xmlns:a14="http://schemas.microsoft.com/office/drawing/2010/main" w="9525">
+                  <a:solidFill>
+                    <a:srgbClr val="000000"/>
+                  </a:solidFill>
+                  <a:miter lim="800000"/>
+                  <a:headEnd/>
+                  <a:tailEnd/>
+                </a14:hiddenLine>
+              </a:ext>
+            </a:extLst>
+          </p:spPr>
+        </p:pic>
+      </p:grpSp>
       <p:pic>
         <p:nvPicPr>
-          <p:cNvPr id="23554" name="Picture 3"/>
+          <p:cNvPr id="29698" name="Picture 9"/>
           <p:cNvPicPr>
             <a:picLocks noChangeAspect="1"/>
           </p:cNvPicPr>
           <p:nvPr/>
         </p:nvPicPr>
         <p:blipFill>
-          <a:blip r:embed="rId2">
+          <a:blip r:embed="rId3">
             <a:extLst>
               <a:ext uri="{28A0092B-C50C-407E-A947-70E740481C1C}">
                 <a14:useLocalDpi xmlns:a14="http://schemas.microsoft.com/office/drawing/2010/main" val="0"/>
@@ -14849,8 +13520,8 @@
         </p:blipFill>
         <p:spPr bwMode="auto">
           <a:xfrm>
-            <a:off x="2314575" y="1860550"/>
-            <a:ext cx="7734300" cy="4622800"/>
+            <a:off x="4984750" y="1647826"/>
+            <a:ext cx="5486400" cy="5191125"/>
           </a:xfrm>
           <a:prstGeom prst="rect">
             <a:avLst/>
@@ -14880,10 +13551,206 @@
           </a:extLst>
         </p:spPr>
       </p:pic>
+      <p:sp>
+        <p:nvSpPr>
+          <p:cNvPr id="29699" name="Title 1"/>
+          <p:cNvSpPr txBox="1">
+            <a:spLocks/>
+          </p:cNvSpPr>
+          <p:nvPr/>
+        </p:nvSpPr>
+        <p:spPr bwMode="auto">
+          <a:xfrm>
+            <a:off x="1524000" y="152400"/>
+            <a:ext cx="9144000" cy="1143000"/>
+          </a:xfrm>
+          <a:prstGeom prst="rect">
+            <a:avLst/>
+          </a:prstGeom>
+          <a:noFill/>
+          <a:ln>
+            <a:noFill/>
+          </a:ln>
+          <a:extLst>
+            <a:ext uri="{909E8E84-426E-40DD-AFC4-6F175D3DCCD1}">
+              <a14:hiddenFill xmlns:a14="http://schemas.microsoft.com/office/drawing/2010/main">
+                <a:solidFill>
+                  <a:srgbClr val="FFFFFF"/>
+                </a:solidFill>
+              </a14:hiddenFill>
+            </a:ext>
+            <a:ext uri="{91240B29-F687-4F45-9708-019B960494DF}">
+              <a14:hiddenLine xmlns:a14="http://schemas.microsoft.com/office/drawing/2010/main" w="9525">
+                <a:solidFill>
+                  <a:srgbClr val="000000"/>
+                </a:solidFill>
+                <a:miter lim="800000"/>
+                <a:headEnd/>
+                <a:tailEnd/>
+              </a14:hiddenLine>
+            </a:ext>
+          </a:extLst>
+        </p:spPr>
+        <p:txBody>
+          <a:bodyPr/>
+          <a:lstStyle>
+            <a:lvl1pPr>
+              <a:spcBef>
+                <a:spcPct val="20000"/>
+              </a:spcBef>
+              <a:buFont typeface="Arial" charset="0"/>
+              <a:buChar char="•"/>
+              <a:defRPr sz="3200">
+                <a:solidFill>
+                  <a:schemeClr val="tx1"/>
+                </a:solidFill>
+                <a:latin typeface="Calibri" charset="0"/>
+                <a:ea typeface="ＭＳ Ｐゴシック" charset="-128"/>
+              </a:defRPr>
+            </a:lvl1pPr>
+            <a:lvl2pPr marL="742950" indent="-285750">
+              <a:spcBef>
+                <a:spcPct val="20000"/>
+              </a:spcBef>
+              <a:buFont typeface="Arial" charset="0"/>
+              <a:buChar char="–"/>
+              <a:defRPr sz="2800">
+                <a:solidFill>
+                  <a:schemeClr val="tx1"/>
+                </a:solidFill>
+                <a:latin typeface="Calibri" charset="0"/>
+                <a:ea typeface="ＭＳ Ｐゴシック" charset="-128"/>
+              </a:defRPr>
+            </a:lvl2pPr>
+            <a:lvl3pPr marL="1143000" indent="-228600">
+              <a:spcBef>
+                <a:spcPct val="20000"/>
+              </a:spcBef>
+              <a:buFont typeface="Arial" charset="0"/>
+              <a:buChar char="•"/>
+              <a:defRPr sz="2400">
+                <a:solidFill>
+                  <a:schemeClr val="tx1"/>
+                </a:solidFill>
+                <a:latin typeface="Calibri" charset="0"/>
+                <a:ea typeface="ＭＳ Ｐゴシック" charset="-128"/>
+              </a:defRPr>
+            </a:lvl3pPr>
+            <a:lvl4pPr marL="1600200" indent="-228600">
+              <a:spcBef>
+                <a:spcPct val="20000"/>
+              </a:spcBef>
+              <a:buFont typeface="Arial" charset="0"/>
+              <a:buChar char="–"/>
+              <a:defRPr sz="2000">
+                <a:solidFill>
+                  <a:schemeClr val="tx1"/>
+                </a:solidFill>
+                <a:latin typeface="Calibri" charset="0"/>
+                <a:ea typeface="ＭＳ Ｐゴシック" charset="-128"/>
+              </a:defRPr>
+            </a:lvl4pPr>
+            <a:lvl5pPr marL="2057400" indent="-228600">
+              <a:spcBef>
+                <a:spcPct val="20000"/>
+              </a:spcBef>
+              <a:buFont typeface="Arial" charset="0"/>
+              <a:buChar char="»"/>
+              <a:defRPr sz="2000">
+                <a:solidFill>
+                  <a:schemeClr val="tx1"/>
+                </a:solidFill>
+                <a:latin typeface="Calibri" charset="0"/>
+                <a:ea typeface="ＭＳ Ｐゴシック" charset="-128"/>
+              </a:defRPr>
+            </a:lvl5pPr>
+            <a:lvl6pPr marL="2514600" indent="-228600" eaLnBrk="0" fontAlgn="base" hangingPunct="0">
+              <a:spcBef>
+                <a:spcPct val="20000"/>
+              </a:spcBef>
+              <a:spcAft>
+                <a:spcPct val="0"/>
+              </a:spcAft>
+              <a:buFont typeface="Arial" charset="0"/>
+              <a:buChar char="»"/>
+              <a:defRPr sz="2000">
+                <a:solidFill>
+                  <a:schemeClr val="tx1"/>
+                </a:solidFill>
+                <a:latin typeface="Calibri" charset="0"/>
+                <a:ea typeface="ＭＳ Ｐゴシック" charset="-128"/>
+              </a:defRPr>
+            </a:lvl6pPr>
+            <a:lvl7pPr marL="2971800" indent="-228600" eaLnBrk="0" fontAlgn="base" hangingPunct="0">
+              <a:spcBef>
+                <a:spcPct val="20000"/>
+              </a:spcBef>
+              <a:spcAft>
+                <a:spcPct val="0"/>
+              </a:spcAft>
+              <a:buFont typeface="Arial" charset="0"/>
+              <a:buChar char="»"/>
+              <a:defRPr sz="2000">
+                <a:solidFill>
+                  <a:schemeClr val="tx1"/>
+                </a:solidFill>
+                <a:latin typeface="Calibri" charset="0"/>
+                <a:ea typeface="ＭＳ Ｐゴシック" charset="-128"/>
+              </a:defRPr>
+            </a:lvl7pPr>
+            <a:lvl8pPr marL="3429000" indent="-228600" eaLnBrk="0" fontAlgn="base" hangingPunct="0">
+              <a:spcBef>
+                <a:spcPct val="20000"/>
+              </a:spcBef>
+              <a:spcAft>
+                <a:spcPct val="0"/>
+              </a:spcAft>
+              <a:buFont typeface="Arial" charset="0"/>
+              <a:buChar char="»"/>
+              <a:defRPr sz="2000">
+                <a:solidFill>
+                  <a:schemeClr val="tx1"/>
+                </a:solidFill>
+                <a:latin typeface="Calibri" charset="0"/>
+                <a:ea typeface="ＭＳ Ｐゴシック" charset="-128"/>
+              </a:defRPr>
+            </a:lvl8pPr>
+            <a:lvl9pPr marL="3886200" indent="-228600" eaLnBrk="0" fontAlgn="base" hangingPunct="0">
+              <a:spcBef>
+                <a:spcPct val="20000"/>
+              </a:spcBef>
+              <a:spcAft>
+                <a:spcPct val="0"/>
+              </a:spcAft>
+              <a:buFont typeface="Arial" charset="0"/>
+              <a:buChar char="»"/>
+              <a:defRPr sz="2000">
+                <a:solidFill>
+                  <a:schemeClr val="tx1"/>
+                </a:solidFill>
+                <a:latin typeface="Calibri" charset="0"/>
+                <a:ea typeface="ＭＳ Ｐゴシック" charset="-128"/>
+              </a:defRPr>
+            </a:lvl9pPr>
+          </a:lstStyle>
+          <a:p>
+            <a:pPr algn="ctr">
+              <a:spcBef>
+                <a:spcPct val="0"/>
+              </a:spcBef>
+              <a:buNone/>
+            </a:pPr>
+            <a:r>
+              <a:rPr lang="en-US" altLang="x-none" sz="4400"/>
+              <a:t>The genetic code</a:t>
+            </a:r>
+          </a:p>
+        </p:txBody>
+      </p:sp>
     </p:spTree>
     <p:extLst>
       <p:ext uri="{BB962C8B-B14F-4D97-AF65-F5344CB8AC3E}">
-        <p14:creationId xmlns:p14="http://schemas.microsoft.com/office/powerpoint/2010/main" val="1648544643"/>
+        <p14:creationId xmlns:p14="http://schemas.microsoft.com/office/powerpoint/2010/main" val="1410493425"/>
       </p:ext>
     </p:extLst>
   </p:cSld>
